--- a/Презентация.pptx
+++ b/Презентация.pptx
@@ -6,12 +6,21 @@
   </p:sldMasterIdLst>
   <p:sldIdLst>
     <p:sldId id="256" r:id="rId2"/>
-    <p:sldId id="257" r:id="rId3"/>
-    <p:sldId id="260" r:id="rId4"/>
-    <p:sldId id="261" r:id="rId5"/>
-    <p:sldId id="262" r:id="rId6"/>
-    <p:sldId id="258" r:id="rId7"/>
-    <p:sldId id="259" r:id="rId8"/>
+    <p:sldId id="260" r:id="rId3"/>
+    <p:sldId id="261" r:id="rId4"/>
+    <p:sldId id="262" r:id="rId5"/>
+    <p:sldId id="263" r:id="rId6"/>
+    <p:sldId id="264" r:id="rId7"/>
+    <p:sldId id="265" r:id="rId8"/>
+    <p:sldId id="266" r:id="rId9"/>
+    <p:sldId id="267" r:id="rId10"/>
+    <p:sldId id="268" r:id="rId11"/>
+    <p:sldId id="269" r:id="rId12"/>
+    <p:sldId id="272" r:id="rId13"/>
+    <p:sldId id="271" r:id="rId14"/>
+    <p:sldId id="273" r:id="rId15"/>
+    <p:sldId id="258" r:id="rId16"/>
+    <p:sldId id="259" r:id="rId17"/>
   </p:sldIdLst>
   <p:sldSz cx="12192000" cy="6858000"/>
   <p:notesSz cx="6858000" cy="9144000"/>
@@ -265,7 +274,7 @@
           <a:p>
             <a:fld id="{0C79A266-AB5B-4A85-98F3-558B8234BBF3}" type="datetimeFigureOut">
               <a:rPr lang="ru-RU" smtClean="0"/>
-              <a:t>12.01.2022</a:t>
+              <a:t>20.01.2022</a:t>
             </a:fld>
             <a:endParaRPr lang="ru-RU"/>
           </a:p>
@@ -499,7 +508,7 @@
           <a:p>
             <a:fld id="{0C79A266-AB5B-4A85-98F3-558B8234BBF3}" type="datetimeFigureOut">
               <a:rPr lang="ru-RU" smtClean="0"/>
-              <a:t>12.01.2022</a:t>
+              <a:t>20.01.2022</a:t>
             </a:fld>
             <a:endParaRPr lang="ru-RU"/>
           </a:p>
@@ -707,7 +716,7 @@
           <a:p>
             <a:fld id="{0C79A266-AB5B-4A85-98F3-558B8234BBF3}" type="datetimeFigureOut">
               <a:rPr lang="ru-RU" smtClean="0"/>
-              <a:t>12.01.2022</a:t>
+              <a:t>20.01.2022</a:t>
             </a:fld>
             <a:endParaRPr lang="ru-RU"/>
           </a:p>
@@ -905,7 +914,7 @@
           <a:p>
             <a:fld id="{0C79A266-AB5B-4A85-98F3-558B8234BBF3}" type="datetimeFigureOut">
               <a:rPr lang="ru-RU" smtClean="0"/>
-              <a:t>12.01.2022</a:t>
+              <a:t>20.01.2022</a:t>
             </a:fld>
             <a:endParaRPr lang="ru-RU"/>
           </a:p>
@@ -1180,7 +1189,7 @@
           <a:p>
             <a:fld id="{0C79A266-AB5B-4A85-98F3-558B8234BBF3}" type="datetimeFigureOut">
               <a:rPr lang="ru-RU" smtClean="0"/>
-              <a:t>12.01.2022</a:t>
+              <a:t>20.01.2022</a:t>
             </a:fld>
             <a:endParaRPr lang="ru-RU"/>
           </a:p>
@@ -1445,7 +1454,7 @@
           <a:p>
             <a:fld id="{0C79A266-AB5B-4A85-98F3-558B8234BBF3}" type="datetimeFigureOut">
               <a:rPr lang="ru-RU" smtClean="0"/>
-              <a:t>12.01.2022</a:t>
+              <a:t>20.01.2022</a:t>
             </a:fld>
             <a:endParaRPr lang="ru-RU"/>
           </a:p>
@@ -1857,7 +1866,7 @@
           <a:p>
             <a:fld id="{0C79A266-AB5B-4A85-98F3-558B8234BBF3}" type="datetimeFigureOut">
               <a:rPr lang="ru-RU" smtClean="0"/>
-              <a:t>12.01.2022</a:t>
+              <a:t>20.01.2022</a:t>
             </a:fld>
             <a:endParaRPr lang="ru-RU"/>
           </a:p>
@@ -1998,7 +2007,7 @@
           <a:p>
             <a:fld id="{0C79A266-AB5B-4A85-98F3-558B8234BBF3}" type="datetimeFigureOut">
               <a:rPr lang="ru-RU" smtClean="0"/>
-              <a:t>12.01.2022</a:t>
+              <a:t>20.01.2022</a:t>
             </a:fld>
             <a:endParaRPr lang="ru-RU"/>
           </a:p>
@@ -2111,7 +2120,7 @@
           <a:p>
             <a:fld id="{0C79A266-AB5B-4A85-98F3-558B8234BBF3}" type="datetimeFigureOut">
               <a:rPr lang="ru-RU" smtClean="0"/>
-              <a:t>12.01.2022</a:t>
+              <a:t>20.01.2022</a:t>
             </a:fld>
             <a:endParaRPr lang="ru-RU"/>
           </a:p>
@@ -2422,7 +2431,7 @@
           <a:p>
             <a:fld id="{0C79A266-AB5B-4A85-98F3-558B8234BBF3}" type="datetimeFigureOut">
               <a:rPr lang="ru-RU" smtClean="0"/>
-              <a:t>12.01.2022</a:t>
+              <a:t>20.01.2022</a:t>
             </a:fld>
             <a:endParaRPr lang="ru-RU"/>
           </a:p>
@@ -2710,7 +2719,7 @@
           <a:p>
             <a:fld id="{0C79A266-AB5B-4A85-98F3-558B8234BBF3}" type="datetimeFigureOut">
               <a:rPr lang="ru-RU" smtClean="0"/>
-              <a:t>12.01.2022</a:t>
+              <a:t>20.01.2022</a:t>
             </a:fld>
             <a:endParaRPr lang="ru-RU"/>
           </a:p>
@@ -2951,7 +2960,7 @@
           <a:p>
             <a:fld id="{0C79A266-AB5B-4A85-98F3-558B8234BBF3}" type="datetimeFigureOut">
               <a:rPr lang="ru-RU" smtClean="0"/>
-              <a:t>12.01.2022</a:t>
+              <a:t>20.01.2022</a:t>
             </a:fld>
             <a:endParaRPr lang="ru-RU"/>
           </a:p>
@@ -3769,6 +3778,1252 @@
 </p:sld>
 </file>
 
+<file path=ppt/slides/slide10.xml><?xml version="1.0" encoding="utf-8"?>
+<p:sld xmlns:a="http://schemas.openxmlformats.org/drawingml/2006/main" xmlns:r="http://schemas.openxmlformats.org/officeDocument/2006/relationships" xmlns:p="http://schemas.openxmlformats.org/presentationml/2006/main">
+  <p:cSld>
+    <p:spTree>
+      <p:nvGrpSpPr>
+        <p:cNvPr id="1" name=""/>
+        <p:cNvGrpSpPr/>
+        <p:nvPr/>
+      </p:nvGrpSpPr>
+      <p:grpSpPr>
+        <a:xfrm>
+          <a:off x="0" y="0"/>
+          <a:ext cx="0" cy="0"/>
+          <a:chOff x="0" y="0"/>
+          <a:chExt cx="0" cy="0"/>
+        </a:xfrm>
+      </p:grpSpPr>
+      <p:sp>
+        <p:nvSpPr>
+          <p:cNvPr id="3" name="Заголовок 1">
+            <a:extLst>
+              <a:ext uri="{FF2B5EF4-FFF2-40B4-BE49-F238E27FC236}">
+                <a16:creationId xmlns:a16="http://schemas.microsoft.com/office/drawing/2014/main" id="{702423D9-40DE-4A3A-AEFC-CFEEDF2E3DDB}"/>
+              </a:ext>
+            </a:extLst>
+          </p:cNvPr>
+          <p:cNvSpPr>
+            <a:spLocks noGrp="1"/>
+          </p:cNvSpPr>
+          <p:nvPr>
+            <p:ph type="title"/>
+          </p:nvPr>
+        </p:nvSpPr>
+        <p:spPr>
+          <a:xfrm>
+            <a:off x="4469179" y="304800"/>
+            <a:ext cx="10515600" cy="1325563"/>
+          </a:xfrm>
+        </p:spPr>
+        <p:txBody>
+          <a:bodyPr>
+            <a:normAutofit/>
+          </a:bodyPr>
+          <a:lstStyle/>
+          <a:p>
+            <a:r>
+              <a:rPr lang="ru-RU" sz="6600" b="1" dirty="0">
+                <a:ln w="13462">
+                  <a:solidFill>
+                    <a:schemeClr val="bg1"/>
+                  </a:solidFill>
+                  <a:prstDash val="solid"/>
+                </a:ln>
+                <a:solidFill>
+                  <a:schemeClr val="accent2">
+                    <a:lumMod val="50000"/>
+                  </a:schemeClr>
+                </a:solidFill>
+                <a:effectLst>
+                  <a:outerShdw dist="38100" dir="2700000" algn="bl" rotWithShape="0">
+                    <a:schemeClr val="accent5"/>
+                  </a:outerShdw>
+                </a:effectLst>
+                <a:latin typeface="+mn-lt"/>
+              </a:rPr>
+              <a:t>Пауза</a:t>
+            </a:r>
+          </a:p>
+        </p:txBody>
+      </p:sp>
+      <p:pic>
+        <p:nvPicPr>
+          <p:cNvPr id="8" name="Рисунок 7">
+            <a:extLst>
+              <a:ext uri="{FF2B5EF4-FFF2-40B4-BE49-F238E27FC236}">
+                <a16:creationId xmlns:a16="http://schemas.microsoft.com/office/drawing/2014/main" id="{2A707D7F-35C7-4894-AAE9-D7F167D81ED5}"/>
+              </a:ext>
+            </a:extLst>
+          </p:cNvPr>
+          <p:cNvPicPr>
+            <a:picLocks noChangeAspect="1"/>
+          </p:cNvPicPr>
+          <p:nvPr/>
+        </p:nvPicPr>
+        <p:blipFill>
+          <a:blip r:embed="rId2">
+            <a:extLst>
+              <a:ext uri="{28A0092B-C50C-407E-A947-70E740481C1C}">
+                <a14:useLocalDpi xmlns:a14="http://schemas.microsoft.com/office/drawing/2010/main" val="0"/>
+              </a:ext>
+            </a:extLst>
+          </a:blip>
+          <a:stretch>
+            <a:fillRect/>
+          </a:stretch>
+        </p:blipFill>
+        <p:spPr>
+          <a:xfrm>
+            <a:off x="5604681" y="1781175"/>
+            <a:ext cx="4781550" cy="942975"/>
+          </a:xfrm>
+          <a:prstGeom prst="rect">
+            <a:avLst/>
+          </a:prstGeom>
+        </p:spPr>
+      </p:pic>
+      <p:pic>
+        <p:nvPicPr>
+          <p:cNvPr id="10" name="Рисунок 9">
+            <a:extLst>
+              <a:ext uri="{FF2B5EF4-FFF2-40B4-BE49-F238E27FC236}">
+                <a16:creationId xmlns:a16="http://schemas.microsoft.com/office/drawing/2014/main" id="{323E7FD8-6A85-4A57-8B1B-ACCAFBB556F9}"/>
+              </a:ext>
+            </a:extLst>
+          </p:cNvPr>
+          <p:cNvPicPr>
+            <a:picLocks noChangeAspect="1"/>
+          </p:cNvPicPr>
+          <p:nvPr/>
+        </p:nvPicPr>
+        <p:blipFill>
+          <a:blip r:embed="rId3">
+            <a:extLst>
+              <a:ext uri="{28A0092B-C50C-407E-A947-70E740481C1C}">
+                <a14:useLocalDpi xmlns:a14="http://schemas.microsoft.com/office/drawing/2010/main" val="0"/>
+              </a:ext>
+            </a:extLst>
+          </a:blip>
+          <a:stretch>
+            <a:fillRect/>
+          </a:stretch>
+        </p:blipFill>
+        <p:spPr>
+          <a:xfrm>
+            <a:off x="407424" y="1781175"/>
+            <a:ext cx="4667250" cy="3295650"/>
+          </a:xfrm>
+          <a:prstGeom prst="rect">
+            <a:avLst/>
+          </a:prstGeom>
+        </p:spPr>
+      </p:pic>
+      <p:pic>
+        <p:nvPicPr>
+          <p:cNvPr id="13" name="Рисунок 12">
+            <a:extLst>
+              <a:ext uri="{FF2B5EF4-FFF2-40B4-BE49-F238E27FC236}">
+                <a16:creationId xmlns:a16="http://schemas.microsoft.com/office/drawing/2014/main" id="{6A45993C-8A43-44DA-92FE-244B61A79715}"/>
+              </a:ext>
+            </a:extLst>
+          </p:cNvPr>
+          <p:cNvPicPr>
+            <a:picLocks noChangeAspect="1"/>
+          </p:cNvPicPr>
+          <p:nvPr/>
+        </p:nvPicPr>
+        <p:blipFill>
+          <a:blip r:embed="rId4">
+            <a:extLst>
+              <a:ext uri="{28A0092B-C50C-407E-A947-70E740481C1C}">
+                <a14:useLocalDpi xmlns:a14="http://schemas.microsoft.com/office/drawing/2010/main" val="0"/>
+              </a:ext>
+            </a:extLst>
+          </a:blip>
+          <a:stretch>
+            <a:fillRect/>
+          </a:stretch>
+        </p:blipFill>
+        <p:spPr>
+          <a:xfrm>
+            <a:off x="4922254" y="4033457"/>
+            <a:ext cx="3219450" cy="2409825"/>
+          </a:xfrm>
+          <a:prstGeom prst="rect">
+            <a:avLst/>
+          </a:prstGeom>
+        </p:spPr>
+      </p:pic>
+    </p:spTree>
+    <p:extLst>
+      <p:ext uri="{BB962C8B-B14F-4D97-AF65-F5344CB8AC3E}">
+        <p14:creationId xmlns:p14="http://schemas.microsoft.com/office/powerpoint/2010/main" val="4135485816"/>
+      </p:ext>
+    </p:extLst>
+  </p:cSld>
+  <p:clrMapOvr>
+    <a:masterClrMapping/>
+  </p:clrMapOvr>
+</p:sld>
+</file>
+
+<file path=ppt/slides/slide11.xml><?xml version="1.0" encoding="utf-8"?>
+<p:sld xmlns:a="http://schemas.openxmlformats.org/drawingml/2006/main" xmlns:r="http://schemas.openxmlformats.org/officeDocument/2006/relationships" xmlns:p="http://schemas.openxmlformats.org/presentationml/2006/main">
+  <p:cSld>
+    <p:spTree>
+      <p:nvGrpSpPr>
+        <p:cNvPr id="1" name=""/>
+        <p:cNvGrpSpPr/>
+        <p:nvPr/>
+      </p:nvGrpSpPr>
+      <p:grpSpPr>
+        <a:xfrm>
+          <a:off x="0" y="0"/>
+          <a:ext cx="0" cy="0"/>
+          <a:chOff x="0" y="0"/>
+          <a:chExt cx="0" cy="0"/>
+        </a:xfrm>
+      </p:grpSpPr>
+      <p:sp>
+        <p:nvSpPr>
+          <p:cNvPr id="3" name="Заголовок 1">
+            <a:extLst>
+              <a:ext uri="{FF2B5EF4-FFF2-40B4-BE49-F238E27FC236}">
+                <a16:creationId xmlns:a16="http://schemas.microsoft.com/office/drawing/2014/main" id="{702423D9-40DE-4A3A-AEFC-CFEEDF2E3DDB}"/>
+              </a:ext>
+            </a:extLst>
+          </p:cNvPr>
+          <p:cNvSpPr>
+            <a:spLocks noGrp="1"/>
+          </p:cNvSpPr>
+          <p:nvPr>
+            <p:ph type="title"/>
+          </p:nvPr>
+        </p:nvSpPr>
+        <p:spPr>
+          <a:xfrm>
+            <a:off x="3022516" y="332095"/>
+            <a:ext cx="10515600" cy="1325563"/>
+          </a:xfrm>
+        </p:spPr>
+        <p:txBody>
+          <a:bodyPr>
+            <a:normAutofit/>
+          </a:bodyPr>
+          <a:lstStyle/>
+          <a:p>
+            <a:r>
+              <a:rPr lang="ru-RU" sz="6600" b="1" dirty="0">
+                <a:ln w="13462">
+                  <a:solidFill>
+                    <a:schemeClr val="bg1"/>
+                  </a:solidFill>
+                  <a:prstDash val="solid"/>
+                </a:ln>
+                <a:solidFill>
+                  <a:schemeClr val="accent2">
+                    <a:lumMod val="50000"/>
+                  </a:schemeClr>
+                </a:solidFill>
+                <a:effectLst>
+                  <a:outerShdw dist="38100" dir="2700000" algn="bl" rotWithShape="0">
+                    <a:schemeClr val="accent5"/>
+                  </a:outerShdw>
+                </a:effectLst>
+                <a:latin typeface="+mn-lt"/>
+              </a:rPr>
+              <a:t>Кристаллики </a:t>
+            </a:r>
+          </a:p>
+        </p:txBody>
+      </p:sp>
+      <p:pic>
+        <p:nvPicPr>
+          <p:cNvPr id="6" name="Рисунок 5">
+            <a:extLst>
+              <a:ext uri="{FF2B5EF4-FFF2-40B4-BE49-F238E27FC236}">
+                <a16:creationId xmlns:a16="http://schemas.microsoft.com/office/drawing/2014/main" id="{3B382A89-F65A-43AF-924C-1ACA6FED97D4}"/>
+              </a:ext>
+            </a:extLst>
+          </p:cNvPr>
+          <p:cNvPicPr>
+            <a:picLocks noChangeAspect="1"/>
+          </p:cNvPicPr>
+          <p:nvPr/>
+        </p:nvPicPr>
+        <p:blipFill>
+          <a:blip r:embed="rId2">
+            <a:extLst>
+              <a:ext uri="{28A0092B-C50C-407E-A947-70E740481C1C}">
+                <a14:useLocalDpi xmlns:a14="http://schemas.microsoft.com/office/drawing/2010/main" val="0"/>
+              </a:ext>
+            </a:extLst>
+          </a:blip>
+          <a:stretch>
+            <a:fillRect/>
+          </a:stretch>
+        </p:blipFill>
+        <p:spPr>
+          <a:xfrm>
+            <a:off x="6369397" y="4887298"/>
+            <a:ext cx="2539682" cy="1015873"/>
+          </a:xfrm>
+          <a:prstGeom prst="rect">
+            <a:avLst/>
+          </a:prstGeom>
+        </p:spPr>
+      </p:pic>
+      <p:pic>
+        <p:nvPicPr>
+          <p:cNvPr id="9" name="Рисунок 8">
+            <a:extLst>
+              <a:ext uri="{FF2B5EF4-FFF2-40B4-BE49-F238E27FC236}">
+                <a16:creationId xmlns:a16="http://schemas.microsoft.com/office/drawing/2014/main" id="{287AB4BB-C243-4B58-8D66-4349DCDFF576}"/>
+              </a:ext>
+            </a:extLst>
+          </p:cNvPr>
+          <p:cNvPicPr>
+            <a:picLocks noChangeAspect="1"/>
+          </p:cNvPicPr>
+          <p:nvPr/>
+        </p:nvPicPr>
+        <p:blipFill>
+          <a:blip r:embed="rId3">
+            <a:extLst>
+              <a:ext uri="{28A0092B-C50C-407E-A947-70E740481C1C}">
+                <a14:useLocalDpi xmlns:a14="http://schemas.microsoft.com/office/drawing/2010/main" val="0"/>
+              </a:ext>
+            </a:extLst>
+          </a:blip>
+          <a:stretch>
+            <a:fillRect/>
+          </a:stretch>
+        </p:blipFill>
+        <p:spPr>
+          <a:xfrm>
+            <a:off x="8401873" y="754402"/>
+            <a:ext cx="577140" cy="480948"/>
+          </a:xfrm>
+          <a:prstGeom prst="rect">
+            <a:avLst/>
+          </a:prstGeom>
+        </p:spPr>
+      </p:pic>
+      <p:pic>
+        <p:nvPicPr>
+          <p:cNvPr id="15" name="Рисунок 14">
+            <a:extLst>
+              <a:ext uri="{FF2B5EF4-FFF2-40B4-BE49-F238E27FC236}">
+                <a16:creationId xmlns:a16="http://schemas.microsoft.com/office/drawing/2014/main" id="{2D7FAA8D-3D32-44FD-9CD9-71689D0BB98D}"/>
+              </a:ext>
+            </a:extLst>
+          </p:cNvPr>
+          <p:cNvPicPr>
+            <a:picLocks noChangeAspect="1"/>
+          </p:cNvPicPr>
+          <p:nvPr/>
+        </p:nvPicPr>
+        <p:blipFill>
+          <a:blip r:embed="rId4">
+            <a:extLst>
+              <a:ext uri="{28A0092B-C50C-407E-A947-70E740481C1C}">
+                <a14:useLocalDpi xmlns:a14="http://schemas.microsoft.com/office/drawing/2010/main" val="0"/>
+              </a:ext>
+            </a:extLst>
+          </a:blip>
+          <a:stretch>
+            <a:fillRect/>
+          </a:stretch>
+        </p:blipFill>
+        <p:spPr>
+          <a:xfrm>
+            <a:off x="1474726" y="1657657"/>
+            <a:ext cx="4378468" cy="4216873"/>
+          </a:xfrm>
+          <a:prstGeom prst="rect">
+            <a:avLst/>
+          </a:prstGeom>
+        </p:spPr>
+      </p:pic>
+      <p:pic>
+        <p:nvPicPr>
+          <p:cNvPr id="17" name="Рисунок 16">
+            <a:extLst>
+              <a:ext uri="{FF2B5EF4-FFF2-40B4-BE49-F238E27FC236}">
+                <a16:creationId xmlns:a16="http://schemas.microsoft.com/office/drawing/2014/main" id="{8DB2478A-9428-4134-A635-602784686754}"/>
+              </a:ext>
+            </a:extLst>
+          </p:cNvPr>
+          <p:cNvPicPr>
+            <a:picLocks noChangeAspect="1"/>
+          </p:cNvPicPr>
+          <p:nvPr/>
+        </p:nvPicPr>
+        <p:blipFill>
+          <a:blip r:embed="rId5">
+            <a:extLst>
+              <a:ext uri="{28A0092B-C50C-407E-A947-70E740481C1C}">
+                <a14:useLocalDpi xmlns:a14="http://schemas.microsoft.com/office/drawing/2010/main" val="0"/>
+              </a:ext>
+            </a:extLst>
+          </a:blip>
+          <a:stretch>
+            <a:fillRect/>
+          </a:stretch>
+        </p:blipFill>
+        <p:spPr>
+          <a:xfrm>
+            <a:off x="6369397" y="1657657"/>
+            <a:ext cx="2539682" cy="1015873"/>
+          </a:xfrm>
+          <a:prstGeom prst="rect">
+            <a:avLst/>
+          </a:prstGeom>
+        </p:spPr>
+      </p:pic>
+      <p:pic>
+        <p:nvPicPr>
+          <p:cNvPr id="19" name="Рисунок 18">
+            <a:extLst>
+              <a:ext uri="{FF2B5EF4-FFF2-40B4-BE49-F238E27FC236}">
+                <a16:creationId xmlns:a16="http://schemas.microsoft.com/office/drawing/2014/main" id="{AD22365D-58DB-4E3F-95E9-4DC83014FBBD}"/>
+              </a:ext>
+            </a:extLst>
+          </p:cNvPr>
+          <p:cNvPicPr>
+            <a:picLocks noChangeAspect="1"/>
+          </p:cNvPicPr>
+          <p:nvPr/>
+        </p:nvPicPr>
+        <p:blipFill>
+          <a:blip r:embed="rId6">
+            <a:extLst>
+              <a:ext uri="{28A0092B-C50C-407E-A947-70E740481C1C}">
+                <a14:useLocalDpi xmlns:a14="http://schemas.microsoft.com/office/drawing/2010/main" val="0"/>
+              </a:ext>
+            </a:extLst>
+          </a:blip>
+          <a:stretch>
+            <a:fillRect/>
+          </a:stretch>
+        </p:blipFill>
+        <p:spPr>
+          <a:xfrm>
+            <a:off x="6369397" y="2715110"/>
+            <a:ext cx="2539682" cy="1015873"/>
+          </a:xfrm>
+          <a:prstGeom prst="rect">
+            <a:avLst/>
+          </a:prstGeom>
+        </p:spPr>
+      </p:pic>
+      <p:pic>
+        <p:nvPicPr>
+          <p:cNvPr id="21" name="Рисунок 20">
+            <a:extLst>
+              <a:ext uri="{FF2B5EF4-FFF2-40B4-BE49-F238E27FC236}">
+                <a16:creationId xmlns:a16="http://schemas.microsoft.com/office/drawing/2014/main" id="{D2FD6D1E-3310-410B-83C5-972B11C9BACB}"/>
+              </a:ext>
+            </a:extLst>
+          </p:cNvPr>
+          <p:cNvPicPr>
+            <a:picLocks noChangeAspect="1"/>
+          </p:cNvPicPr>
+          <p:nvPr/>
+        </p:nvPicPr>
+        <p:blipFill>
+          <a:blip r:embed="rId7">
+            <a:extLst>
+              <a:ext uri="{28A0092B-C50C-407E-A947-70E740481C1C}">
+                <a14:useLocalDpi xmlns:a14="http://schemas.microsoft.com/office/drawing/2010/main" val="0"/>
+              </a:ext>
+            </a:extLst>
+          </a:blip>
+          <a:stretch>
+            <a:fillRect/>
+          </a:stretch>
+        </p:blipFill>
+        <p:spPr>
+          <a:xfrm>
+            <a:off x="6369397" y="3801204"/>
+            <a:ext cx="2539682" cy="1015873"/>
+          </a:xfrm>
+          <a:prstGeom prst="rect">
+            <a:avLst/>
+          </a:prstGeom>
+        </p:spPr>
+      </p:pic>
+    </p:spTree>
+    <p:extLst>
+      <p:ext uri="{BB962C8B-B14F-4D97-AF65-F5344CB8AC3E}">
+        <p14:creationId xmlns:p14="http://schemas.microsoft.com/office/powerpoint/2010/main" val="3918229453"/>
+      </p:ext>
+    </p:extLst>
+  </p:cSld>
+  <p:clrMapOvr>
+    <a:masterClrMapping/>
+  </p:clrMapOvr>
+</p:sld>
+</file>
+
+<file path=ppt/slides/slide12.xml><?xml version="1.0" encoding="utf-8"?>
+<p:sld xmlns:a="http://schemas.openxmlformats.org/drawingml/2006/main" xmlns:r="http://schemas.openxmlformats.org/officeDocument/2006/relationships" xmlns:p="http://schemas.openxmlformats.org/presentationml/2006/main">
+  <p:cSld>
+    <p:spTree>
+      <p:nvGrpSpPr>
+        <p:cNvPr id="1" name=""/>
+        <p:cNvGrpSpPr/>
+        <p:nvPr/>
+      </p:nvGrpSpPr>
+      <p:grpSpPr>
+        <a:xfrm>
+          <a:off x="0" y="0"/>
+          <a:ext cx="0" cy="0"/>
+          <a:chOff x="0" y="0"/>
+          <a:chExt cx="0" cy="0"/>
+        </a:xfrm>
+      </p:grpSpPr>
+      <p:sp>
+        <p:nvSpPr>
+          <p:cNvPr id="3" name="Заголовок 1">
+            <a:extLst>
+              <a:ext uri="{FF2B5EF4-FFF2-40B4-BE49-F238E27FC236}">
+                <a16:creationId xmlns:a16="http://schemas.microsoft.com/office/drawing/2014/main" id="{702423D9-40DE-4A3A-AEFC-CFEEDF2E3DDB}"/>
+              </a:ext>
+            </a:extLst>
+          </p:cNvPr>
+          <p:cNvSpPr>
+            <a:spLocks noGrp="1"/>
+          </p:cNvSpPr>
+          <p:nvPr>
+            <p:ph type="title"/>
+          </p:nvPr>
+        </p:nvSpPr>
+        <p:spPr>
+          <a:xfrm>
+            <a:off x="4374237" y="345347"/>
+            <a:ext cx="10515600" cy="1325563"/>
+          </a:xfrm>
+        </p:spPr>
+        <p:txBody>
+          <a:bodyPr>
+            <a:normAutofit/>
+          </a:bodyPr>
+          <a:lstStyle/>
+          <a:p>
+            <a:r>
+              <a:rPr lang="ru-RU" sz="6600" b="1" dirty="0">
+                <a:ln w="13462">
+                  <a:solidFill>
+                    <a:schemeClr val="bg1"/>
+                  </a:solidFill>
+                  <a:prstDash val="solid"/>
+                </a:ln>
+                <a:solidFill>
+                  <a:schemeClr val="accent2">
+                    <a:lumMod val="50000"/>
+                  </a:schemeClr>
+                </a:solidFill>
+                <a:effectLst>
+                  <a:outerShdw dist="38100" dir="2700000" algn="bl" rotWithShape="0">
+                    <a:schemeClr val="accent5"/>
+                  </a:outerShdw>
+                </a:effectLst>
+                <a:latin typeface="+mn-lt"/>
+              </a:rPr>
+              <a:t>Карточки </a:t>
+            </a:r>
+          </a:p>
+        </p:txBody>
+      </p:sp>
+      <p:pic>
+        <p:nvPicPr>
+          <p:cNvPr id="4" name="Рисунок 3">
+            <a:extLst>
+              <a:ext uri="{FF2B5EF4-FFF2-40B4-BE49-F238E27FC236}">
+                <a16:creationId xmlns:a16="http://schemas.microsoft.com/office/drawing/2014/main" id="{9CFCEC10-AC3E-452A-815A-7895E0616E09}"/>
+              </a:ext>
+            </a:extLst>
+          </p:cNvPr>
+          <p:cNvPicPr>
+            <a:picLocks noChangeAspect="1"/>
+          </p:cNvPicPr>
+          <p:nvPr/>
+        </p:nvPicPr>
+        <p:blipFill>
+          <a:blip r:embed="rId2">
+            <a:extLst>
+              <a:ext uri="{28A0092B-C50C-407E-A947-70E740481C1C}">
+                <a14:useLocalDpi xmlns:a14="http://schemas.microsoft.com/office/drawing/2010/main" val="0"/>
+              </a:ext>
+            </a:extLst>
+          </a:blip>
+          <a:stretch>
+            <a:fillRect/>
+          </a:stretch>
+        </p:blipFill>
+        <p:spPr>
+          <a:xfrm>
+            <a:off x="884726" y="1763771"/>
+            <a:ext cx="2285714" cy="2031746"/>
+          </a:xfrm>
+          <a:prstGeom prst="rect">
+            <a:avLst/>
+          </a:prstGeom>
+        </p:spPr>
+      </p:pic>
+      <p:pic>
+        <p:nvPicPr>
+          <p:cNvPr id="6" name="Рисунок 5">
+            <a:extLst>
+              <a:ext uri="{FF2B5EF4-FFF2-40B4-BE49-F238E27FC236}">
+                <a16:creationId xmlns:a16="http://schemas.microsoft.com/office/drawing/2014/main" id="{E0D3BF9C-6199-4574-BF0E-39E5E9BCDFD1}"/>
+              </a:ext>
+            </a:extLst>
+          </p:cNvPr>
+          <p:cNvPicPr>
+            <a:picLocks noChangeAspect="1"/>
+          </p:cNvPicPr>
+          <p:nvPr/>
+        </p:nvPicPr>
+        <p:blipFill>
+          <a:blip r:embed="rId3">
+            <a:extLst>
+              <a:ext uri="{28A0092B-C50C-407E-A947-70E740481C1C}">
+                <a14:useLocalDpi xmlns:a14="http://schemas.microsoft.com/office/drawing/2010/main" val="0"/>
+              </a:ext>
+            </a:extLst>
+          </a:blip>
+          <a:stretch>
+            <a:fillRect/>
+          </a:stretch>
+        </p:blipFill>
+        <p:spPr>
+          <a:xfrm>
+            <a:off x="884726" y="4135910"/>
+            <a:ext cx="2285714" cy="2031746"/>
+          </a:xfrm>
+          <a:prstGeom prst="rect">
+            <a:avLst/>
+          </a:prstGeom>
+        </p:spPr>
+      </p:pic>
+      <p:pic>
+        <p:nvPicPr>
+          <p:cNvPr id="9" name="Рисунок 8">
+            <a:extLst>
+              <a:ext uri="{FF2B5EF4-FFF2-40B4-BE49-F238E27FC236}">
+                <a16:creationId xmlns:a16="http://schemas.microsoft.com/office/drawing/2014/main" id="{D6E3FD4E-534D-4BC0-AE7D-B7F5F6B78EB0}"/>
+              </a:ext>
+            </a:extLst>
+          </p:cNvPr>
+          <p:cNvPicPr>
+            <a:picLocks noChangeAspect="1"/>
+          </p:cNvPicPr>
+          <p:nvPr/>
+        </p:nvPicPr>
+        <p:blipFill>
+          <a:blip r:embed="rId4">
+            <a:extLst>
+              <a:ext uri="{28A0092B-C50C-407E-A947-70E740481C1C}">
+                <a14:useLocalDpi xmlns:a14="http://schemas.microsoft.com/office/drawing/2010/main" val="0"/>
+              </a:ext>
+            </a:extLst>
+          </a:blip>
+          <a:stretch>
+            <a:fillRect/>
+          </a:stretch>
+        </p:blipFill>
+        <p:spPr>
+          <a:xfrm>
+            <a:off x="5219142" y="1844516"/>
+            <a:ext cx="4981863" cy="3068775"/>
+          </a:xfrm>
+          <a:prstGeom prst="rect">
+            <a:avLst/>
+          </a:prstGeom>
+        </p:spPr>
+      </p:pic>
+    </p:spTree>
+    <p:extLst>
+      <p:ext uri="{BB962C8B-B14F-4D97-AF65-F5344CB8AC3E}">
+        <p14:creationId xmlns:p14="http://schemas.microsoft.com/office/powerpoint/2010/main" val="2573477104"/>
+      </p:ext>
+    </p:extLst>
+  </p:cSld>
+  <p:clrMapOvr>
+    <a:masterClrMapping/>
+  </p:clrMapOvr>
+</p:sld>
+</file>
+
+<file path=ppt/slides/slide13.xml><?xml version="1.0" encoding="utf-8"?>
+<p:sld xmlns:a="http://schemas.openxmlformats.org/drawingml/2006/main" xmlns:r="http://schemas.openxmlformats.org/officeDocument/2006/relationships" xmlns:p="http://schemas.openxmlformats.org/presentationml/2006/main">
+  <p:cSld>
+    <p:spTree>
+      <p:nvGrpSpPr>
+        <p:cNvPr id="1" name=""/>
+        <p:cNvGrpSpPr/>
+        <p:nvPr/>
+      </p:nvGrpSpPr>
+      <p:grpSpPr>
+        <a:xfrm>
+          <a:off x="0" y="0"/>
+          <a:ext cx="0" cy="0"/>
+          <a:chOff x="0" y="0"/>
+          <a:chExt cx="0" cy="0"/>
+        </a:xfrm>
+      </p:grpSpPr>
+      <p:sp>
+        <p:nvSpPr>
+          <p:cNvPr id="3" name="Заголовок 1">
+            <a:extLst>
+              <a:ext uri="{FF2B5EF4-FFF2-40B4-BE49-F238E27FC236}">
+                <a16:creationId xmlns:a16="http://schemas.microsoft.com/office/drawing/2014/main" id="{702423D9-40DE-4A3A-AEFC-CFEEDF2E3DDB}"/>
+              </a:ext>
+            </a:extLst>
+          </p:cNvPr>
+          <p:cNvSpPr>
+            <a:spLocks noGrp="1"/>
+          </p:cNvSpPr>
+          <p:nvPr>
+            <p:ph type="title"/>
+          </p:nvPr>
+        </p:nvSpPr>
+        <p:spPr>
+          <a:xfrm>
+            <a:off x="4374237" y="345347"/>
+            <a:ext cx="10515600" cy="1325563"/>
+          </a:xfrm>
+        </p:spPr>
+        <p:txBody>
+          <a:bodyPr>
+            <a:normAutofit/>
+          </a:bodyPr>
+          <a:lstStyle/>
+          <a:p>
+            <a:r>
+              <a:rPr lang="ru-RU" sz="6600" b="1" dirty="0">
+                <a:ln w="13462">
+                  <a:solidFill>
+                    <a:schemeClr val="bg1"/>
+                  </a:solidFill>
+                  <a:prstDash val="solid"/>
+                </a:ln>
+                <a:solidFill>
+                  <a:schemeClr val="accent2">
+                    <a:lumMod val="50000"/>
+                  </a:schemeClr>
+                </a:solidFill>
+                <a:effectLst>
+                  <a:outerShdw dist="38100" dir="2700000" algn="bl" rotWithShape="0">
+                    <a:schemeClr val="accent5"/>
+                  </a:outerShdw>
+                </a:effectLst>
+                <a:latin typeface="+mn-lt"/>
+              </a:rPr>
+              <a:t>Файлы </a:t>
+            </a:r>
+          </a:p>
+        </p:txBody>
+      </p:sp>
+      <p:pic>
+        <p:nvPicPr>
+          <p:cNvPr id="7" name="Рисунок 6">
+            <a:extLst>
+              <a:ext uri="{FF2B5EF4-FFF2-40B4-BE49-F238E27FC236}">
+                <a16:creationId xmlns:a16="http://schemas.microsoft.com/office/drawing/2014/main" id="{93F5836C-FD32-4FF9-99B5-5094BCC71F01}"/>
+              </a:ext>
+            </a:extLst>
+          </p:cNvPr>
+          <p:cNvPicPr>
+            <a:picLocks noChangeAspect="1"/>
+          </p:cNvPicPr>
+          <p:nvPr/>
+        </p:nvPicPr>
+        <p:blipFill>
+          <a:blip r:embed="rId2">
+            <a:extLst>
+              <a:ext uri="{28A0092B-C50C-407E-A947-70E740481C1C}">
+                <a14:useLocalDpi xmlns:a14="http://schemas.microsoft.com/office/drawing/2010/main" val="0"/>
+              </a:ext>
+            </a:extLst>
+          </a:blip>
+          <a:stretch>
+            <a:fillRect/>
+          </a:stretch>
+        </p:blipFill>
+        <p:spPr>
+          <a:xfrm>
+            <a:off x="406453" y="2280509"/>
+            <a:ext cx="10839846" cy="2834829"/>
+          </a:xfrm>
+          <a:prstGeom prst="rect">
+            <a:avLst/>
+          </a:prstGeom>
+        </p:spPr>
+      </p:pic>
+    </p:spTree>
+    <p:extLst>
+      <p:ext uri="{BB962C8B-B14F-4D97-AF65-F5344CB8AC3E}">
+        <p14:creationId xmlns:p14="http://schemas.microsoft.com/office/powerpoint/2010/main" val="2521945595"/>
+      </p:ext>
+    </p:extLst>
+  </p:cSld>
+  <p:clrMapOvr>
+    <a:masterClrMapping/>
+  </p:clrMapOvr>
+</p:sld>
+</file>
+
+<file path=ppt/slides/slide14.xml><?xml version="1.0" encoding="utf-8"?>
+<p:sld xmlns:a="http://schemas.openxmlformats.org/drawingml/2006/main" xmlns:r="http://schemas.openxmlformats.org/officeDocument/2006/relationships" xmlns:p="http://schemas.openxmlformats.org/presentationml/2006/main">
+  <p:cSld>
+    <p:spTree>
+      <p:nvGrpSpPr>
+        <p:cNvPr id="1" name=""/>
+        <p:cNvGrpSpPr/>
+        <p:nvPr/>
+      </p:nvGrpSpPr>
+      <p:grpSpPr>
+        <a:xfrm>
+          <a:off x="0" y="0"/>
+          <a:ext cx="0" cy="0"/>
+          <a:chOff x="0" y="0"/>
+          <a:chExt cx="0" cy="0"/>
+        </a:xfrm>
+      </p:grpSpPr>
+      <p:sp>
+        <p:nvSpPr>
+          <p:cNvPr id="3" name="Заголовок 1">
+            <a:extLst>
+              <a:ext uri="{FF2B5EF4-FFF2-40B4-BE49-F238E27FC236}">
+                <a16:creationId xmlns:a16="http://schemas.microsoft.com/office/drawing/2014/main" id="{702423D9-40DE-4A3A-AEFC-CFEEDF2E3DDB}"/>
+              </a:ext>
+            </a:extLst>
+          </p:cNvPr>
+          <p:cNvSpPr>
+            <a:spLocks noGrp="1"/>
+          </p:cNvSpPr>
+          <p:nvPr>
+            <p:ph type="title"/>
+          </p:nvPr>
+        </p:nvSpPr>
+        <p:spPr>
+          <a:xfrm>
+            <a:off x="838200" y="212825"/>
+            <a:ext cx="10515600" cy="1325563"/>
+          </a:xfrm>
+        </p:spPr>
+        <p:txBody>
+          <a:bodyPr>
+            <a:normAutofit fontScale="90000"/>
+          </a:bodyPr>
+          <a:lstStyle/>
+          <a:p>
+            <a:r>
+              <a:rPr lang="ru-RU" sz="6600" b="1" dirty="0">
+                <a:ln w="13462">
+                  <a:solidFill>
+                    <a:schemeClr val="bg1"/>
+                  </a:solidFill>
+                  <a:prstDash val="solid"/>
+                </a:ln>
+                <a:solidFill>
+                  <a:schemeClr val="accent2">
+                    <a:lumMod val="50000"/>
+                  </a:schemeClr>
+                </a:solidFill>
+                <a:effectLst>
+                  <a:outerShdw dist="38100" dir="2700000" algn="bl" rotWithShape="0">
+                    <a:schemeClr val="accent5"/>
+                  </a:outerShdw>
+                </a:effectLst>
+                <a:latin typeface="+mn-lt"/>
+              </a:rPr>
+              <a:t>Музыкальное сопровождение </a:t>
+            </a:r>
+          </a:p>
+        </p:txBody>
+      </p:sp>
+      <p:pic>
+        <p:nvPicPr>
+          <p:cNvPr id="4" name="Рисунок 3">
+            <a:extLst>
+              <a:ext uri="{FF2B5EF4-FFF2-40B4-BE49-F238E27FC236}">
+                <a16:creationId xmlns:a16="http://schemas.microsoft.com/office/drawing/2014/main" id="{F789F750-CB3E-4BF9-AA95-2FAC4135CB3F}"/>
+              </a:ext>
+            </a:extLst>
+          </p:cNvPr>
+          <p:cNvPicPr>
+            <a:picLocks noChangeAspect="1"/>
+          </p:cNvPicPr>
+          <p:nvPr/>
+        </p:nvPicPr>
+        <p:blipFill>
+          <a:blip r:embed="rId2">
+            <a:extLst>
+              <a:ext uri="{28A0092B-C50C-407E-A947-70E740481C1C}">
+                <a14:useLocalDpi xmlns:a14="http://schemas.microsoft.com/office/drawing/2010/main" val="0"/>
+              </a:ext>
+            </a:extLst>
+          </a:blip>
+          <a:stretch>
+            <a:fillRect/>
+          </a:stretch>
+        </p:blipFill>
+        <p:spPr>
+          <a:xfrm>
+            <a:off x="1084400" y="1887605"/>
+            <a:ext cx="5197130" cy="2011011"/>
+          </a:xfrm>
+          <a:prstGeom prst="rect">
+            <a:avLst/>
+          </a:prstGeom>
+        </p:spPr>
+      </p:pic>
+      <p:pic>
+        <p:nvPicPr>
+          <p:cNvPr id="6" name="Рисунок 5">
+            <a:extLst>
+              <a:ext uri="{FF2B5EF4-FFF2-40B4-BE49-F238E27FC236}">
+                <a16:creationId xmlns:a16="http://schemas.microsoft.com/office/drawing/2014/main" id="{4778E4DB-5A46-4B9A-BBE9-23BC6A8A93D6}"/>
+              </a:ext>
+            </a:extLst>
+          </p:cNvPr>
+          <p:cNvPicPr>
+            <a:picLocks noChangeAspect="1"/>
+          </p:cNvPicPr>
+          <p:nvPr/>
+        </p:nvPicPr>
+        <p:blipFill>
+          <a:blip r:embed="rId3">
+            <a:extLst>
+              <a:ext uri="{28A0092B-C50C-407E-A947-70E740481C1C}">
+                <a14:useLocalDpi xmlns:a14="http://schemas.microsoft.com/office/drawing/2010/main" val="0"/>
+              </a:ext>
+            </a:extLst>
+          </a:blip>
+          <a:stretch>
+            <a:fillRect/>
+          </a:stretch>
+        </p:blipFill>
+        <p:spPr>
+          <a:xfrm>
+            <a:off x="6546140" y="3898616"/>
+            <a:ext cx="2982173" cy="1539815"/>
+          </a:xfrm>
+          <a:prstGeom prst="rect">
+            <a:avLst/>
+          </a:prstGeom>
+        </p:spPr>
+      </p:pic>
+    </p:spTree>
+    <p:extLst>
+      <p:ext uri="{BB962C8B-B14F-4D97-AF65-F5344CB8AC3E}">
+        <p14:creationId xmlns:p14="http://schemas.microsoft.com/office/powerpoint/2010/main" val="3582356177"/>
+      </p:ext>
+    </p:extLst>
+  </p:cSld>
+  <p:clrMapOvr>
+    <a:masterClrMapping/>
+  </p:clrMapOvr>
+</p:sld>
+</file>
+
+<file path=ppt/slides/slide15.xml><?xml version="1.0" encoding="utf-8"?>
+<p:sld xmlns:a="http://schemas.openxmlformats.org/drawingml/2006/main" xmlns:r="http://schemas.openxmlformats.org/officeDocument/2006/relationships" xmlns:p="http://schemas.openxmlformats.org/presentationml/2006/main">
+  <p:cSld>
+    <p:spTree>
+      <p:nvGrpSpPr>
+        <p:cNvPr id="1" name=""/>
+        <p:cNvGrpSpPr/>
+        <p:nvPr/>
+      </p:nvGrpSpPr>
+      <p:grpSpPr>
+        <a:xfrm>
+          <a:off x="0" y="0"/>
+          <a:ext cx="0" cy="0"/>
+          <a:chOff x="0" y="0"/>
+          <a:chExt cx="0" cy="0"/>
+        </a:xfrm>
+      </p:grpSpPr>
+      <p:sp>
+        <p:nvSpPr>
+          <p:cNvPr id="4" name="TextBox 3">
+            <a:extLst>
+              <a:ext uri="{FF2B5EF4-FFF2-40B4-BE49-F238E27FC236}">
+                <a16:creationId xmlns:a16="http://schemas.microsoft.com/office/drawing/2014/main" id="{BB79EB20-C7FD-47EE-9987-1B09DCA0431A}"/>
+              </a:ext>
+            </a:extLst>
+          </p:cNvPr>
+          <p:cNvSpPr txBox="1"/>
+          <p:nvPr/>
+        </p:nvSpPr>
+        <p:spPr>
+          <a:xfrm>
+            <a:off x="967409" y="2309336"/>
+            <a:ext cx="6096000" cy="2862322"/>
+          </a:xfrm>
+          <a:prstGeom prst="rect">
+            <a:avLst/>
+          </a:prstGeom>
+          <a:noFill/>
+        </p:spPr>
+        <p:txBody>
+          <a:bodyPr wrap="square">
+            <a:spAutoFit/>
+          </a:bodyPr>
+          <a:lstStyle/>
+          <a:p>
+            <a:r>
+              <a:rPr lang="ru-RU" dirty="0">
+                <a:hlinkClick r:id="rId2"/>
+              </a:rPr>
+              <a:t>https://steamuserimages-a.akamaihd.net/ugc/946219835806282284/D1179AA95880DECCFFA1DADF06C4084941FF94F4/?imw=512&amp;amp;imh=512&amp;amp;ima=fit&amp;amp;impolicy=Letterbox&amp;amp;imcolor=%23000000&amp;amp;letterbox=true</a:t>
+            </a:r>
+            <a:endParaRPr lang="ru-RU" dirty="0"/>
+          </a:p>
+          <a:p>
+            <a:endParaRPr lang="en-US" dirty="0"/>
+          </a:p>
+          <a:p>
+            <a:endParaRPr lang="ru-RU" dirty="0"/>
+          </a:p>
+          <a:p>
+            <a:r>
+              <a:rPr lang="en-US" dirty="0">
+                <a:hlinkClick r:id="rId3"/>
+              </a:rPr>
+              <a:t>https://www.pygame.org/docs/</a:t>
+            </a:r>
+            <a:endParaRPr lang="en-US" dirty="0"/>
+          </a:p>
+          <a:p>
+            <a:endParaRPr lang="en-US" dirty="0"/>
+          </a:p>
+          <a:p>
+            <a:endParaRPr lang="ru-RU" dirty="0"/>
+          </a:p>
+        </p:txBody>
+      </p:sp>
+      <p:sp>
+        <p:nvSpPr>
+          <p:cNvPr id="7" name="Заголовок 1">
+            <a:extLst>
+              <a:ext uri="{FF2B5EF4-FFF2-40B4-BE49-F238E27FC236}">
+                <a16:creationId xmlns:a16="http://schemas.microsoft.com/office/drawing/2014/main" id="{DF5222A3-4C90-4B33-A0F8-5B60A3156741}"/>
+              </a:ext>
+            </a:extLst>
+          </p:cNvPr>
+          <p:cNvSpPr txBox="1">
+            <a:spLocks/>
+          </p:cNvSpPr>
+          <p:nvPr/>
+        </p:nvSpPr>
+        <p:spPr>
+          <a:xfrm>
+            <a:off x="838200" y="502096"/>
+            <a:ext cx="10515600" cy="1325563"/>
+          </a:xfrm>
+          <a:prstGeom prst="rect">
+            <a:avLst/>
+          </a:prstGeom>
+        </p:spPr>
+        <p:txBody>
+          <a:bodyPr vert="horz" lIns="91440" tIns="45720" rIns="91440" bIns="45720" rtlCol="0" anchor="ctr">
+            <a:normAutofit fontScale="97500"/>
+          </a:bodyPr>
+          <a:lstStyle>
+            <a:lvl1pPr algn="l" defTabSz="914400" rtl="0" eaLnBrk="1" latinLnBrk="0" hangingPunct="1">
+              <a:lnSpc>
+                <a:spcPct val="90000"/>
+              </a:lnSpc>
+              <a:spcBef>
+                <a:spcPct val="0"/>
+              </a:spcBef>
+              <a:buNone/>
+              <a:defRPr sz="4400" kern="1200">
+                <a:solidFill>
+                  <a:schemeClr val="tx1"/>
+                </a:solidFill>
+                <a:latin typeface="+mj-lt"/>
+                <a:ea typeface="+mj-ea"/>
+                <a:cs typeface="+mj-cs"/>
+              </a:defRPr>
+            </a:lvl1pPr>
+          </a:lstStyle>
+          <a:p>
+            <a:r>
+              <a:rPr lang="ru-RU" sz="6600" b="1" dirty="0">
+                <a:ln w="13462">
+                  <a:solidFill>
+                    <a:schemeClr val="bg1"/>
+                  </a:solidFill>
+                  <a:prstDash val="solid"/>
+                </a:ln>
+                <a:solidFill>
+                  <a:schemeClr val="accent2">
+                    <a:lumMod val="50000"/>
+                  </a:schemeClr>
+                </a:solidFill>
+                <a:effectLst>
+                  <a:outerShdw dist="38100" dir="2700000" algn="bl" rotWithShape="0">
+                    <a:schemeClr val="accent5"/>
+                  </a:outerShdw>
+                </a:effectLst>
+                <a:latin typeface="+mn-lt"/>
+              </a:rPr>
+              <a:t>Источники информации</a:t>
+            </a:r>
+          </a:p>
+        </p:txBody>
+      </p:sp>
+    </p:spTree>
+    <p:extLst>
+      <p:ext uri="{BB962C8B-B14F-4D97-AF65-F5344CB8AC3E}">
+        <p14:creationId xmlns:p14="http://schemas.microsoft.com/office/powerpoint/2010/main" val="4037476821"/>
+      </p:ext>
+    </p:extLst>
+  </p:cSld>
+  <p:clrMapOvr>
+    <a:masterClrMapping/>
+  </p:clrMapOvr>
+</p:sld>
+</file>
+
+<file path=ppt/slides/slide16.xml><?xml version="1.0" encoding="utf-8"?>
+<p:sld xmlns:a="http://schemas.openxmlformats.org/drawingml/2006/main" xmlns:r="http://schemas.openxmlformats.org/officeDocument/2006/relationships" xmlns:p="http://schemas.openxmlformats.org/presentationml/2006/main">
+  <p:cSld>
+    <p:spTree>
+      <p:nvGrpSpPr>
+        <p:cNvPr id="1" name=""/>
+        <p:cNvGrpSpPr/>
+        <p:nvPr/>
+      </p:nvGrpSpPr>
+      <p:grpSpPr>
+        <a:xfrm>
+          <a:off x="0" y="0"/>
+          <a:ext cx="0" cy="0"/>
+          <a:chOff x="0" y="0"/>
+          <a:chExt cx="0" cy="0"/>
+        </a:xfrm>
+      </p:grpSpPr>
+      <p:sp>
+        <p:nvSpPr>
+          <p:cNvPr id="3" name="Заголовок 1">
+            <a:extLst>
+              <a:ext uri="{FF2B5EF4-FFF2-40B4-BE49-F238E27FC236}">
+                <a16:creationId xmlns:a16="http://schemas.microsoft.com/office/drawing/2014/main" id="{22AB95F5-5152-404C-B67B-C1A93AB50661}"/>
+              </a:ext>
+            </a:extLst>
+          </p:cNvPr>
+          <p:cNvSpPr txBox="1">
+            <a:spLocks/>
+          </p:cNvSpPr>
+          <p:nvPr/>
+        </p:nvSpPr>
+        <p:spPr>
+          <a:xfrm>
+            <a:off x="838200" y="2235200"/>
+            <a:ext cx="9674087" cy="2387600"/>
+          </a:xfrm>
+          <a:prstGeom prst="rect">
+            <a:avLst/>
+          </a:prstGeom>
+        </p:spPr>
+        <p:txBody>
+          <a:bodyPr vert="horz" lIns="91440" tIns="45720" rIns="91440" bIns="45720" rtlCol="0" anchor="ctr">
+            <a:normAutofit/>
+          </a:bodyPr>
+          <a:lstStyle>
+            <a:lvl1pPr algn="l" defTabSz="914400" rtl="0" eaLnBrk="1" latinLnBrk="0" hangingPunct="1">
+              <a:lnSpc>
+                <a:spcPct val="90000"/>
+              </a:lnSpc>
+              <a:spcBef>
+                <a:spcPct val="0"/>
+              </a:spcBef>
+              <a:buNone/>
+              <a:defRPr sz="4400" kern="1200">
+                <a:solidFill>
+                  <a:schemeClr val="tx1"/>
+                </a:solidFill>
+                <a:latin typeface="+mj-lt"/>
+                <a:ea typeface="+mj-ea"/>
+                <a:cs typeface="+mj-cs"/>
+              </a:defRPr>
+            </a:lvl1pPr>
+          </a:lstStyle>
+          <a:p>
+            <a:r>
+              <a:rPr lang="ru-RU" sz="6600" b="1" dirty="0">
+                <a:ln w="13462">
+                  <a:solidFill>
+                    <a:schemeClr val="bg1"/>
+                  </a:solidFill>
+                  <a:prstDash val="solid"/>
+                </a:ln>
+                <a:solidFill>
+                  <a:schemeClr val="accent2">
+                    <a:lumMod val="50000"/>
+                  </a:schemeClr>
+                </a:solidFill>
+                <a:effectLst>
+                  <a:outerShdw dist="38100" dir="2700000" algn="bl" rotWithShape="0">
+                    <a:schemeClr val="accent5"/>
+                  </a:outerShdw>
+                </a:effectLst>
+                <a:latin typeface="+mn-lt"/>
+              </a:rPr>
+              <a:t>Спасибо за внимание!</a:t>
+            </a:r>
+          </a:p>
+        </p:txBody>
+      </p:sp>
+      <p:sp>
+        <p:nvSpPr>
+          <p:cNvPr id="6" name="Заголовок 5">
+            <a:extLst>
+              <a:ext uri="{FF2B5EF4-FFF2-40B4-BE49-F238E27FC236}">
+                <a16:creationId xmlns:a16="http://schemas.microsoft.com/office/drawing/2014/main" id="{BF5807FD-1E79-4DED-BA3A-6668BF4EE161}"/>
+              </a:ext>
+            </a:extLst>
+          </p:cNvPr>
+          <p:cNvSpPr>
+            <a:spLocks noGrp="1"/>
+          </p:cNvSpPr>
+          <p:nvPr>
+            <p:ph type="title"/>
+          </p:nvPr>
+        </p:nvSpPr>
+        <p:spPr/>
+        <p:txBody>
+          <a:bodyPr/>
+          <a:lstStyle/>
+          <a:p>
+            <a:r>
+              <a:rPr lang="ru-RU" dirty="0"/>
+              <a:t> </a:t>
+            </a:r>
+          </a:p>
+        </p:txBody>
+      </p:sp>
+    </p:spTree>
+    <p:extLst>
+      <p:ext uri="{BB962C8B-B14F-4D97-AF65-F5344CB8AC3E}">
+        <p14:creationId xmlns:p14="http://schemas.microsoft.com/office/powerpoint/2010/main" val="3610788374"/>
+      </p:ext>
+    </p:extLst>
+  </p:cSld>
+  <p:clrMapOvr>
+    <a:masterClrMapping/>
+  </p:clrMapOvr>
+</p:sld>
+</file>
+
 <file path=ppt/slides/slide2.xml><?xml version="1.0" encoding="utf-8"?>
 <p:sld xmlns:a="http://schemas.openxmlformats.org/drawingml/2006/main" xmlns:r="http://schemas.openxmlformats.org/officeDocument/2006/relationships" xmlns:p="http://schemas.openxmlformats.org/presentationml/2006/main">
   <p:cSld>
@@ -3788,10 +5043,10 @@
       </p:grpSpPr>
       <p:sp>
         <p:nvSpPr>
-          <p:cNvPr id="2" name="Заголовок 1">
-            <a:extLst>
-              <a:ext uri="{FF2B5EF4-FFF2-40B4-BE49-F238E27FC236}">
-                <a16:creationId xmlns:a16="http://schemas.microsoft.com/office/drawing/2014/main" id="{38A93DC9-D7D1-4FC4-A999-B5C5A85F9005}"/>
+          <p:cNvPr id="3" name="Заголовок 1">
+            <a:extLst>
+              <a:ext uri="{FF2B5EF4-FFF2-40B4-BE49-F238E27FC236}">
+                <a16:creationId xmlns:a16="http://schemas.microsoft.com/office/drawing/2014/main" id="{702423D9-40DE-4A3A-AEFC-CFEEDF2E3DDB}"/>
               </a:ext>
             </a:extLst>
           </p:cNvPr>
@@ -3804,1558 +5059,148 @@
         </p:nvSpPr>
         <p:spPr>
           <a:xfrm>
-            <a:off x="838200" y="365125"/>
-            <a:ext cx="10515600" cy="660111"/>
+            <a:off x="1676400" y="444638"/>
+            <a:ext cx="10515600" cy="1325563"/>
           </a:xfrm>
         </p:spPr>
         <p:txBody>
           <a:bodyPr>
-            <a:normAutofit fontScale="90000"/>
+            <a:normAutofit/>
           </a:bodyPr>
           <a:lstStyle/>
           <a:p>
             <a:r>
-              <a:rPr lang="en-US" dirty="0"/>
-              <a:t>Slide title</a:t>
-            </a:r>
-            <a:endParaRPr lang="ru-RU" dirty="0"/>
-          </a:p>
-        </p:txBody>
-      </p:sp>
-      <p:grpSp>
-        <p:nvGrpSpPr>
-          <p:cNvPr id="4" name="Group 2">
-            <a:extLst>
-              <a:ext uri="{FF2B5EF4-FFF2-40B4-BE49-F238E27FC236}">
-                <a16:creationId xmlns:a16="http://schemas.microsoft.com/office/drawing/2014/main" id="{8BCCEBB4-2362-4E21-AEFF-5749EC690325}"/>
-              </a:ext>
-            </a:extLst>
-          </p:cNvPr>
-          <p:cNvGrpSpPr>
-            <a:grpSpLocks/>
-          </p:cNvGrpSpPr>
+              <a:rPr lang="ru-RU" sz="6600" b="1" dirty="0">
+                <a:ln w="13462">
+                  <a:solidFill>
+                    <a:schemeClr val="bg1"/>
+                  </a:solidFill>
+                  <a:prstDash val="solid"/>
+                </a:ln>
+                <a:solidFill>
+                  <a:schemeClr val="accent2">
+                    <a:lumMod val="50000"/>
+                  </a:schemeClr>
+                </a:solidFill>
+                <a:effectLst>
+                  <a:outerShdw dist="38100" dir="2700000" algn="bl" rotWithShape="0">
+                    <a:schemeClr val="accent5"/>
+                  </a:outerShdw>
+                </a:effectLst>
+                <a:latin typeface="+mn-lt"/>
+              </a:rPr>
+              <a:t>Цели и задачи проекта</a:t>
+            </a:r>
+          </a:p>
+        </p:txBody>
+      </p:sp>
+      <p:pic>
+        <p:nvPicPr>
+          <p:cNvPr id="1026" name="Picture 2">
+            <a:extLst>
+              <a:ext uri="{FF2B5EF4-FFF2-40B4-BE49-F238E27FC236}">
+                <a16:creationId xmlns:a16="http://schemas.microsoft.com/office/drawing/2014/main" id="{995A7C7A-5F76-4BCF-BF7A-9323D0A2B402}"/>
+              </a:ext>
+            </a:extLst>
+          </p:cNvPr>
+          <p:cNvPicPr>
+            <a:picLocks noChangeAspect="1" noChangeArrowheads="1"/>
+          </p:cNvPicPr>
           <p:nvPr/>
-        </p:nvGrpSpPr>
-        <p:grpSpPr bwMode="auto">
-          <a:xfrm>
-            <a:off x="2913703" y="4399251"/>
-            <a:ext cx="5105400" cy="555625"/>
-            <a:chOff x="1248" y="1440"/>
-            <a:chExt cx="3216" cy="350"/>
-          </a:xfrm>
-        </p:grpSpPr>
-        <p:sp>
-          <p:nvSpPr>
-            <p:cNvPr id="5" name="Line 3">
-              <a:extLst>
-                <a:ext uri="{FF2B5EF4-FFF2-40B4-BE49-F238E27FC236}">
-                  <a16:creationId xmlns:a16="http://schemas.microsoft.com/office/drawing/2014/main" id="{5E61AEA2-E9FF-46D2-8799-5CD19FDE58EF}"/>
-                </a:ext>
-              </a:extLst>
-            </p:cNvPr>
-            <p:cNvSpPr>
-              <a:spLocks noChangeShapeType="1"/>
-            </p:cNvSpPr>
-            <p:nvPr/>
-          </p:nvSpPr>
-          <p:spPr bwMode="gray">
-            <a:xfrm>
-              <a:off x="1440" y="1790"/>
-              <a:ext cx="3024" cy="0"/>
-            </a:xfrm>
-            <a:prstGeom prst="line">
-              <a:avLst/>
-            </a:prstGeom>
-            <a:noFill/>
-            <a:ln w="25400">
-              <a:solidFill>
-                <a:srgbClr val="969696"/>
-              </a:solidFill>
-              <a:prstDash val="sysDot"/>
-              <a:round/>
-              <a:headEnd/>
-              <a:tailEnd type="oval" w="med" len="med"/>
-            </a:ln>
-            <a:effectLst/>
-            <a:extLst>
-              <a:ext uri="{909E8E84-426E-40DD-AFC4-6F175D3DCCD1}">
-                <a14:hiddenFill xmlns:a14="http://schemas.microsoft.com/office/drawing/2010/main">
-                  <a:noFill/>
-                </a14:hiddenFill>
-              </a:ext>
-              <a:ext uri="{AF507438-7753-43E0-B8FC-AC1667EBCBE1}">
-                <a14:hiddenEffects xmlns:a14="http://schemas.microsoft.com/office/drawing/2010/main">
-                  <a:effectLst>
-                    <a:outerShdw dist="35921" dir="2700000" algn="ctr" rotWithShape="0">
-                      <a:schemeClr val="bg2"/>
-                    </a:outerShdw>
-                  </a:effectLst>
-                </a14:hiddenEffects>
-              </a:ext>
-            </a:extLst>
-          </p:spPr>
-          <p:txBody>
-            <a:bodyPr wrap="none" anchor="ctr"/>
-            <a:lstStyle/>
-            <a:p>
-              <a:endParaRPr lang="en-US"/>
-            </a:p>
-          </p:txBody>
-        </p:sp>
-        <p:sp>
-          <p:nvSpPr>
-            <p:cNvPr id="6" name="Rectangle 4">
-              <a:extLst>
-                <a:ext uri="{FF2B5EF4-FFF2-40B4-BE49-F238E27FC236}">
-                  <a16:creationId xmlns:a16="http://schemas.microsoft.com/office/drawing/2014/main" id="{E211D512-673B-44D5-B78D-A580594BCBB2}"/>
-                </a:ext>
-              </a:extLst>
-            </p:cNvPr>
-            <p:cNvSpPr>
-              <a:spLocks noChangeArrowheads="1"/>
-            </p:cNvSpPr>
-            <p:nvPr/>
-          </p:nvSpPr>
-          <p:spPr bwMode="gray">
-            <a:xfrm rot="3419336">
-              <a:off x="1261" y="1427"/>
-              <a:ext cx="302" cy="328"/>
-            </a:xfrm>
-            <a:prstGeom prst="rect">
-              <a:avLst/>
-            </a:prstGeom>
-            <a:gradFill rotWithShape="1">
-              <a:gsLst>
-                <a:gs pos="0">
-                  <a:srgbClr val="FF7C80"/>
-                </a:gs>
-                <a:gs pos="100000">
-                  <a:srgbClr val="FF7C80">
-                    <a:gamma/>
-                    <a:shade val="46275"/>
-                    <a:invGamma/>
-                  </a:srgbClr>
-                </a:gs>
-              </a:gsLst>
-              <a:lin ang="5400000" scaled="1"/>
-            </a:gradFill>
-            <a:ln w="9525">
-              <a:miter lim="800000"/>
-              <a:headEnd/>
-              <a:tailEnd/>
-            </a:ln>
-            <a:effectLst/>
-            <a:scene3d>
-              <a:camera prst="legacyPerspectiveFront">
-                <a:rot lat="0" lon="1500000" rev="0"/>
-              </a:camera>
-              <a:lightRig rig="legacyFlat4" dir="b"/>
-            </a:scene3d>
-            <a:sp3d extrusionH="430200" prstMaterial="legacyMatte">
-              <a:bevelT w="13500" h="13500" prst="angle"/>
-              <a:bevelB w="13500" h="13500" prst="angle"/>
-              <a:extrusionClr>
-                <a:srgbClr val="FF7C80"/>
-              </a:extrusionClr>
-            </a:sp3d>
-            <a:extLst>
-              <a:ext uri="{AF507438-7753-43E0-B8FC-AC1667EBCBE1}">
-                <a14:hiddenEffects xmlns:a14="http://schemas.microsoft.com/office/drawing/2010/main">
-                  <a:effectLst>
-                    <a:outerShdw dist="35921" dir="2700000" algn="ctr" rotWithShape="0">
-                      <a:schemeClr val="bg2"/>
-                    </a:outerShdw>
-                  </a:effectLst>
-                </a14:hiddenEffects>
-              </a:ext>
-            </a:extLst>
-          </p:spPr>
-          <p:txBody>
-            <a:bodyPr wrap="none" anchor="ctr">
-              <a:flatTx/>
-            </a:bodyPr>
-            <a:lstStyle/>
-            <a:p>
-              <a:endParaRPr lang="en-US"/>
-            </a:p>
-          </p:txBody>
-        </p:sp>
-        <p:sp>
-          <p:nvSpPr>
-            <p:cNvPr id="7" name="Text Box 5">
-              <a:extLst>
-                <a:ext uri="{FF2B5EF4-FFF2-40B4-BE49-F238E27FC236}">
-                  <a16:creationId xmlns:a16="http://schemas.microsoft.com/office/drawing/2014/main" id="{44B64E66-351F-47C4-A846-ED50D3A7A528}"/>
-                </a:ext>
-              </a:extLst>
-            </p:cNvPr>
-            <p:cNvSpPr txBox="1">
-              <a:spLocks noChangeArrowheads="1"/>
-            </p:cNvSpPr>
-            <p:nvPr/>
-          </p:nvSpPr>
-          <p:spPr bwMode="gray">
-            <a:xfrm>
-              <a:off x="2256" y="1482"/>
-              <a:ext cx="1536" cy="288"/>
-            </a:xfrm>
-            <a:prstGeom prst="rect">
-              <a:avLst/>
-            </a:prstGeom>
-            <a:noFill/>
-            <a:ln>
-              <a:noFill/>
-            </a:ln>
-            <a:effectLst/>
-            <a:extLst>
-              <a:ext uri="{909E8E84-426E-40DD-AFC4-6F175D3DCCD1}">
-                <a14:hiddenFill xmlns:a14="http://schemas.microsoft.com/office/drawing/2010/main">
-                  <a:solidFill>
-                    <a:schemeClr val="accent1"/>
-                  </a:solidFill>
-                </a14:hiddenFill>
-              </a:ext>
-              <a:ext uri="{91240B29-F687-4F45-9708-019B960494DF}">
-                <a14:hiddenLine xmlns:a14="http://schemas.microsoft.com/office/drawing/2010/main" w="9525" algn="ctr">
-                  <a:solidFill>
-                    <a:schemeClr val="tx1"/>
-                  </a:solidFill>
-                  <a:miter lim="800000"/>
-                  <a:headEnd/>
-                  <a:tailEnd/>
-                </a14:hiddenLine>
-              </a:ext>
-              <a:ext uri="{AF507438-7753-43E0-B8FC-AC1667EBCBE1}">
-                <a14:hiddenEffects xmlns:a14="http://schemas.microsoft.com/office/drawing/2010/main">
-                  <a:effectLst>
-                    <a:outerShdw dist="35921" dir="2700000" algn="ctr" rotWithShape="0">
-                      <a:schemeClr val="bg2"/>
-                    </a:outerShdw>
-                  </a:effectLst>
-                </a14:hiddenEffects>
-              </a:ext>
-            </a:extLst>
-          </p:spPr>
-          <p:txBody>
-            <a:bodyPr wrap="none">
-              <a:spAutoFit/>
-            </a:bodyPr>
-            <a:lstStyle/>
-            <a:p>
-              <a:pPr algn="l"/>
-              <a:r>
-                <a:rPr lang="en-US" sz="2400">
-                  <a:solidFill>
-                    <a:srgbClr val="000000"/>
-                  </a:solidFill>
-                </a:rPr>
-                <a:t>Click to add Title</a:t>
-              </a:r>
-            </a:p>
-          </p:txBody>
-        </p:sp>
-        <p:sp>
-          <p:nvSpPr>
-            <p:cNvPr id="8" name="Text Box 6">
-              <a:extLst>
-                <a:ext uri="{FF2B5EF4-FFF2-40B4-BE49-F238E27FC236}">
-                  <a16:creationId xmlns:a16="http://schemas.microsoft.com/office/drawing/2014/main" id="{CAF9CB3F-282D-46BF-A072-2F3CED152B03}"/>
-                </a:ext>
-              </a:extLst>
-            </p:cNvPr>
-            <p:cNvSpPr txBox="1">
-              <a:spLocks noChangeArrowheads="1"/>
-            </p:cNvSpPr>
-            <p:nvPr/>
-          </p:nvSpPr>
-          <p:spPr bwMode="gray">
-            <a:xfrm>
-              <a:off x="1296" y="1454"/>
-              <a:ext cx="223" cy="288"/>
-            </a:xfrm>
-            <a:prstGeom prst="rect">
-              <a:avLst/>
-            </a:prstGeom>
-            <a:noFill/>
-            <a:ln>
-              <a:noFill/>
-            </a:ln>
-            <a:effectLst/>
-            <a:extLst>
-              <a:ext uri="{909E8E84-426E-40DD-AFC4-6F175D3DCCD1}">
-                <a14:hiddenFill xmlns:a14="http://schemas.microsoft.com/office/drawing/2010/main">
-                  <a:solidFill>
-                    <a:schemeClr val="accent1"/>
-                  </a:solidFill>
-                </a14:hiddenFill>
-              </a:ext>
-              <a:ext uri="{91240B29-F687-4F45-9708-019B960494DF}">
-                <a14:hiddenLine xmlns:a14="http://schemas.microsoft.com/office/drawing/2010/main" w="9525" algn="ctr">
-                  <a:solidFill>
-                    <a:schemeClr val="tx1"/>
-                  </a:solidFill>
-                  <a:miter lim="800000"/>
-                  <a:headEnd/>
-                  <a:tailEnd/>
-                </a14:hiddenLine>
-              </a:ext>
-              <a:ext uri="{AF507438-7753-43E0-B8FC-AC1667EBCBE1}">
-                <a14:hiddenEffects xmlns:a14="http://schemas.microsoft.com/office/drawing/2010/main">
-                  <a:effectLst>
-                    <a:outerShdw dist="35921" dir="2700000" algn="ctr" rotWithShape="0">
-                      <a:schemeClr val="bg2"/>
-                    </a:outerShdw>
-                  </a:effectLst>
-                </a14:hiddenEffects>
-              </a:ext>
-            </a:extLst>
-          </p:spPr>
-          <p:txBody>
-            <a:bodyPr wrap="none">
-              <a:spAutoFit/>
-            </a:bodyPr>
-            <a:lstStyle/>
-            <a:p>
-              <a:r>
-                <a:rPr lang="en-US" sz="2400" b="1">
-                  <a:solidFill>
-                    <a:srgbClr val="FFFFFF"/>
-                  </a:solidFill>
-                </a:rPr>
-                <a:t>4</a:t>
-              </a:r>
-            </a:p>
-          </p:txBody>
-        </p:sp>
-      </p:grpSp>
-      <p:grpSp>
-        <p:nvGrpSpPr>
-          <p:cNvPr id="9" name="Group 7">
-            <a:extLst>
-              <a:ext uri="{FF2B5EF4-FFF2-40B4-BE49-F238E27FC236}">
-                <a16:creationId xmlns:a16="http://schemas.microsoft.com/office/drawing/2014/main" id="{BEE52D25-978D-4466-BBDF-410926CD5626}"/>
-              </a:ext>
-            </a:extLst>
-          </p:cNvPr>
-          <p:cNvGrpSpPr>
-            <a:grpSpLocks/>
-          </p:cNvGrpSpPr>
+        </p:nvPicPr>
+        <p:blipFill>
+          <a:blip r:embed="rId2">
+            <a:extLst>
+              <a:ext uri="{28A0092B-C50C-407E-A947-70E740481C1C}">
+                <a14:useLocalDpi xmlns:a14="http://schemas.microsoft.com/office/drawing/2010/main" val="0"/>
+              </a:ext>
+            </a:extLst>
+          </a:blip>
+          <a:srcRect/>
+          <a:stretch>
+            <a:fillRect/>
+          </a:stretch>
+        </p:blipFill>
+        <p:spPr bwMode="auto">
+          <a:xfrm>
+            <a:off x="1416329" y="2448339"/>
+            <a:ext cx="2355574" cy="2355574"/>
+          </a:xfrm>
+          <a:prstGeom prst="rect">
+            <a:avLst/>
+          </a:prstGeom>
+          <a:noFill/>
+          <a:extLst>
+            <a:ext uri="{909E8E84-426E-40DD-AFC4-6F175D3DCCD1}">
+              <a14:hiddenFill xmlns:a14="http://schemas.microsoft.com/office/drawing/2010/main">
+                <a:solidFill>
+                  <a:srgbClr val="FFFFFF"/>
+                </a:solidFill>
+              </a14:hiddenFill>
+            </a:ext>
+          </a:extLst>
+        </p:spPr>
+      </p:pic>
+      <p:pic>
+        <p:nvPicPr>
+          <p:cNvPr id="1028" name="Picture 4">
+            <a:extLst>
+              <a:ext uri="{FF2B5EF4-FFF2-40B4-BE49-F238E27FC236}">
+                <a16:creationId xmlns:a16="http://schemas.microsoft.com/office/drawing/2014/main" id="{67A048DF-8FC5-48E4-8D07-DDA3E5DE44BC}"/>
+              </a:ext>
+            </a:extLst>
+          </p:cNvPr>
+          <p:cNvPicPr>
+            <a:picLocks noChangeAspect="1" noChangeArrowheads="1"/>
+          </p:cNvPicPr>
           <p:nvPr/>
-        </p:nvGrpSpPr>
-        <p:grpSpPr bwMode="auto">
-          <a:xfrm>
-            <a:off x="2913703" y="1884651"/>
-            <a:ext cx="5105400" cy="555625"/>
-            <a:chOff x="1248" y="2030"/>
-            <a:chExt cx="3216" cy="350"/>
-          </a:xfrm>
-        </p:grpSpPr>
-        <p:sp>
-          <p:nvSpPr>
-            <p:cNvPr id="10" name="Line 8">
-              <a:extLst>
-                <a:ext uri="{FF2B5EF4-FFF2-40B4-BE49-F238E27FC236}">
-                  <a16:creationId xmlns:a16="http://schemas.microsoft.com/office/drawing/2014/main" id="{B0F54A65-DF2F-46C9-B0B8-0C1CD75BB961}"/>
-                </a:ext>
-              </a:extLst>
-            </p:cNvPr>
-            <p:cNvSpPr>
-              <a:spLocks noChangeShapeType="1"/>
-            </p:cNvSpPr>
-            <p:nvPr/>
-          </p:nvSpPr>
-          <p:spPr bwMode="gray">
-            <a:xfrm>
-              <a:off x="1440" y="2380"/>
-              <a:ext cx="3024" cy="0"/>
-            </a:xfrm>
-            <a:prstGeom prst="line">
-              <a:avLst/>
-            </a:prstGeom>
-            <a:noFill/>
-            <a:ln w="25400">
-              <a:solidFill>
-                <a:srgbClr val="969696"/>
-              </a:solidFill>
-              <a:prstDash val="sysDot"/>
-              <a:round/>
-              <a:headEnd/>
-              <a:tailEnd type="oval" w="med" len="med"/>
-            </a:ln>
-            <a:effectLst/>
-            <a:extLst>
-              <a:ext uri="{909E8E84-426E-40DD-AFC4-6F175D3DCCD1}">
-                <a14:hiddenFill xmlns:a14="http://schemas.microsoft.com/office/drawing/2010/main">
-                  <a:noFill/>
-                </a14:hiddenFill>
-              </a:ext>
-              <a:ext uri="{AF507438-7753-43E0-B8FC-AC1667EBCBE1}">
-                <a14:hiddenEffects xmlns:a14="http://schemas.microsoft.com/office/drawing/2010/main">
-                  <a:effectLst>
-                    <a:outerShdw dist="35921" dir="2700000" algn="ctr" rotWithShape="0">
-                      <a:schemeClr val="bg2"/>
-                    </a:outerShdw>
-                  </a:effectLst>
-                </a14:hiddenEffects>
-              </a:ext>
-            </a:extLst>
-          </p:spPr>
-          <p:txBody>
-            <a:bodyPr wrap="none" anchor="ctr"/>
-            <a:lstStyle/>
-            <a:p>
-              <a:endParaRPr lang="en-US"/>
-            </a:p>
-          </p:txBody>
-        </p:sp>
-        <p:sp>
-          <p:nvSpPr>
-            <p:cNvPr id="11" name="Rectangle 9">
-              <a:extLst>
-                <a:ext uri="{FF2B5EF4-FFF2-40B4-BE49-F238E27FC236}">
-                  <a16:creationId xmlns:a16="http://schemas.microsoft.com/office/drawing/2014/main" id="{2A2F12B1-B54F-4D62-862C-940364D67115}"/>
-                </a:ext>
-              </a:extLst>
-            </p:cNvPr>
-            <p:cNvSpPr>
-              <a:spLocks noChangeArrowheads="1"/>
-            </p:cNvSpPr>
-            <p:nvPr/>
-          </p:nvSpPr>
-          <p:spPr bwMode="gray">
-            <a:xfrm rot="3419336">
-              <a:off x="1261" y="2017"/>
-              <a:ext cx="302" cy="328"/>
-            </a:xfrm>
-            <a:prstGeom prst="rect">
-              <a:avLst/>
-            </a:prstGeom>
-            <a:gradFill rotWithShape="1">
-              <a:gsLst>
-                <a:gs pos="0">
-                  <a:srgbClr val="99CC00"/>
-                </a:gs>
-                <a:gs pos="100000">
-                  <a:srgbClr val="99CC00">
-                    <a:gamma/>
-                    <a:shade val="46275"/>
-                    <a:invGamma/>
-                  </a:srgbClr>
-                </a:gs>
-              </a:gsLst>
-              <a:lin ang="5400000" scaled="1"/>
-            </a:gradFill>
-            <a:ln w="9525">
-              <a:miter lim="800000"/>
-              <a:headEnd/>
-              <a:tailEnd/>
-            </a:ln>
-            <a:effectLst/>
-            <a:scene3d>
-              <a:camera prst="legacyPerspectiveFront">
-                <a:rot lat="0" lon="1500000" rev="0"/>
-              </a:camera>
-              <a:lightRig rig="legacyFlat4" dir="b"/>
-            </a:scene3d>
-            <a:sp3d extrusionH="430200" prstMaterial="legacyMatte">
-              <a:bevelT w="13500" h="13500" prst="angle"/>
-              <a:bevelB w="13500" h="13500" prst="angle"/>
-              <a:extrusionClr>
-                <a:srgbClr val="99CC00"/>
-              </a:extrusionClr>
-            </a:sp3d>
-            <a:extLst>
-              <a:ext uri="{AF507438-7753-43E0-B8FC-AC1667EBCBE1}">
-                <a14:hiddenEffects xmlns:a14="http://schemas.microsoft.com/office/drawing/2010/main">
-                  <a:effectLst>
-                    <a:outerShdw dist="35921" dir="2700000" algn="ctr" rotWithShape="0">
-                      <a:schemeClr val="bg2"/>
-                    </a:outerShdw>
-                  </a:effectLst>
-                </a14:hiddenEffects>
-              </a:ext>
-            </a:extLst>
-          </p:spPr>
-          <p:txBody>
-            <a:bodyPr wrap="none" anchor="ctr">
-              <a:flatTx/>
-            </a:bodyPr>
-            <a:lstStyle/>
-            <a:p>
-              <a:endParaRPr lang="en-US"/>
-            </a:p>
-          </p:txBody>
-        </p:sp>
-        <p:sp>
-          <p:nvSpPr>
-            <p:cNvPr id="12" name="Text Box 10">
-              <a:extLst>
-                <a:ext uri="{FF2B5EF4-FFF2-40B4-BE49-F238E27FC236}">
-                  <a16:creationId xmlns:a16="http://schemas.microsoft.com/office/drawing/2014/main" id="{FEA96704-9AF1-431C-AB87-139A7A63FB8A}"/>
-                </a:ext>
-              </a:extLst>
-            </p:cNvPr>
-            <p:cNvSpPr txBox="1">
-              <a:spLocks noChangeArrowheads="1"/>
-            </p:cNvSpPr>
-            <p:nvPr/>
-          </p:nvSpPr>
-          <p:spPr bwMode="gray">
-            <a:xfrm>
-              <a:off x="2256" y="2072"/>
-              <a:ext cx="1536" cy="288"/>
-            </a:xfrm>
-            <a:prstGeom prst="rect">
-              <a:avLst/>
-            </a:prstGeom>
-            <a:noFill/>
-            <a:ln>
-              <a:noFill/>
-            </a:ln>
-            <a:effectLst/>
-            <a:extLst>
-              <a:ext uri="{909E8E84-426E-40DD-AFC4-6F175D3DCCD1}">
-                <a14:hiddenFill xmlns:a14="http://schemas.microsoft.com/office/drawing/2010/main">
-                  <a:solidFill>
-                    <a:schemeClr val="accent1"/>
-                  </a:solidFill>
-                </a14:hiddenFill>
-              </a:ext>
-              <a:ext uri="{91240B29-F687-4F45-9708-019B960494DF}">
-                <a14:hiddenLine xmlns:a14="http://schemas.microsoft.com/office/drawing/2010/main" w="9525" algn="ctr">
-                  <a:solidFill>
-                    <a:schemeClr val="tx1"/>
-                  </a:solidFill>
-                  <a:miter lim="800000"/>
-                  <a:headEnd/>
-                  <a:tailEnd/>
-                </a14:hiddenLine>
-              </a:ext>
-              <a:ext uri="{AF507438-7753-43E0-B8FC-AC1667EBCBE1}">
-                <a14:hiddenEffects xmlns:a14="http://schemas.microsoft.com/office/drawing/2010/main">
-                  <a:effectLst>
-                    <a:outerShdw dist="35921" dir="2700000" algn="ctr" rotWithShape="0">
-                      <a:schemeClr val="bg2"/>
-                    </a:outerShdw>
-                  </a:effectLst>
-                </a14:hiddenEffects>
-              </a:ext>
-            </a:extLst>
-          </p:spPr>
-          <p:txBody>
-            <a:bodyPr wrap="none">
-              <a:spAutoFit/>
-            </a:bodyPr>
-            <a:lstStyle/>
-            <a:p>
-              <a:pPr algn="l"/>
-              <a:r>
-                <a:rPr lang="en-US" sz="2400" dirty="0">
-                  <a:solidFill>
-                    <a:srgbClr val="000000"/>
-                  </a:solidFill>
-                </a:rPr>
-                <a:t>Click to add Title</a:t>
-              </a:r>
-            </a:p>
-          </p:txBody>
-        </p:sp>
-        <p:sp>
-          <p:nvSpPr>
-            <p:cNvPr id="13" name="Text Box 11">
-              <a:extLst>
-                <a:ext uri="{FF2B5EF4-FFF2-40B4-BE49-F238E27FC236}">
-                  <a16:creationId xmlns:a16="http://schemas.microsoft.com/office/drawing/2014/main" id="{9E25496A-BFA9-467B-8693-80F1B4E95AD3}"/>
-                </a:ext>
-              </a:extLst>
-            </p:cNvPr>
-            <p:cNvSpPr txBox="1">
-              <a:spLocks noChangeArrowheads="1"/>
-            </p:cNvSpPr>
-            <p:nvPr/>
-          </p:nvSpPr>
-          <p:spPr bwMode="gray">
-            <a:xfrm>
-              <a:off x="1296" y="2044"/>
-              <a:ext cx="223" cy="288"/>
-            </a:xfrm>
-            <a:prstGeom prst="rect">
-              <a:avLst/>
-            </a:prstGeom>
-            <a:noFill/>
-            <a:ln>
-              <a:noFill/>
-            </a:ln>
-            <a:effectLst/>
-            <a:extLst>
-              <a:ext uri="{909E8E84-426E-40DD-AFC4-6F175D3DCCD1}">
-                <a14:hiddenFill xmlns:a14="http://schemas.microsoft.com/office/drawing/2010/main">
-                  <a:solidFill>
-                    <a:schemeClr val="accent1"/>
-                  </a:solidFill>
-                </a14:hiddenFill>
-              </a:ext>
-              <a:ext uri="{91240B29-F687-4F45-9708-019B960494DF}">
-                <a14:hiddenLine xmlns:a14="http://schemas.microsoft.com/office/drawing/2010/main" w="9525" algn="ctr">
-                  <a:solidFill>
-                    <a:schemeClr val="tx1"/>
-                  </a:solidFill>
-                  <a:miter lim="800000"/>
-                  <a:headEnd/>
-                  <a:tailEnd/>
-                </a14:hiddenLine>
-              </a:ext>
-              <a:ext uri="{AF507438-7753-43E0-B8FC-AC1667EBCBE1}">
-                <a14:hiddenEffects xmlns:a14="http://schemas.microsoft.com/office/drawing/2010/main">
-                  <a:effectLst>
-                    <a:outerShdw dist="35921" dir="2700000" algn="ctr" rotWithShape="0">
-                      <a:schemeClr val="bg2"/>
-                    </a:outerShdw>
-                  </a:effectLst>
-                </a14:hiddenEffects>
-              </a:ext>
-            </a:extLst>
-          </p:spPr>
-          <p:txBody>
-            <a:bodyPr wrap="none">
-              <a:spAutoFit/>
-            </a:bodyPr>
-            <a:lstStyle/>
-            <a:p>
-              <a:r>
-                <a:rPr lang="en-US" sz="2400" b="1">
-                  <a:solidFill>
-                    <a:srgbClr val="FFFFFF"/>
-                  </a:solidFill>
-                </a:rPr>
-                <a:t>1</a:t>
-              </a:r>
-            </a:p>
-          </p:txBody>
-        </p:sp>
-      </p:grpSp>
-      <p:grpSp>
-        <p:nvGrpSpPr>
-          <p:cNvPr id="14" name="Group 12">
-            <a:extLst>
-              <a:ext uri="{FF2B5EF4-FFF2-40B4-BE49-F238E27FC236}">
-                <a16:creationId xmlns:a16="http://schemas.microsoft.com/office/drawing/2014/main" id="{7D4DD37F-EB33-4452-8FF4-068D51C0D083}"/>
-              </a:ext>
-            </a:extLst>
-          </p:cNvPr>
-          <p:cNvGrpSpPr>
-            <a:grpSpLocks/>
-          </p:cNvGrpSpPr>
-          <p:nvPr/>
-        </p:nvGrpSpPr>
-        <p:grpSpPr bwMode="auto">
-          <a:xfrm>
-            <a:off x="2913703" y="2722851"/>
-            <a:ext cx="5105400" cy="555625"/>
-            <a:chOff x="1248" y="2640"/>
-            <a:chExt cx="3216" cy="350"/>
-          </a:xfrm>
-        </p:grpSpPr>
-        <p:sp>
-          <p:nvSpPr>
-            <p:cNvPr id="15" name="Line 13">
-              <a:extLst>
-                <a:ext uri="{FF2B5EF4-FFF2-40B4-BE49-F238E27FC236}">
-                  <a16:creationId xmlns:a16="http://schemas.microsoft.com/office/drawing/2014/main" id="{B25FEBFD-A716-42B5-986D-81556411A46B}"/>
-                </a:ext>
-              </a:extLst>
-            </p:cNvPr>
-            <p:cNvSpPr>
-              <a:spLocks noChangeShapeType="1"/>
-            </p:cNvSpPr>
-            <p:nvPr/>
-          </p:nvSpPr>
-          <p:spPr bwMode="gray">
-            <a:xfrm>
-              <a:off x="1440" y="2990"/>
-              <a:ext cx="3024" cy="0"/>
-            </a:xfrm>
-            <a:prstGeom prst="line">
-              <a:avLst/>
-            </a:prstGeom>
-            <a:noFill/>
-            <a:ln w="25400">
-              <a:solidFill>
-                <a:srgbClr val="969696"/>
-              </a:solidFill>
-              <a:prstDash val="sysDot"/>
-              <a:round/>
-              <a:headEnd/>
-              <a:tailEnd type="oval" w="med" len="med"/>
-            </a:ln>
-            <a:effectLst/>
-            <a:extLst>
-              <a:ext uri="{909E8E84-426E-40DD-AFC4-6F175D3DCCD1}">
-                <a14:hiddenFill xmlns:a14="http://schemas.microsoft.com/office/drawing/2010/main">
-                  <a:noFill/>
-                </a14:hiddenFill>
-              </a:ext>
-              <a:ext uri="{AF507438-7753-43E0-B8FC-AC1667EBCBE1}">
-                <a14:hiddenEffects xmlns:a14="http://schemas.microsoft.com/office/drawing/2010/main">
-                  <a:effectLst>
-                    <a:outerShdw dist="35921" dir="2700000" algn="ctr" rotWithShape="0">
-                      <a:schemeClr val="bg2"/>
-                    </a:outerShdw>
-                  </a:effectLst>
-                </a14:hiddenEffects>
-              </a:ext>
-            </a:extLst>
-          </p:spPr>
-          <p:txBody>
-            <a:bodyPr wrap="none" anchor="ctr"/>
-            <a:lstStyle/>
-            <a:p>
-              <a:endParaRPr lang="en-US"/>
-            </a:p>
-          </p:txBody>
-        </p:sp>
-        <p:sp>
-          <p:nvSpPr>
-            <p:cNvPr id="16" name="Rectangle 14">
-              <a:extLst>
-                <a:ext uri="{FF2B5EF4-FFF2-40B4-BE49-F238E27FC236}">
-                  <a16:creationId xmlns:a16="http://schemas.microsoft.com/office/drawing/2014/main" id="{10A33F0F-176A-4A45-B833-44997BF01012}"/>
-                </a:ext>
-              </a:extLst>
-            </p:cNvPr>
-            <p:cNvSpPr>
-              <a:spLocks noChangeArrowheads="1"/>
-            </p:cNvSpPr>
-            <p:nvPr/>
-          </p:nvSpPr>
-          <p:spPr bwMode="gray">
-            <a:xfrm rot="3419336">
-              <a:off x="1261" y="2627"/>
-              <a:ext cx="302" cy="328"/>
-            </a:xfrm>
-            <a:prstGeom prst="rect">
-              <a:avLst/>
-            </a:prstGeom>
-            <a:gradFill rotWithShape="1">
-              <a:gsLst>
-                <a:gs pos="0">
-                  <a:srgbClr val="006699"/>
-                </a:gs>
-                <a:gs pos="100000">
-                  <a:srgbClr val="006699">
-                    <a:gamma/>
-                    <a:shade val="46275"/>
-                    <a:invGamma/>
-                  </a:srgbClr>
-                </a:gs>
-              </a:gsLst>
-              <a:lin ang="5400000" scaled="1"/>
-            </a:gradFill>
-            <a:ln w="9525">
-              <a:miter lim="800000"/>
-              <a:headEnd/>
-              <a:tailEnd/>
-            </a:ln>
-            <a:effectLst/>
-            <a:scene3d>
-              <a:camera prst="legacyPerspectiveFront">
-                <a:rot lat="0" lon="1500000" rev="0"/>
-              </a:camera>
-              <a:lightRig rig="legacyFlat4" dir="b"/>
-            </a:scene3d>
-            <a:sp3d extrusionH="430200" prstMaterial="legacyMatte">
-              <a:bevelT w="13500" h="13500" prst="angle"/>
-              <a:bevelB w="13500" h="13500" prst="angle"/>
-              <a:extrusionClr>
-                <a:srgbClr val="006699"/>
-              </a:extrusionClr>
-            </a:sp3d>
-            <a:extLst>
-              <a:ext uri="{AF507438-7753-43E0-B8FC-AC1667EBCBE1}">
-                <a14:hiddenEffects xmlns:a14="http://schemas.microsoft.com/office/drawing/2010/main">
-                  <a:effectLst>
-                    <a:outerShdw dist="35921" dir="2700000" algn="ctr" rotWithShape="0">
-                      <a:schemeClr val="bg2"/>
-                    </a:outerShdw>
-                  </a:effectLst>
-                </a14:hiddenEffects>
-              </a:ext>
-            </a:extLst>
-          </p:spPr>
-          <p:txBody>
-            <a:bodyPr wrap="none" anchor="ctr">
-              <a:flatTx/>
-            </a:bodyPr>
-            <a:lstStyle/>
-            <a:p>
-              <a:endParaRPr lang="en-US"/>
-            </a:p>
-          </p:txBody>
-        </p:sp>
-        <p:sp>
-          <p:nvSpPr>
-            <p:cNvPr id="17" name="Text Box 15">
-              <a:extLst>
-                <a:ext uri="{FF2B5EF4-FFF2-40B4-BE49-F238E27FC236}">
-                  <a16:creationId xmlns:a16="http://schemas.microsoft.com/office/drawing/2014/main" id="{8F55B307-10E9-4B58-B45A-66939084C042}"/>
-                </a:ext>
-              </a:extLst>
-            </p:cNvPr>
-            <p:cNvSpPr txBox="1">
-              <a:spLocks noChangeArrowheads="1"/>
-            </p:cNvSpPr>
-            <p:nvPr/>
-          </p:nvSpPr>
-          <p:spPr bwMode="gray">
-            <a:xfrm>
-              <a:off x="2256" y="2682"/>
-              <a:ext cx="1536" cy="288"/>
-            </a:xfrm>
-            <a:prstGeom prst="rect">
-              <a:avLst/>
-            </a:prstGeom>
-            <a:noFill/>
-            <a:ln>
-              <a:noFill/>
-            </a:ln>
-            <a:effectLst/>
-            <a:extLst>
-              <a:ext uri="{909E8E84-426E-40DD-AFC4-6F175D3DCCD1}">
-                <a14:hiddenFill xmlns:a14="http://schemas.microsoft.com/office/drawing/2010/main">
-                  <a:solidFill>
-                    <a:schemeClr val="accent1"/>
-                  </a:solidFill>
-                </a14:hiddenFill>
-              </a:ext>
-              <a:ext uri="{91240B29-F687-4F45-9708-019B960494DF}">
-                <a14:hiddenLine xmlns:a14="http://schemas.microsoft.com/office/drawing/2010/main" w="9525" algn="ctr">
-                  <a:solidFill>
-                    <a:schemeClr val="tx1"/>
-                  </a:solidFill>
-                  <a:miter lim="800000"/>
-                  <a:headEnd/>
-                  <a:tailEnd/>
-                </a14:hiddenLine>
-              </a:ext>
-              <a:ext uri="{AF507438-7753-43E0-B8FC-AC1667EBCBE1}">
-                <a14:hiddenEffects xmlns:a14="http://schemas.microsoft.com/office/drawing/2010/main">
-                  <a:effectLst>
-                    <a:outerShdw dist="35921" dir="2700000" algn="ctr" rotWithShape="0">
-                      <a:schemeClr val="bg2"/>
-                    </a:outerShdw>
-                  </a:effectLst>
-                </a14:hiddenEffects>
-              </a:ext>
-            </a:extLst>
-          </p:spPr>
-          <p:txBody>
-            <a:bodyPr wrap="none">
-              <a:spAutoFit/>
-            </a:bodyPr>
-            <a:lstStyle/>
-            <a:p>
-              <a:pPr algn="l"/>
-              <a:r>
-                <a:rPr lang="en-US" sz="2400">
-                  <a:solidFill>
-                    <a:srgbClr val="000000"/>
-                  </a:solidFill>
-                </a:rPr>
-                <a:t>Click to add Title</a:t>
-              </a:r>
-            </a:p>
-          </p:txBody>
-        </p:sp>
-        <p:sp>
-          <p:nvSpPr>
-            <p:cNvPr id="18" name="Text Box 16">
-              <a:extLst>
-                <a:ext uri="{FF2B5EF4-FFF2-40B4-BE49-F238E27FC236}">
-                  <a16:creationId xmlns:a16="http://schemas.microsoft.com/office/drawing/2014/main" id="{139F0A20-B8A9-467A-964F-80C6A29105D9}"/>
-                </a:ext>
-              </a:extLst>
-            </p:cNvPr>
-            <p:cNvSpPr txBox="1">
-              <a:spLocks noChangeArrowheads="1"/>
-            </p:cNvSpPr>
-            <p:nvPr/>
-          </p:nvSpPr>
-          <p:spPr bwMode="gray">
-            <a:xfrm>
-              <a:off x="1296" y="2654"/>
-              <a:ext cx="223" cy="288"/>
-            </a:xfrm>
-            <a:prstGeom prst="rect">
-              <a:avLst/>
-            </a:prstGeom>
-            <a:noFill/>
-            <a:ln>
-              <a:noFill/>
-            </a:ln>
-            <a:effectLst/>
-            <a:extLst>
-              <a:ext uri="{909E8E84-426E-40DD-AFC4-6F175D3DCCD1}">
-                <a14:hiddenFill xmlns:a14="http://schemas.microsoft.com/office/drawing/2010/main">
-                  <a:solidFill>
-                    <a:schemeClr val="accent1"/>
-                  </a:solidFill>
-                </a14:hiddenFill>
-              </a:ext>
-              <a:ext uri="{91240B29-F687-4F45-9708-019B960494DF}">
-                <a14:hiddenLine xmlns:a14="http://schemas.microsoft.com/office/drawing/2010/main" w="9525" algn="ctr">
-                  <a:solidFill>
-                    <a:schemeClr val="tx1"/>
-                  </a:solidFill>
-                  <a:miter lim="800000"/>
-                  <a:headEnd/>
-                  <a:tailEnd/>
-                </a14:hiddenLine>
-              </a:ext>
-              <a:ext uri="{AF507438-7753-43E0-B8FC-AC1667EBCBE1}">
-                <a14:hiddenEffects xmlns:a14="http://schemas.microsoft.com/office/drawing/2010/main">
-                  <a:effectLst>
-                    <a:outerShdw dist="35921" dir="2700000" algn="ctr" rotWithShape="0">
-                      <a:schemeClr val="bg2"/>
-                    </a:outerShdw>
-                  </a:effectLst>
-                </a14:hiddenEffects>
-              </a:ext>
-            </a:extLst>
-          </p:spPr>
-          <p:txBody>
-            <a:bodyPr wrap="none">
-              <a:spAutoFit/>
-            </a:bodyPr>
-            <a:lstStyle/>
-            <a:p>
-              <a:r>
-                <a:rPr lang="en-US" sz="2400" b="1">
-                  <a:solidFill>
-                    <a:srgbClr val="FFFFFF"/>
-                  </a:solidFill>
-                </a:rPr>
-                <a:t>2</a:t>
-              </a:r>
-            </a:p>
-          </p:txBody>
-        </p:sp>
-      </p:grpSp>
-      <p:grpSp>
-        <p:nvGrpSpPr>
-          <p:cNvPr id="19" name="Group 17">
-            <a:extLst>
-              <a:ext uri="{FF2B5EF4-FFF2-40B4-BE49-F238E27FC236}">
-                <a16:creationId xmlns:a16="http://schemas.microsoft.com/office/drawing/2014/main" id="{3F8DE496-5534-44C6-9B0E-903C20EA6405}"/>
-              </a:ext>
-            </a:extLst>
-          </p:cNvPr>
-          <p:cNvGrpSpPr>
-            <a:grpSpLocks/>
-          </p:cNvGrpSpPr>
-          <p:nvPr/>
-        </p:nvGrpSpPr>
-        <p:grpSpPr bwMode="auto">
-          <a:xfrm>
-            <a:off x="2913703" y="3561051"/>
-            <a:ext cx="5105400" cy="555625"/>
-            <a:chOff x="1248" y="3230"/>
-            <a:chExt cx="3216" cy="350"/>
-          </a:xfrm>
-        </p:grpSpPr>
-        <p:sp>
-          <p:nvSpPr>
-            <p:cNvPr id="20" name="Line 18">
-              <a:extLst>
-                <a:ext uri="{FF2B5EF4-FFF2-40B4-BE49-F238E27FC236}">
-                  <a16:creationId xmlns:a16="http://schemas.microsoft.com/office/drawing/2014/main" id="{43F95B7D-AA97-4F44-8053-C9E4608117FD}"/>
-                </a:ext>
-              </a:extLst>
-            </p:cNvPr>
-            <p:cNvSpPr>
-              <a:spLocks noChangeShapeType="1"/>
-            </p:cNvSpPr>
-            <p:nvPr/>
-          </p:nvSpPr>
-          <p:spPr bwMode="gray">
-            <a:xfrm>
-              <a:off x="1441" y="3579"/>
-              <a:ext cx="3023" cy="1"/>
-            </a:xfrm>
-            <a:prstGeom prst="line">
-              <a:avLst/>
-            </a:prstGeom>
-            <a:noFill/>
-            <a:ln w="25400">
-              <a:solidFill>
-                <a:srgbClr val="969696"/>
-              </a:solidFill>
-              <a:prstDash val="sysDot"/>
-              <a:round/>
-              <a:headEnd/>
-              <a:tailEnd type="oval" w="med" len="med"/>
-            </a:ln>
-            <a:effectLst/>
-            <a:extLst>
-              <a:ext uri="{909E8E84-426E-40DD-AFC4-6F175D3DCCD1}">
-                <a14:hiddenFill xmlns:a14="http://schemas.microsoft.com/office/drawing/2010/main">
-                  <a:noFill/>
-                </a14:hiddenFill>
-              </a:ext>
-              <a:ext uri="{AF507438-7753-43E0-B8FC-AC1667EBCBE1}">
-                <a14:hiddenEffects xmlns:a14="http://schemas.microsoft.com/office/drawing/2010/main">
-                  <a:effectLst>
-                    <a:outerShdw dist="35921" dir="2700000" algn="ctr" rotWithShape="0">
-                      <a:schemeClr val="bg2"/>
-                    </a:outerShdw>
-                  </a:effectLst>
-                </a14:hiddenEffects>
-              </a:ext>
-            </a:extLst>
-          </p:spPr>
-          <p:txBody>
-            <a:bodyPr wrap="none" anchor="ctr"/>
-            <a:lstStyle/>
-            <a:p>
-              <a:endParaRPr lang="en-US"/>
-            </a:p>
-          </p:txBody>
-        </p:sp>
-        <p:sp>
-          <p:nvSpPr>
-            <p:cNvPr id="21" name="Rectangle 19">
-              <a:extLst>
-                <a:ext uri="{FF2B5EF4-FFF2-40B4-BE49-F238E27FC236}">
-                  <a16:creationId xmlns:a16="http://schemas.microsoft.com/office/drawing/2014/main" id="{807D6243-7579-40FB-B689-98B30F9BEE92}"/>
-                </a:ext>
-              </a:extLst>
-            </p:cNvPr>
-            <p:cNvSpPr>
-              <a:spLocks noChangeArrowheads="1"/>
-            </p:cNvSpPr>
-            <p:nvPr/>
-          </p:nvSpPr>
-          <p:spPr bwMode="gray">
-            <a:xfrm rot="3419336">
-              <a:off x="1261" y="3217"/>
-              <a:ext cx="302" cy="328"/>
-            </a:xfrm>
-            <a:prstGeom prst="rect">
-              <a:avLst/>
-            </a:prstGeom>
-            <a:gradFill rotWithShape="1">
-              <a:gsLst>
-                <a:gs pos="0">
-                  <a:srgbClr val="FF9933"/>
-                </a:gs>
-                <a:gs pos="100000">
-                  <a:srgbClr val="FF9933">
-                    <a:gamma/>
-                    <a:shade val="46275"/>
-                    <a:invGamma/>
-                  </a:srgbClr>
-                </a:gs>
-              </a:gsLst>
-              <a:lin ang="5400000" scaled="1"/>
-            </a:gradFill>
-            <a:ln w="9525">
-              <a:miter lim="800000"/>
-              <a:headEnd/>
-              <a:tailEnd/>
-            </a:ln>
-            <a:effectLst/>
-            <a:scene3d>
-              <a:camera prst="legacyPerspectiveFront">
-                <a:rot lat="0" lon="1500000" rev="0"/>
-              </a:camera>
-              <a:lightRig rig="legacyFlat4" dir="b"/>
-            </a:scene3d>
-            <a:sp3d extrusionH="430200" prstMaterial="legacyMatte">
-              <a:bevelT w="13500" h="13500" prst="angle"/>
-              <a:bevelB w="13500" h="13500" prst="angle"/>
-              <a:extrusionClr>
-                <a:srgbClr val="FF9933"/>
-              </a:extrusionClr>
-            </a:sp3d>
-            <a:extLst>
-              <a:ext uri="{AF507438-7753-43E0-B8FC-AC1667EBCBE1}">
-                <a14:hiddenEffects xmlns:a14="http://schemas.microsoft.com/office/drawing/2010/main">
-                  <a:effectLst>
-                    <a:outerShdw dist="35921" dir="2700000" algn="ctr" rotWithShape="0">
-                      <a:schemeClr val="bg2"/>
-                    </a:outerShdw>
-                  </a:effectLst>
-                </a14:hiddenEffects>
-              </a:ext>
-            </a:extLst>
-          </p:spPr>
-          <p:txBody>
-            <a:bodyPr wrap="none" anchor="ctr">
-              <a:flatTx/>
-            </a:bodyPr>
-            <a:lstStyle/>
-            <a:p>
-              <a:endParaRPr lang="en-US"/>
-            </a:p>
-          </p:txBody>
-        </p:sp>
-        <p:sp>
-          <p:nvSpPr>
-            <p:cNvPr id="22" name="Text Box 20">
-              <a:extLst>
-                <a:ext uri="{FF2B5EF4-FFF2-40B4-BE49-F238E27FC236}">
-                  <a16:creationId xmlns:a16="http://schemas.microsoft.com/office/drawing/2014/main" id="{3BAA048E-424C-4853-980A-669932C287F4}"/>
-                </a:ext>
-              </a:extLst>
-            </p:cNvPr>
-            <p:cNvSpPr txBox="1">
-              <a:spLocks noChangeArrowheads="1"/>
-            </p:cNvSpPr>
-            <p:nvPr/>
-          </p:nvSpPr>
-          <p:spPr bwMode="gray">
-            <a:xfrm>
-              <a:off x="2256" y="3272"/>
-              <a:ext cx="1536" cy="288"/>
-            </a:xfrm>
-            <a:prstGeom prst="rect">
-              <a:avLst/>
-            </a:prstGeom>
-            <a:noFill/>
-            <a:ln>
-              <a:noFill/>
-            </a:ln>
-            <a:effectLst/>
-            <a:extLst>
-              <a:ext uri="{909E8E84-426E-40DD-AFC4-6F175D3DCCD1}">
-                <a14:hiddenFill xmlns:a14="http://schemas.microsoft.com/office/drawing/2010/main">
-                  <a:solidFill>
-                    <a:schemeClr val="accent1"/>
-                  </a:solidFill>
-                </a14:hiddenFill>
-              </a:ext>
-              <a:ext uri="{91240B29-F687-4F45-9708-019B960494DF}">
-                <a14:hiddenLine xmlns:a14="http://schemas.microsoft.com/office/drawing/2010/main" w="9525" algn="ctr">
-                  <a:solidFill>
-                    <a:schemeClr val="tx1"/>
-                  </a:solidFill>
-                  <a:miter lim="800000"/>
-                  <a:headEnd/>
-                  <a:tailEnd/>
-                </a14:hiddenLine>
-              </a:ext>
-              <a:ext uri="{AF507438-7753-43E0-B8FC-AC1667EBCBE1}">
-                <a14:hiddenEffects xmlns:a14="http://schemas.microsoft.com/office/drawing/2010/main">
-                  <a:effectLst>
-                    <a:outerShdw dist="35921" dir="2700000" algn="ctr" rotWithShape="0">
-                      <a:schemeClr val="bg2"/>
-                    </a:outerShdw>
-                  </a:effectLst>
-                </a14:hiddenEffects>
-              </a:ext>
-            </a:extLst>
-          </p:spPr>
-          <p:txBody>
-            <a:bodyPr wrap="none">
-              <a:spAutoFit/>
-            </a:bodyPr>
-            <a:lstStyle/>
-            <a:p>
-              <a:pPr algn="l"/>
-              <a:r>
-                <a:rPr lang="en-US" sz="2400">
-                  <a:solidFill>
-                    <a:srgbClr val="000000"/>
-                  </a:solidFill>
-                </a:rPr>
-                <a:t>Click to add Title</a:t>
-              </a:r>
-            </a:p>
-          </p:txBody>
-        </p:sp>
-        <p:sp>
-          <p:nvSpPr>
-            <p:cNvPr id="23" name="Text Box 21">
-              <a:extLst>
-                <a:ext uri="{FF2B5EF4-FFF2-40B4-BE49-F238E27FC236}">
-                  <a16:creationId xmlns:a16="http://schemas.microsoft.com/office/drawing/2014/main" id="{5878B3FA-0F30-4946-B553-EAE014B0F662}"/>
-                </a:ext>
-              </a:extLst>
-            </p:cNvPr>
-            <p:cNvSpPr txBox="1">
-              <a:spLocks noChangeArrowheads="1"/>
-            </p:cNvSpPr>
-            <p:nvPr/>
-          </p:nvSpPr>
-          <p:spPr bwMode="gray">
-            <a:xfrm>
-              <a:off x="1296" y="3244"/>
-              <a:ext cx="223" cy="288"/>
-            </a:xfrm>
-            <a:prstGeom prst="rect">
-              <a:avLst/>
-            </a:prstGeom>
-            <a:noFill/>
-            <a:ln>
-              <a:noFill/>
-            </a:ln>
-            <a:effectLst/>
-            <a:extLst>
-              <a:ext uri="{909E8E84-426E-40DD-AFC4-6F175D3DCCD1}">
-                <a14:hiddenFill xmlns:a14="http://schemas.microsoft.com/office/drawing/2010/main">
-                  <a:solidFill>
-                    <a:schemeClr val="accent1"/>
-                  </a:solidFill>
-                </a14:hiddenFill>
-              </a:ext>
-              <a:ext uri="{91240B29-F687-4F45-9708-019B960494DF}">
-                <a14:hiddenLine xmlns:a14="http://schemas.microsoft.com/office/drawing/2010/main" w="9525" algn="ctr">
-                  <a:solidFill>
-                    <a:schemeClr val="tx1"/>
-                  </a:solidFill>
-                  <a:miter lim="800000"/>
-                  <a:headEnd/>
-                  <a:tailEnd/>
-                </a14:hiddenLine>
-              </a:ext>
-              <a:ext uri="{AF507438-7753-43E0-B8FC-AC1667EBCBE1}">
-                <a14:hiddenEffects xmlns:a14="http://schemas.microsoft.com/office/drawing/2010/main">
-                  <a:effectLst>
-                    <a:outerShdw dist="35921" dir="2700000" algn="ctr" rotWithShape="0">
-                      <a:schemeClr val="bg2"/>
-                    </a:outerShdw>
-                  </a:effectLst>
-                </a14:hiddenEffects>
-              </a:ext>
-            </a:extLst>
-          </p:spPr>
-          <p:txBody>
-            <a:bodyPr wrap="none">
-              <a:spAutoFit/>
-            </a:bodyPr>
-            <a:lstStyle/>
-            <a:p>
-              <a:r>
-                <a:rPr lang="en-US" sz="2400" b="1">
-                  <a:solidFill>
-                    <a:srgbClr val="FFFFFF"/>
-                  </a:solidFill>
-                </a:rPr>
-                <a:t>3</a:t>
-              </a:r>
-            </a:p>
-          </p:txBody>
-        </p:sp>
-      </p:grpSp>
-      <p:grpSp>
-        <p:nvGrpSpPr>
-          <p:cNvPr id="24" name="Group 22">
-            <a:extLst>
-              <a:ext uri="{FF2B5EF4-FFF2-40B4-BE49-F238E27FC236}">
-                <a16:creationId xmlns:a16="http://schemas.microsoft.com/office/drawing/2014/main" id="{27944EAD-7666-46A3-A825-343598923E36}"/>
-              </a:ext>
-            </a:extLst>
-          </p:cNvPr>
-          <p:cNvGrpSpPr>
-            <a:grpSpLocks/>
-          </p:cNvGrpSpPr>
-          <p:nvPr/>
-        </p:nvGrpSpPr>
-        <p:grpSpPr bwMode="auto">
-          <a:xfrm>
-            <a:off x="2913703" y="5259676"/>
-            <a:ext cx="5105400" cy="555625"/>
-            <a:chOff x="1248" y="3230"/>
-            <a:chExt cx="3216" cy="350"/>
-          </a:xfrm>
-        </p:grpSpPr>
-        <p:sp>
-          <p:nvSpPr>
-            <p:cNvPr id="25" name="Line 23">
-              <a:extLst>
-                <a:ext uri="{FF2B5EF4-FFF2-40B4-BE49-F238E27FC236}">
-                  <a16:creationId xmlns:a16="http://schemas.microsoft.com/office/drawing/2014/main" id="{EA63434D-8FDC-4AE3-A923-E224C2D5B735}"/>
-                </a:ext>
-              </a:extLst>
-            </p:cNvPr>
-            <p:cNvSpPr>
-              <a:spLocks noChangeShapeType="1"/>
-            </p:cNvSpPr>
-            <p:nvPr/>
-          </p:nvSpPr>
-          <p:spPr bwMode="gray">
-            <a:xfrm>
-              <a:off x="1440" y="3580"/>
-              <a:ext cx="3024" cy="0"/>
-            </a:xfrm>
-            <a:prstGeom prst="line">
-              <a:avLst/>
-            </a:prstGeom>
-            <a:noFill/>
-            <a:ln w="25400">
-              <a:solidFill>
-                <a:srgbClr val="969696"/>
-              </a:solidFill>
-              <a:prstDash val="sysDot"/>
-              <a:round/>
-              <a:headEnd/>
-              <a:tailEnd type="oval" w="med" len="med"/>
-            </a:ln>
-            <a:effectLst/>
-            <a:extLst>
-              <a:ext uri="{909E8E84-426E-40DD-AFC4-6F175D3DCCD1}">
-                <a14:hiddenFill xmlns:a14="http://schemas.microsoft.com/office/drawing/2010/main">
-                  <a:noFill/>
-                </a14:hiddenFill>
-              </a:ext>
-              <a:ext uri="{AF507438-7753-43E0-B8FC-AC1667EBCBE1}">
-                <a14:hiddenEffects xmlns:a14="http://schemas.microsoft.com/office/drawing/2010/main">
-                  <a:effectLst>
-                    <a:outerShdw dist="35921" dir="2700000" algn="ctr" rotWithShape="0">
-                      <a:schemeClr val="bg2"/>
-                    </a:outerShdw>
-                  </a:effectLst>
-                </a14:hiddenEffects>
-              </a:ext>
-            </a:extLst>
-          </p:spPr>
-          <p:txBody>
-            <a:bodyPr wrap="none" anchor="ctr"/>
-            <a:lstStyle/>
-            <a:p>
-              <a:endParaRPr lang="en-US"/>
-            </a:p>
-          </p:txBody>
-        </p:sp>
-        <p:sp>
-          <p:nvSpPr>
-            <p:cNvPr id="26" name="Rectangle 24">
-              <a:extLst>
-                <a:ext uri="{FF2B5EF4-FFF2-40B4-BE49-F238E27FC236}">
-                  <a16:creationId xmlns:a16="http://schemas.microsoft.com/office/drawing/2014/main" id="{19FE98DA-8C12-4812-BEB1-B5A2FFFC111C}"/>
-                </a:ext>
-              </a:extLst>
-            </p:cNvPr>
-            <p:cNvSpPr>
-              <a:spLocks noChangeArrowheads="1"/>
-            </p:cNvSpPr>
-            <p:nvPr/>
-          </p:nvSpPr>
-          <p:spPr bwMode="gray">
-            <a:xfrm rot="3419336">
-              <a:off x="1261" y="3217"/>
-              <a:ext cx="302" cy="328"/>
-            </a:xfrm>
-            <a:prstGeom prst="rect">
-              <a:avLst/>
-            </a:prstGeom>
-            <a:gradFill rotWithShape="1">
-              <a:gsLst>
-                <a:gs pos="0">
-                  <a:srgbClr val="990099"/>
-                </a:gs>
-                <a:gs pos="100000">
-                  <a:srgbClr val="990099">
-                    <a:gamma/>
-                    <a:shade val="46275"/>
-                    <a:invGamma/>
-                  </a:srgbClr>
-                </a:gs>
-              </a:gsLst>
-              <a:lin ang="5400000" scaled="1"/>
-            </a:gradFill>
-            <a:ln w="9525">
-              <a:miter lim="800000"/>
-              <a:headEnd/>
-              <a:tailEnd/>
-            </a:ln>
-            <a:effectLst/>
-            <a:scene3d>
-              <a:camera prst="legacyPerspectiveFront">
-                <a:rot lat="0" lon="1500000" rev="0"/>
-              </a:camera>
-              <a:lightRig rig="legacyFlat4" dir="b"/>
-            </a:scene3d>
-            <a:sp3d extrusionH="430200" prstMaterial="legacyMatte">
-              <a:bevelT w="13500" h="13500" prst="angle"/>
-              <a:bevelB w="13500" h="13500" prst="angle"/>
-              <a:extrusionClr>
-                <a:srgbClr val="990099"/>
-              </a:extrusionClr>
-            </a:sp3d>
-            <a:extLst>
-              <a:ext uri="{AF507438-7753-43E0-B8FC-AC1667EBCBE1}">
-                <a14:hiddenEffects xmlns:a14="http://schemas.microsoft.com/office/drawing/2010/main">
-                  <a:effectLst>
-                    <a:outerShdw dist="35921" dir="2700000" algn="ctr" rotWithShape="0">
-                      <a:schemeClr val="bg2"/>
-                    </a:outerShdw>
-                  </a:effectLst>
-                </a14:hiddenEffects>
-              </a:ext>
-            </a:extLst>
-          </p:spPr>
-          <p:txBody>
-            <a:bodyPr wrap="none" anchor="ctr">
-              <a:flatTx/>
-            </a:bodyPr>
-            <a:lstStyle/>
-            <a:p>
-              <a:endParaRPr lang="en-US"/>
-            </a:p>
-          </p:txBody>
-        </p:sp>
-        <p:sp>
-          <p:nvSpPr>
-            <p:cNvPr id="27" name="Text Box 25">
-              <a:extLst>
-                <a:ext uri="{FF2B5EF4-FFF2-40B4-BE49-F238E27FC236}">
-                  <a16:creationId xmlns:a16="http://schemas.microsoft.com/office/drawing/2014/main" id="{755F8934-82B5-47B7-9422-2341A16B806C}"/>
-                </a:ext>
-              </a:extLst>
-            </p:cNvPr>
-            <p:cNvSpPr txBox="1">
-              <a:spLocks noChangeArrowheads="1"/>
-            </p:cNvSpPr>
-            <p:nvPr/>
-          </p:nvSpPr>
-          <p:spPr bwMode="gray">
-            <a:xfrm>
-              <a:off x="2256" y="3272"/>
-              <a:ext cx="1536" cy="288"/>
-            </a:xfrm>
-            <a:prstGeom prst="rect">
-              <a:avLst/>
-            </a:prstGeom>
-            <a:noFill/>
-            <a:ln>
-              <a:noFill/>
-            </a:ln>
-            <a:effectLst/>
-            <a:extLst>
-              <a:ext uri="{909E8E84-426E-40DD-AFC4-6F175D3DCCD1}">
-                <a14:hiddenFill xmlns:a14="http://schemas.microsoft.com/office/drawing/2010/main">
-                  <a:solidFill>
-                    <a:schemeClr val="accent1"/>
-                  </a:solidFill>
-                </a14:hiddenFill>
-              </a:ext>
-              <a:ext uri="{91240B29-F687-4F45-9708-019B960494DF}">
-                <a14:hiddenLine xmlns:a14="http://schemas.microsoft.com/office/drawing/2010/main" w="9525" algn="ctr">
-                  <a:solidFill>
-                    <a:schemeClr val="tx1"/>
-                  </a:solidFill>
-                  <a:miter lim="800000"/>
-                  <a:headEnd/>
-                  <a:tailEnd/>
-                </a14:hiddenLine>
-              </a:ext>
-              <a:ext uri="{AF507438-7753-43E0-B8FC-AC1667EBCBE1}">
-                <a14:hiddenEffects xmlns:a14="http://schemas.microsoft.com/office/drawing/2010/main">
-                  <a:effectLst>
-                    <a:outerShdw dist="35921" dir="2700000" algn="ctr" rotWithShape="0">
-                      <a:schemeClr val="bg2"/>
-                    </a:outerShdw>
-                  </a:effectLst>
-                </a14:hiddenEffects>
-              </a:ext>
-            </a:extLst>
-          </p:spPr>
-          <p:txBody>
-            <a:bodyPr wrap="none">
-              <a:spAutoFit/>
-            </a:bodyPr>
-            <a:lstStyle/>
-            <a:p>
-              <a:pPr algn="l"/>
-              <a:r>
-                <a:rPr lang="en-US" sz="2400">
-                  <a:solidFill>
-                    <a:srgbClr val="000000"/>
-                  </a:solidFill>
-                </a:rPr>
-                <a:t>Click to add Title</a:t>
-              </a:r>
-            </a:p>
-          </p:txBody>
-        </p:sp>
-        <p:sp>
-          <p:nvSpPr>
-            <p:cNvPr id="28" name="Text Box 26">
-              <a:extLst>
-                <a:ext uri="{FF2B5EF4-FFF2-40B4-BE49-F238E27FC236}">
-                  <a16:creationId xmlns:a16="http://schemas.microsoft.com/office/drawing/2014/main" id="{734DCDDD-21E1-4426-9468-DAE52AE5C76D}"/>
-                </a:ext>
-              </a:extLst>
-            </p:cNvPr>
-            <p:cNvSpPr txBox="1">
-              <a:spLocks noChangeArrowheads="1"/>
-            </p:cNvSpPr>
-            <p:nvPr/>
-          </p:nvSpPr>
-          <p:spPr bwMode="gray">
-            <a:xfrm>
-              <a:off x="1296" y="3244"/>
-              <a:ext cx="223" cy="288"/>
-            </a:xfrm>
-            <a:prstGeom prst="rect">
-              <a:avLst/>
-            </a:prstGeom>
-            <a:noFill/>
-            <a:ln>
-              <a:noFill/>
-            </a:ln>
-            <a:effectLst/>
-            <a:extLst>
-              <a:ext uri="{909E8E84-426E-40DD-AFC4-6F175D3DCCD1}">
-                <a14:hiddenFill xmlns:a14="http://schemas.microsoft.com/office/drawing/2010/main">
-                  <a:solidFill>
-                    <a:schemeClr val="accent1"/>
-                  </a:solidFill>
-                </a14:hiddenFill>
-              </a:ext>
-              <a:ext uri="{91240B29-F687-4F45-9708-019B960494DF}">
-                <a14:hiddenLine xmlns:a14="http://schemas.microsoft.com/office/drawing/2010/main" w="9525" algn="ctr">
-                  <a:solidFill>
-                    <a:schemeClr val="tx1"/>
-                  </a:solidFill>
-                  <a:miter lim="800000"/>
-                  <a:headEnd/>
-                  <a:tailEnd/>
-                </a14:hiddenLine>
-              </a:ext>
-              <a:ext uri="{AF507438-7753-43E0-B8FC-AC1667EBCBE1}">
-                <a14:hiddenEffects xmlns:a14="http://schemas.microsoft.com/office/drawing/2010/main">
-                  <a:effectLst>
-                    <a:outerShdw dist="35921" dir="2700000" algn="ctr" rotWithShape="0">
-                      <a:schemeClr val="bg2"/>
-                    </a:outerShdw>
-                  </a:effectLst>
-                </a14:hiddenEffects>
-              </a:ext>
-            </a:extLst>
-          </p:spPr>
-          <p:txBody>
-            <a:bodyPr wrap="none">
-              <a:spAutoFit/>
-            </a:bodyPr>
-            <a:lstStyle/>
-            <a:p>
-              <a:r>
-                <a:rPr lang="en-US" sz="2400" b="1">
-                  <a:solidFill>
-                    <a:srgbClr val="FFFFFF"/>
-                  </a:solidFill>
-                </a:rPr>
-                <a:t>5</a:t>
-              </a:r>
-            </a:p>
-          </p:txBody>
-        </p:sp>
-      </p:grpSp>
+        </p:nvPicPr>
+        <p:blipFill>
+          <a:blip r:embed="rId3">
+            <a:extLst>
+              <a:ext uri="{BEBA8EAE-BF5A-486C-A8C5-ECC9F3942E4B}">
+                <a14:imgProps xmlns:a14="http://schemas.microsoft.com/office/drawing/2010/main">
+                  <a14:imgLayer r:embed="rId4">
+                    <a14:imgEffect>
+                      <a14:backgroundRemoval t="10000" b="90000" l="10000" r="90000"/>
+                    </a14:imgEffect>
+                  </a14:imgLayer>
+                </a14:imgProps>
+              </a:ext>
+              <a:ext uri="{28A0092B-C50C-407E-A947-70E740481C1C}">
+                <a14:useLocalDpi xmlns:a14="http://schemas.microsoft.com/office/drawing/2010/main" val="0"/>
+              </a:ext>
+            </a:extLst>
+          </a:blip>
+          <a:srcRect/>
+          <a:stretch>
+            <a:fillRect/>
+          </a:stretch>
+        </p:blipFill>
+        <p:spPr bwMode="auto">
+          <a:xfrm>
+            <a:off x="3210340" y="1770201"/>
+            <a:ext cx="8365436" cy="4705558"/>
+          </a:xfrm>
+          <a:prstGeom prst="rect">
+            <a:avLst/>
+          </a:prstGeom>
+          <a:noFill/>
+          <a:extLst>
+            <a:ext uri="{909E8E84-426E-40DD-AFC4-6F175D3DCCD1}">
+              <a14:hiddenFill xmlns:a14="http://schemas.microsoft.com/office/drawing/2010/main">
+                <a:solidFill>
+                  <a:srgbClr val="FFFFFF"/>
+                </a:solidFill>
+              </a14:hiddenFill>
+            </a:ext>
+          </a:extLst>
+        </p:spPr>
+      </p:pic>
     </p:spTree>
     <p:extLst>
       <p:ext uri="{BB962C8B-B14F-4D97-AF65-F5344CB8AC3E}">
-        <p14:creationId xmlns:p14="http://schemas.microsoft.com/office/powerpoint/2010/main" val="3508145657"/>
+        <p14:creationId xmlns:p14="http://schemas.microsoft.com/office/powerpoint/2010/main" val="1842564722"/>
       </p:ext>
     </p:extLst>
   </p:cSld>
@@ -5400,7 +5245,7 @@
         </p:nvSpPr>
         <p:spPr>
           <a:xfrm>
-            <a:off x="1676400" y="444638"/>
+            <a:off x="3558209" y="192847"/>
             <a:ext cx="10515600" cy="1325563"/>
           </a:xfrm>
         </p:spPr>
@@ -5430,15 +5275,161 @@
                 </a:effectLst>
                 <a:latin typeface="+mn-lt"/>
               </a:rPr>
-              <a:t>Цели и задачи проекта</a:t>
-            </a:r>
-          </a:p>
-        </p:txBody>
-      </p:sp>
+              <a:t>Ход работы</a:t>
+            </a:r>
+          </a:p>
+        </p:txBody>
+      </p:sp>
+      <p:pic>
+        <p:nvPicPr>
+          <p:cNvPr id="2050" name="Picture 2">
+            <a:extLst>
+              <a:ext uri="{FF2B5EF4-FFF2-40B4-BE49-F238E27FC236}">
+                <a16:creationId xmlns:a16="http://schemas.microsoft.com/office/drawing/2014/main" id="{B73258D8-809F-4BEF-BFC4-D0C0ACDC86E0}"/>
+              </a:ext>
+            </a:extLst>
+          </p:cNvPr>
+          <p:cNvPicPr>
+            <a:picLocks noChangeAspect="1" noChangeArrowheads="1"/>
+          </p:cNvPicPr>
+          <p:nvPr/>
+        </p:nvPicPr>
+        <p:blipFill>
+          <a:blip r:embed="rId2">
+            <a:extLst>
+              <a:ext uri="{BEBA8EAE-BF5A-486C-A8C5-ECC9F3942E4B}">
+                <a14:imgProps xmlns:a14="http://schemas.microsoft.com/office/drawing/2010/main">
+                  <a14:imgLayer r:embed="rId3">
+                    <a14:imgEffect>
+                      <a14:backgroundRemoval t="8333" b="89815" l="625" r="96953">
+                        <a14:foregroundMark x1="4375" y1="31944" x2="4531" y2="25000"/>
+                        <a14:foregroundMark x1="1641" y1="21296" x2="781" y2="18056"/>
+                        <a14:foregroundMark x1="14219" y1="31019" x2="16953" y2="29630"/>
+                        <a14:foregroundMark x1="16953" y1="22685" x2="16719" y2="20370"/>
+                        <a14:foregroundMark x1="11172" y1="29630" x2="15078" y2="36574"/>
+                        <a14:foregroundMark x1="23281" y1="22685" x2="30234" y2="43519"/>
+                        <a14:foregroundMark x1="40859" y1="33333" x2="38828" y2="54167"/>
+                        <a14:foregroundMark x1="51719" y1="18056" x2="50313" y2="50463"/>
+                        <a14:foregroundMark x1="50313" y1="50463" x2="54766" y2="51852"/>
+                        <a14:foregroundMark x1="54766" y1="51852" x2="54766" y2="52315"/>
+                        <a14:foregroundMark x1="50000" y1="36111" x2="48047" y2="39815"/>
+                        <a14:foregroundMark x1="63984" y1="41204" x2="60313" y2="61574"/>
+                        <a14:foregroundMark x1="60313" y1="61574" x2="64453" y2="58333"/>
+                        <a14:foregroundMark x1="64453" y1="58333" x2="68047" y2="62963"/>
+                        <a14:foregroundMark x1="92422" y1="50000" x2="93906" y2="34259"/>
+                        <a14:foregroundMark x1="96953" y1="56481" x2="93359" y2="63889"/>
+                        <a14:foregroundMark x1="94531" y1="67593" x2="93359" y2="70833"/>
+                      </a14:backgroundRemoval>
+                    </a14:imgEffect>
+                  </a14:imgLayer>
+                </a14:imgProps>
+              </a:ext>
+              <a:ext uri="{28A0092B-C50C-407E-A947-70E740481C1C}">
+                <a14:useLocalDpi xmlns:a14="http://schemas.microsoft.com/office/drawing/2010/main" val="0"/>
+              </a:ext>
+            </a:extLst>
+          </a:blip>
+          <a:srcRect/>
+          <a:stretch>
+            <a:fillRect/>
+          </a:stretch>
+        </p:blipFill>
+        <p:spPr bwMode="auto">
+          <a:xfrm>
+            <a:off x="1000539" y="1709282"/>
+            <a:ext cx="10190922" cy="1719718"/>
+          </a:xfrm>
+          <a:prstGeom prst="rect">
+            <a:avLst/>
+          </a:prstGeom>
+          <a:noFill/>
+          <a:extLst>
+            <a:ext uri="{909E8E84-426E-40DD-AFC4-6F175D3DCCD1}">
+              <a14:hiddenFill xmlns:a14="http://schemas.microsoft.com/office/drawing/2010/main">
+                <a:solidFill>
+                  <a:srgbClr val="FFFFFF"/>
+                </a:solidFill>
+              </a14:hiddenFill>
+            </a:ext>
+          </a:extLst>
+        </p:spPr>
+      </p:pic>
+      <p:pic>
+        <p:nvPicPr>
+          <p:cNvPr id="4" name="Рисунок 3">
+            <a:extLst>
+              <a:ext uri="{FF2B5EF4-FFF2-40B4-BE49-F238E27FC236}">
+                <a16:creationId xmlns:a16="http://schemas.microsoft.com/office/drawing/2014/main" id="{B91D5496-FC41-4781-985D-A7BCC47386A6}"/>
+              </a:ext>
+            </a:extLst>
+          </p:cNvPr>
+          <p:cNvPicPr>
+            <a:picLocks noChangeAspect="1"/>
+          </p:cNvPicPr>
+          <p:nvPr/>
+        </p:nvPicPr>
+        <p:blipFill>
+          <a:blip r:embed="rId4">
+            <a:extLst>
+              <a:ext uri="{28A0092B-C50C-407E-A947-70E740481C1C}">
+                <a14:useLocalDpi xmlns:a14="http://schemas.microsoft.com/office/drawing/2010/main" val="0"/>
+              </a:ext>
+            </a:extLst>
+          </a:blip>
+          <a:stretch>
+            <a:fillRect/>
+          </a:stretch>
+        </p:blipFill>
+        <p:spPr>
+          <a:xfrm>
+            <a:off x="1000539" y="3166917"/>
+            <a:ext cx="6095999" cy="2862262"/>
+          </a:xfrm>
+          <a:prstGeom prst="rect">
+            <a:avLst/>
+          </a:prstGeom>
+        </p:spPr>
+      </p:pic>
+      <p:pic>
+        <p:nvPicPr>
+          <p:cNvPr id="6" name="Рисунок 5">
+            <a:extLst>
+              <a:ext uri="{FF2B5EF4-FFF2-40B4-BE49-F238E27FC236}">
+                <a16:creationId xmlns:a16="http://schemas.microsoft.com/office/drawing/2014/main" id="{905F77EB-5D7F-47D1-8094-CFDC658CA167}"/>
+              </a:ext>
+            </a:extLst>
+          </p:cNvPr>
+          <p:cNvPicPr>
+            <a:picLocks noChangeAspect="1"/>
+          </p:cNvPicPr>
+          <p:nvPr/>
+        </p:nvPicPr>
+        <p:blipFill>
+          <a:blip r:embed="rId5">
+            <a:extLst>
+              <a:ext uri="{28A0092B-C50C-407E-A947-70E740481C1C}">
+                <a14:useLocalDpi xmlns:a14="http://schemas.microsoft.com/office/drawing/2010/main" val="0"/>
+              </a:ext>
+            </a:extLst>
+          </a:blip>
+          <a:stretch>
+            <a:fillRect/>
+          </a:stretch>
+        </p:blipFill>
+        <p:spPr>
+          <a:xfrm>
+            <a:off x="7664933" y="3542387"/>
+            <a:ext cx="2592250" cy="550566"/>
+          </a:xfrm>
+          <a:prstGeom prst="rect">
+            <a:avLst/>
+          </a:prstGeom>
+        </p:spPr>
+      </p:pic>
     </p:spTree>
     <p:extLst>
       <p:ext uri="{BB962C8B-B14F-4D97-AF65-F5344CB8AC3E}">
-        <p14:creationId xmlns:p14="http://schemas.microsoft.com/office/powerpoint/2010/main" val="1842564722"/>
+        <p14:creationId xmlns:p14="http://schemas.microsoft.com/office/powerpoint/2010/main" val="2408183385"/>
       </p:ext>
     </p:extLst>
   </p:cSld>
@@ -5483,7 +5474,7 @@
         </p:nvSpPr>
         <p:spPr>
           <a:xfrm>
-            <a:off x="3558209" y="192847"/>
+            <a:off x="3200400" y="378376"/>
             <a:ext cx="10515600" cy="1325563"/>
           </a:xfrm>
         </p:spPr>
@@ -5494,7 +5485,7 @@
           <a:lstStyle/>
           <a:p>
             <a:r>
-              <a:rPr lang="ru-RU" sz="6600" b="1" dirty="0">
+              <a:rPr lang="ru-RU" sz="6600" b="1" dirty="0" err="1">
                 <a:ln w="13462">
                   <a:solidFill>
                     <a:schemeClr val="bg1"/>
@@ -5513,15 +5504,178 @@
                 </a:effectLst>
                 <a:latin typeface="+mn-lt"/>
               </a:rPr>
-              <a:t>Ход работы</a:t>
-            </a:r>
-          </a:p>
-        </p:txBody>
-      </p:sp>
+              <a:t>Платформер</a:t>
+            </a:r>
+            <a:endParaRPr lang="ru-RU" sz="6600" b="1" dirty="0">
+              <a:ln w="13462">
+                <a:solidFill>
+                  <a:schemeClr val="bg1"/>
+                </a:solidFill>
+                <a:prstDash val="solid"/>
+              </a:ln>
+              <a:solidFill>
+                <a:schemeClr val="accent2">
+                  <a:lumMod val="50000"/>
+                </a:schemeClr>
+              </a:solidFill>
+              <a:effectLst>
+                <a:outerShdw dist="38100" dir="2700000" algn="bl" rotWithShape="0">
+                  <a:schemeClr val="accent5"/>
+                </a:outerShdw>
+              </a:effectLst>
+              <a:latin typeface="+mn-lt"/>
+            </a:endParaRPr>
+          </a:p>
+        </p:txBody>
+      </p:sp>
+      <p:pic>
+        <p:nvPicPr>
+          <p:cNvPr id="6" name="Рисунок 5">
+            <a:extLst>
+              <a:ext uri="{FF2B5EF4-FFF2-40B4-BE49-F238E27FC236}">
+                <a16:creationId xmlns:a16="http://schemas.microsoft.com/office/drawing/2014/main" id="{35EDC24C-019D-4137-9217-5641D27ED5BE}"/>
+              </a:ext>
+            </a:extLst>
+          </p:cNvPr>
+          <p:cNvPicPr>
+            <a:picLocks noChangeAspect="1"/>
+          </p:cNvPicPr>
+          <p:nvPr/>
+        </p:nvPicPr>
+        <p:blipFill>
+          <a:blip r:embed="rId2">
+            <a:extLst>
+              <a:ext uri="{28A0092B-C50C-407E-A947-70E740481C1C}">
+                <a14:useLocalDpi xmlns:a14="http://schemas.microsoft.com/office/drawing/2010/main" val="0"/>
+              </a:ext>
+            </a:extLst>
+          </a:blip>
+          <a:stretch>
+            <a:fillRect/>
+          </a:stretch>
+        </p:blipFill>
+        <p:spPr>
+          <a:xfrm>
+            <a:off x="384313" y="1703939"/>
+            <a:ext cx="6498356" cy="3371022"/>
+          </a:xfrm>
+          <a:prstGeom prst="rect">
+            <a:avLst/>
+          </a:prstGeom>
+        </p:spPr>
+      </p:pic>
+      <p:pic>
+        <p:nvPicPr>
+          <p:cNvPr id="8" name="Рисунок 7">
+            <a:extLst>
+              <a:ext uri="{FF2B5EF4-FFF2-40B4-BE49-F238E27FC236}">
+                <a16:creationId xmlns:a16="http://schemas.microsoft.com/office/drawing/2014/main" id="{B718708B-AB66-4574-991D-1B13E849CF4A}"/>
+              </a:ext>
+            </a:extLst>
+          </p:cNvPr>
+          <p:cNvPicPr>
+            <a:picLocks noChangeAspect="1"/>
+          </p:cNvPicPr>
+          <p:nvPr/>
+        </p:nvPicPr>
+        <p:blipFill>
+          <a:blip r:embed="rId3">
+            <a:extLst>
+              <a:ext uri="{28A0092B-C50C-407E-A947-70E740481C1C}">
+                <a14:useLocalDpi xmlns:a14="http://schemas.microsoft.com/office/drawing/2010/main" val="0"/>
+              </a:ext>
+            </a:extLst>
+          </a:blip>
+          <a:stretch>
+            <a:fillRect/>
+          </a:stretch>
+        </p:blipFill>
+        <p:spPr>
+          <a:xfrm>
+            <a:off x="8140739" y="1826078"/>
+            <a:ext cx="634921" cy="634921"/>
+          </a:xfrm>
+          <a:prstGeom prst="rect">
+            <a:avLst/>
+          </a:prstGeom>
+        </p:spPr>
+      </p:pic>
+      <p:pic>
+        <p:nvPicPr>
+          <p:cNvPr id="10" name="Рисунок 9">
+            <a:extLst>
+              <a:ext uri="{FF2B5EF4-FFF2-40B4-BE49-F238E27FC236}">
+                <a16:creationId xmlns:a16="http://schemas.microsoft.com/office/drawing/2014/main" id="{8A812729-0E56-480C-9A68-5420D1298A2B}"/>
+              </a:ext>
+            </a:extLst>
+          </p:cNvPr>
+          <p:cNvPicPr>
+            <a:picLocks noChangeAspect="1"/>
+          </p:cNvPicPr>
+          <p:nvPr/>
+        </p:nvPicPr>
+        <p:blipFill>
+          <a:blip r:embed="rId4">
+            <a:extLst>
+              <a:ext uri="{28A0092B-C50C-407E-A947-70E740481C1C}">
+                <a14:useLocalDpi xmlns:a14="http://schemas.microsoft.com/office/drawing/2010/main" val="0"/>
+              </a:ext>
+            </a:extLst>
+          </a:blip>
+          <a:stretch>
+            <a:fillRect/>
+          </a:stretch>
+        </p:blipFill>
+        <p:spPr>
+          <a:xfrm>
+            <a:off x="9061373" y="2544890"/>
+            <a:ext cx="560570" cy="467140"/>
+          </a:xfrm>
+          <a:prstGeom prst="rect">
+            <a:avLst/>
+          </a:prstGeom>
+        </p:spPr>
+      </p:pic>
+      <p:pic>
+        <p:nvPicPr>
+          <p:cNvPr id="12" name="Рисунок 11">
+            <a:extLst>
+              <a:ext uri="{FF2B5EF4-FFF2-40B4-BE49-F238E27FC236}">
+                <a16:creationId xmlns:a16="http://schemas.microsoft.com/office/drawing/2014/main" id="{75416DA5-B202-4D96-8189-B55FBB5D8FD5}"/>
+              </a:ext>
+            </a:extLst>
+          </p:cNvPr>
+          <p:cNvPicPr>
+            <a:picLocks noChangeAspect="1"/>
+          </p:cNvPicPr>
+          <p:nvPr/>
+        </p:nvPicPr>
+        <p:blipFill>
+          <a:blip r:embed="rId5">
+            <a:extLst>
+              <a:ext uri="{28A0092B-C50C-407E-A947-70E740481C1C}">
+                <a14:useLocalDpi xmlns:a14="http://schemas.microsoft.com/office/drawing/2010/main" val="0"/>
+              </a:ext>
+            </a:extLst>
+          </a:blip>
+          <a:stretch>
+            <a:fillRect/>
+          </a:stretch>
+        </p:blipFill>
+        <p:spPr>
+          <a:xfrm>
+            <a:off x="8071817" y="3301950"/>
+            <a:ext cx="2539682" cy="1015873"/>
+          </a:xfrm>
+          <a:prstGeom prst="rect">
+            <a:avLst/>
+          </a:prstGeom>
+        </p:spPr>
+      </p:pic>
     </p:spTree>
     <p:extLst>
       <p:ext uri="{BB962C8B-B14F-4D97-AF65-F5344CB8AC3E}">
-        <p14:creationId xmlns:p14="http://schemas.microsoft.com/office/powerpoint/2010/main" val="2408183385"/>
+        <p14:creationId xmlns:p14="http://schemas.microsoft.com/office/powerpoint/2010/main" val="2955943707"/>
       </p:ext>
     </p:extLst>
   </p:cSld>
@@ -5566,7 +5720,7 @@
         </p:nvSpPr>
         <p:spPr>
           <a:xfrm>
-            <a:off x="2060713" y="259107"/>
+            <a:off x="3860110" y="367792"/>
             <a:ext cx="10515600" cy="1325563"/>
           </a:xfrm>
         </p:spPr>
@@ -5596,15 +5750,267 @@
                 </a:effectLst>
                 <a:latin typeface="+mn-lt"/>
               </a:rPr>
-              <a:t>Работа приложения</a:t>
-            </a:r>
-          </a:p>
-        </p:txBody>
-      </p:sp>
+              <a:t>Графика</a:t>
+            </a:r>
+          </a:p>
+        </p:txBody>
+      </p:sp>
+      <p:pic>
+        <p:nvPicPr>
+          <p:cNvPr id="4" name="Рисунок 3">
+            <a:extLst>
+              <a:ext uri="{FF2B5EF4-FFF2-40B4-BE49-F238E27FC236}">
+                <a16:creationId xmlns:a16="http://schemas.microsoft.com/office/drawing/2014/main" id="{3AF63A70-BC98-4C8F-A410-1EF4BD389BC9}"/>
+              </a:ext>
+            </a:extLst>
+          </p:cNvPr>
+          <p:cNvPicPr>
+            <a:picLocks noChangeAspect="1"/>
+          </p:cNvPicPr>
+          <p:nvPr/>
+        </p:nvPicPr>
+        <p:blipFill>
+          <a:blip r:embed="rId2">
+            <a:extLst>
+              <a:ext uri="{28A0092B-C50C-407E-A947-70E740481C1C}">
+                <a14:useLocalDpi xmlns:a14="http://schemas.microsoft.com/office/drawing/2010/main" val="0"/>
+              </a:ext>
+            </a:extLst>
+          </a:blip>
+          <a:stretch>
+            <a:fillRect/>
+          </a:stretch>
+        </p:blipFill>
+        <p:spPr>
+          <a:xfrm>
+            <a:off x="1702054" y="1809957"/>
+            <a:ext cx="4226916" cy="1145245"/>
+          </a:xfrm>
+          <a:prstGeom prst="rect">
+            <a:avLst/>
+          </a:prstGeom>
+        </p:spPr>
+      </p:pic>
+      <p:pic>
+        <p:nvPicPr>
+          <p:cNvPr id="7" name="Рисунок 6">
+            <a:extLst>
+              <a:ext uri="{FF2B5EF4-FFF2-40B4-BE49-F238E27FC236}">
+                <a16:creationId xmlns:a16="http://schemas.microsoft.com/office/drawing/2014/main" id="{80053009-D27F-4EB4-8F0C-AD07F1451C8A}"/>
+              </a:ext>
+            </a:extLst>
+          </p:cNvPr>
+          <p:cNvPicPr>
+            <a:picLocks noChangeAspect="1"/>
+          </p:cNvPicPr>
+          <p:nvPr/>
+        </p:nvPicPr>
+        <p:blipFill>
+          <a:blip r:embed="rId3">
+            <a:extLst>
+              <a:ext uri="{28A0092B-C50C-407E-A947-70E740481C1C}">
+                <a14:useLocalDpi xmlns:a14="http://schemas.microsoft.com/office/drawing/2010/main" val="0"/>
+              </a:ext>
+            </a:extLst>
+          </a:blip>
+          <a:stretch>
+            <a:fillRect/>
+          </a:stretch>
+        </p:blipFill>
+        <p:spPr>
+          <a:xfrm>
+            <a:off x="1799126" y="3535018"/>
+            <a:ext cx="2285714" cy="2031746"/>
+          </a:xfrm>
+          <a:prstGeom prst="rect">
+            <a:avLst/>
+          </a:prstGeom>
+        </p:spPr>
+      </p:pic>
+      <p:pic>
+        <p:nvPicPr>
+          <p:cNvPr id="11" name="Рисунок 10">
+            <a:extLst>
+              <a:ext uri="{FF2B5EF4-FFF2-40B4-BE49-F238E27FC236}">
+                <a16:creationId xmlns:a16="http://schemas.microsoft.com/office/drawing/2014/main" id="{8EBE918E-CBFB-4040-A9EB-29CD3B0F920D}"/>
+              </a:ext>
+            </a:extLst>
+          </p:cNvPr>
+          <p:cNvPicPr>
+            <a:picLocks noChangeAspect="1"/>
+          </p:cNvPicPr>
+          <p:nvPr/>
+        </p:nvPicPr>
+        <p:blipFill>
+          <a:blip r:embed="rId4">
+            <a:extLst>
+              <a:ext uri="{28A0092B-C50C-407E-A947-70E740481C1C}">
+                <a14:useLocalDpi xmlns:a14="http://schemas.microsoft.com/office/drawing/2010/main" val="0"/>
+              </a:ext>
+            </a:extLst>
+          </a:blip>
+          <a:stretch>
+            <a:fillRect/>
+          </a:stretch>
+        </p:blipFill>
+        <p:spPr>
+          <a:xfrm>
+            <a:off x="4786113" y="3535018"/>
+            <a:ext cx="2285714" cy="2031746"/>
+          </a:xfrm>
+          <a:prstGeom prst="rect">
+            <a:avLst/>
+          </a:prstGeom>
+        </p:spPr>
+      </p:pic>
+      <p:pic>
+        <p:nvPicPr>
+          <p:cNvPr id="14" name="Рисунок 13">
+            <a:extLst>
+              <a:ext uri="{FF2B5EF4-FFF2-40B4-BE49-F238E27FC236}">
+                <a16:creationId xmlns:a16="http://schemas.microsoft.com/office/drawing/2014/main" id="{85F16AD9-AC94-4672-8AB6-B997B0E98DF9}"/>
+              </a:ext>
+            </a:extLst>
+          </p:cNvPr>
+          <p:cNvPicPr>
+            <a:picLocks noChangeAspect="1"/>
+          </p:cNvPicPr>
+          <p:nvPr/>
+        </p:nvPicPr>
+        <p:blipFill>
+          <a:blip r:embed="rId5">
+            <a:extLst>
+              <a:ext uri="{28A0092B-C50C-407E-A947-70E740481C1C}">
+                <a14:useLocalDpi xmlns:a14="http://schemas.microsoft.com/office/drawing/2010/main" val="0"/>
+              </a:ext>
+            </a:extLst>
+          </a:blip>
+          <a:stretch>
+            <a:fillRect/>
+          </a:stretch>
+        </p:blipFill>
+        <p:spPr>
+          <a:xfrm>
+            <a:off x="7773100" y="3535018"/>
+            <a:ext cx="2285714" cy="2031746"/>
+          </a:xfrm>
+          <a:prstGeom prst="rect">
+            <a:avLst/>
+          </a:prstGeom>
+        </p:spPr>
+      </p:pic>
+      <p:pic>
+        <p:nvPicPr>
+          <p:cNvPr id="16" name="Рисунок 15">
+            <a:extLst>
+              <a:ext uri="{FF2B5EF4-FFF2-40B4-BE49-F238E27FC236}">
+                <a16:creationId xmlns:a16="http://schemas.microsoft.com/office/drawing/2014/main" id="{9D051B1C-71A7-40DA-8488-0DFFE9CB5C82}"/>
+              </a:ext>
+            </a:extLst>
+          </p:cNvPr>
+          <p:cNvPicPr>
+            <a:picLocks noChangeAspect="1"/>
+          </p:cNvPicPr>
+          <p:nvPr/>
+        </p:nvPicPr>
+        <p:blipFill>
+          <a:blip r:embed="rId6">
+            <a:extLst>
+              <a:ext uri="{28A0092B-C50C-407E-A947-70E740481C1C}">
+                <a14:useLocalDpi xmlns:a14="http://schemas.microsoft.com/office/drawing/2010/main" val="0"/>
+              </a:ext>
+            </a:extLst>
+          </a:blip>
+          <a:stretch>
+            <a:fillRect/>
+          </a:stretch>
+        </p:blipFill>
+        <p:spPr>
+          <a:xfrm>
+            <a:off x="6620362" y="1809957"/>
+            <a:ext cx="1410455" cy="1294129"/>
+          </a:xfrm>
+          <a:prstGeom prst="rect">
+            <a:avLst/>
+          </a:prstGeom>
+        </p:spPr>
+      </p:pic>
+      <p:pic>
+        <p:nvPicPr>
+          <p:cNvPr id="18" name="Рисунок 17">
+            <a:extLst>
+              <a:ext uri="{FF2B5EF4-FFF2-40B4-BE49-F238E27FC236}">
+                <a16:creationId xmlns:a16="http://schemas.microsoft.com/office/drawing/2014/main" id="{B0C9B2D2-95C4-499A-9CBF-19C9F14AC244}"/>
+              </a:ext>
+            </a:extLst>
+          </p:cNvPr>
+          <p:cNvPicPr>
+            <a:picLocks noChangeAspect="1"/>
+          </p:cNvPicPr>
+          <p:nvPr/>
+        </p:nvPicPr>
+        <p:blipFill>
+          <a:blip r:embed="rId7">
+            <a:extLst>
+              <a:ext uri="{28A0092B-C50C-407E-A947-70E740481C1C}">
+                <a14:useLocalDpi xmlns:a14="http://schemas.microsoft.com/office/drawing/2010/main" val="0"/>
+              </a:ext>
+            </a:extLst>
+          </a:blip>
+          <a:stretch>
+            <a:fillRect/>
+          </a:stretch>
+        </p:blipFill>
+        <p:spPr>
+          <a:xfrm>
+            <a:off x="8841783" y="2089281"/>
+            <a:ext cx="328721" cy="516561"/>
+          </a:xfrm>
+          <a:prstGeom prst="rect">
+            <a:avLst/>
+          </a:prstGeom>
+        </p:spPr>
+      </p:pic>
+      <p:pic>
+        <p:nvPicPr>
+          <p:cNvPr id="20" name="Рисунок 19">
+            <a:extLst>
+              <a:ext uri="{FF2B5EF4-FFF2-40B4-BE49-F238E27FC236}">
+                <a16:creationId xmlns:a16="http://schemas.microsoft.com/office/drawing/2014/main" id="{DF9BB808-EB9E-4CB0-A712-A0A0440C0D42}"/>
+              </a:ext>
+            </a:extLst>
+          </p:cNvPr>
+          <p:cNvPicPr>
+            <a:picLocks noChangeAspect="1"/>
+          </p:cNvPicPr>
+          <p:nvPr/>
+        </p:nvPicPr>
+        <p:blipFill>
+          <a:blip r:embed="rId8">
+            <a:extLst>
+              <a:ext uri="{28A0092B-C50C-407E-A947-70E740481C1C}">
+                <a14:useLocalDpi xmlns:a14="http://schemas.microsoft.com/office/drawing/2010/main" val="0"/>
+              </a:ext>
+            </a:extLst>
+          </a:blip>
+          <a:stretch>
+            <a:fillRect/>
+          </a:stretch>
+        </p:blipFill>
+        <p:spPr>
+          <a:xfrm>
+            <a:off x="9383575" y="2089281"/>
+            <a:ext cx="597895" cy="498244"/>
+          </a:xfrm>
+          <a:prstGeom prst="rect">
+            <a:avLst/>
+          </a:prstGeom>
+        </p:spPr>
+      </p:pic>
     </p:spTree>
     <p:extLst>
       <p:ext uri="{BB962C8B-B14F-4D97-AF65-F5344CB8AC3E}">
-        <p14:creationId xmlns:p14="http://schemas.microsoft.com/office/powerpoint/2010/main" val="2955943707"/>
+        <p14:creationId xmlns:p14="http://schemas.microsoft.com/office/powerpoint/2010/main" val="1725754686"/>
       </p:ext>
     </p:extLst>
   </p:cSld>
@@ -5633,10 +6039,10 @@
       </p:grpSpPr>
       <p:sp>
         <p:nvSpPr>
-          <p:cNvPr id="6" name="Заголовок 5">
-            <a:extLst>
-              <a:ext uri="{FF2B5EF4-FFF2-40B4-BE49-F238E27FC236}">
-                <a16:creationId xmlns:a16="http://schemas.microsoft.com/office/drawing/2014/main" id="{BF5807FD-1E79-4DED-BA3A-6668BF4EE161}"/>
+          <p:cNvPr id="3" name="Заголовок 1">
+            <a:extLst>
+              <a:ext uri="{FF2B5EF4-FFF2-40B4-BE49-F238E27FC236}">
+                <a16:creationId xmlns:a16="http://schemas.microsoft.com/office/drawing/2014/main" id="{702423D9-40DE-4A3A-AEFC-CFEEDF2E3DDB}"/>
               </a:ext>
             </a:extLst>
           </p:cNvPr>
@@ -5649,17 +6055,37 @@
         </p:nvSpPr>
         <p:spPr>
           <a:xfrm>
-            <a:off x="838200" y="391630"/>
+            <a:off x="3263763" y="2766218"/>
             <a:ext cx="10515600" cy="1325563"/>
           </a:xfrm>
         </p:spPr>
         <p:txBody>
-          <a:bodyPr/>
+          <a:bodyPr>
+            <a:normAutofit/>
+          </a:bodyPr>
           <a:lstStyle/>
           <a:p>
             <a:r>
-              <a:rPr lang="ru-RU" dirty="0"/>
-              <a:t> Источники информации:</a:t>
+              <a:rPr lang="ru-RU" sz="6600" b="1" dirty="0">
+                <a:ln w="13462">
+                  <a:solidFill>
+                    <a:schemeClr val="bg1"/>
+                  </a:solidFill>
+                  <a:prstDash val="solid"/>
+                </a:ln>
+                <a:solidFill>
+                  <a:schemeClr val="accent2">
+                    <a:lumMod val="50000"/>
+                  </a:schemeClr>
+                </a:solidFill>
+                <a:effectLst>
+                  <a:outerShdw dist="38100" dir="2700000" algn="bl" rotWithShape="0">
+                    <a:schemeClr val="accent5"/>
+                  </a:outerShdw>
+                </a:effectLst>
+                <a:latin typeface="+mn-lt"/>
+              </a:rPr>
+              <a:t>Работа игры</a:t>
             </a:r>
           </a:p>
         </p:txBody>
@@ -5667,7 +6093,7 @@
     </p:spTree>
     <p:extLst>
       <p:ext uri="{BB962C8B-B14F-4D97-AF65-F5344CB8AC3E}">
-        <p14:creationId xmlns:p14="http://schemas.microsoft.com/office/powerpoint/2010/main" val="4037476821"/>
+        <p14:creationId xmlns:p14="http://schemas.microsoft.com/office/powerpoint/2010/main" val="2485971954"/>
       </p:ext>
     </p:extLst>
   </p:cSld>
@@ -5699,47 +6125,28 @@
           <p:cNvPr id="3" name="Заголовок 1">
             <a:extLst>
               <a:ext uri="{FF2B5EF4-FFF2-40B4-BE49-F238E27FC236}">
-                <a16:creationId xmlns:a16="http://schemas.microsoft.com/office/drawing/2014/main" id="{22AB95F5-5152-404C-B67B-C1A93AB50661}"/>
-              </a:ext>
-            </a:extLst>
-          </p:cNvPr>
-          <p:cNvSpPr txBox="1">
-            <a:spLocks/>
-          </p:cNvSpPr>
-          <p:nvPr/>
-        </p:nvSpPr>
-        <p:spPr>
-          <a:xfrm>
-            <a:off x="838200" y="2235200"/>
-            <a:ext cx="9674087" cy="2387600"/>
-          </a:xfrm>
-          <a:prstGeom prst="rect">
-            <a:avLst/>
-          </a:prstGeom>
-        </p:spPr>
-        <p:txBody>
-          <a:bodyPr vert="horz" lIns="91440" tIns="45720" rIns="91440" bIns="45720" rtlCol="0" anchor="ctr">
+                <a16:creationId xmlns:a16="http://schemas.microsoft.com/office/drawing/2014/main" id="{702423D9-40DE-4A3A-AEFC-CFEEDF2E3DDB}"/>
+              </a:ext>
+            </a:extLst>
+          </p:cNvPr>
+          <p:cNvSpPr>
+            <a:spLocks noGrp="1"/>
+          </p:cNvSpPr>
+          <p:nvPr>
+            <p:ph type="title"/>
+          </p:nvPr>
+        </p:nvSpPr>
+        <p:spPr>
+          <a:xfrm>
+            <a:off x="3290267" y="185530"/>
+            <a:ext cx="10515600" cy="1325563"/>
+          </a:xfrm>
+        </p:spPr>
+        <p:txBody>
+          <a:bodyPr>
             <a:normAutofit/>
           </a:bodyPr>
-          <a:lstStyle>
-            <a:lvl1pPr algn="l" defTabSz="914400" rtl="0" eaLnBrk="1" latinLnBrk="0" hangingPunct="1">
-              <a:lnSpc>
-                <a:spcPct val="90000"/>
-              </a:lnSpc>
-              <a:spcBef>
-                <a:spcPct val="0"/>
-              </a:spcBef>
-              <a:buNone/>
-              <a:defRPr sz="4400" kern="1200">
-                <a:solidFill>
-                  <a:schemeClr val="tx1"/>
-                </a:solidFill>
-                <a:latin typeface="+mj-lt"/>
-                <a:ea typeface="+mj-ea"/>
-                <a:cs typeface="+mj-cs"/>
-              </a:defRPr>
-            </a:lvl1pPr>
-          </a:lstStyle>
+          <a:lstStyle/>
           <a:p>
             <a:r>
               <a:rPr lang="ru-RU" sz="6600" b="1" dirty="0">
@@ -5761,43 +6168,624 @@
                 </a:effectLst>
                 <a:latin typeface="+mn-lt"/>
               </a:rPr>
-              <a:t>Спасибо за внимание!</a:t>
-            </a:r>
-          </a:p>
-        </p:txBody>
-      </p:sp>
-      <p:sp>
-        <p:nvSpPr>
-          <p:cNvPr id="6" name="Заголовок 5">
-            <a:extLst>
-              <a:ext uri="{FF2B5EF4-FFF2-40B4-BE49-F238E27FC236}">
-                <a16:creationId xmlns:a16="http://schemas.microsoft.com/office/drawing/2014/main" id="{BF5807FD-1E79-4DED-BA3A-6668BF4EE161}"/>
-              </a:ext>
-            </a:extLst>
-          </p:cNvPr>
-          <p:cNvSpPr>
-            <a:spLocks noGrp="1"/>
-          </p:cNvSpPr>
-          <p:nvPr>
-            <p:ph type="title"/>
-          </p:nvPr>
-        </p:nvSpPr>
-        <p:spPr/>
-        <p:txBody>
-          <a:bodyPr/>
-          <a:lstStyle/>
-          <a:p>
-            <a:r>
-              <a:rPr lang="ru-RU" dirty="0"/>
-              <a:t> </a:t>
-            </a:r>
-          </a:p>
-        </p:txBody>
-      </p:sp>
+              <a:t>Цель игрока</a:t>
+            </a:r>
+          </a:p>
+        </p:txBody>
+      </p:sp>
+      <p:pic>
+        <p:nvPicPr>
+          <p:cNvPr id="4" name="Рисунок 3">
+            <a:extLst>
+              <a:ext uri="{FF2B5EF4-FFF2-40B4-BE49-F238E27FC236}">
+                <a16:creationId xmlns:a16="http://schemas.microsoft.com/office/drawing/2014/main" id="{F0490E41-EF6F-4593-9CC6-749D410370C4}"/>
+              </a:ext>
+            </a:extLst>
+          </p:cNvPr>
+          <p:cNvPicPr>
+            <a:picLocks noChangeAspect="1"/>
+          </p:cNvPicPr>
+          <p:nvPr/>
+        </p:nvPicPr>
+        <p:blipFill>
+          <a:blip r:embed="rId2">
+            <a:extLst>
+              <a:ext uri="{28A0092B-C50C-407E-A947-70E740481C1C}">
+                <a14:useLocalDpi xmlns:a14="http://schemas.microsoft.com/office/drawing/2010/main" val="0"/>
+              </a:ext>
+            </a:extLst>
+          </a:blip>
+          <a:stretch>
+            <a:fillRect/>
+          </a:stretch>
+        </p:blipFill>
+        <p:spPr>
+          <a:xfrm>
+            <a:off x="977969" y="1469957"/>
+            <a:ext cx="3000375" cy="1828800"/>
+          </a:xfrm>
+          <a:prstGeom prst="rect">
+            <a:avLst/>
+          </a:prstGeom>
+        </p:spPr>
+      </p:pic>
+      <p:pic>
+        <p:nvPicPr>
+          <p:cNvPr id="4098" name="Picture 2">
+            <a:extLst>
+              <a:ext uri="{FF2B5EF4-FFF2-40B4-BE49-F238E27FC236}">
+                <a16:creationId xmlns:a16="http://schemas.microsoft.com/office/drawing/2014/main" id="{6473FC8F-88B8-41B6-BEC8-8EBAE36FB095}"/>
+              </a:ext>
+            </a:extLst>
+          </p:cNvPr>
+          <p:cNvPicPr>
+            <a:picLocks noChangeAspect="1" noChangeArrowheads="1"/>
+          </p:cNvPicPr>
+          <p:nvPr/>
+        </p:nvPicPr>
+        <p:blipFill>
+          <a:blip r:embed="rId3">
+            <a:extLst>
+              <a:ext uri="{28A0092B-C50C-407E-A947-70E740481C1C}">
+                <a14:useLocalDpi xmlns:a14="http://schemas.microsoft.com/office/drawing/2010/main" val="0"/>
+              </a:ext>
+            </a:extLst>
+          </a:blip>
+          <a:srcRect/>
+          <a:stretch>
+            <a:fillRect/>
+          </a:stretch>
+        </p:blipFill>
+        <p:spPr bwMode="auto">
+          <a:xfrm>
+            <a:off x="4110865" y="2384357"/>
+            <a:ext cx="7646504" cy="3936755"/>
+          </a:xfrm>
+          <a:prstGeom prst="rect">
+            <a:avLst/>
+          </a:prstGeom>
+          <a:noFill/>
+          <a:extLst>
+            <a:ext uri="{909E8E84-426E-40DD-AFC4-6F175D3DCCD1}">
+              <a14:hiddenFill xmlns:a14="http://schemas.microsoft.com/office/drawing/2010/main">
+                <a:solidFill>
+                  <a:srgbClr val="FFFFFF"/>
+                </a:solidFill>
+              </a14:hiddenFill>
+            </a:ext>
+          </a:extLst>
+        </p:spPr>
+      </p:pic>
     </p:spTree>
     <p:extLst>
       <p:ext uri="{BB962C8B-B14F-4D97-AF65-F5344CB8AC3E}">
-        <p14:creationId xmlns:p14="http://schemas.microsoft.com/office/powerpoint/2010/main" val="3610788374"/>
+        <p14:creationId xmlns:p14="http://schemas.microsoft.com/office/powerpoint/2010/main" val="641578311"/>
+      </p:ext>
+    </p:extLst>
+  </p:cSld>
+  <p:clrMapOvr>
+    <a:masterClrMapping/>
+  </p:clrMapOvr>
+</p:sld>
+</file>
+
+<file path=ppt/slides/slide8.xml><?xml version="1.0" encoding="utf-8"?>
+<p:sld xmlns:a="http://schemas.openxmlformats.org/drawingml/2006/main" xmlns:r="http://schemas.openxmlformats.org/officeDocument/2006/relationships" xmlns:p="http://schemas.openxmlformats.org/presentationml/2006/main">
+  <p:cSld>
+    <p:spTree>
+      <p:nvGrpSpPr>
+        <p:cNvPr id="1" name=""/>
+        <p:cNvGrpSpPr/>
+        <p:nvPr/>
+      </p:nvGrpSpPr>
+      <p:grpSpPr>
+        <a:xfrm>
+          <a:off x="0" y="0"/>
+          <a:ext cx="0" cy="0"/>
+          <a:chOff x="0" y="0"/>
+          <a:chExt cx="0" cy="0"/>
+        </a:xfrm>
+      </p:grpSpPr>
+      <p:sp>
+        <p:nvSpPr>
+          <p:cNvPr id="3" name="Заголовок 1">
+            <a:extLst>
+              <a:ext uri="{FF2B5EF4-FFF2-40B4-BE49-F238E27FC236}">
+                <a16:creationId xmlns:a16="http://schemas.microsoft.com/office/drawing/2014/main" id="{702423D9-40DE-4A3A-AEFC-CFEEDF2E3DDB}"/>
+              </a:ext>
+            </a:extLst>
+          </p:cNvPr>
+          <p:cNvSpPr>
+            <a:spLocks noGrp="1"/>
+          </p:cNvSpPr>
+          <p:nvPr>
+            <p:ph type="title"/>
+          </p:nvPr>
+        </p:nvSpPr>
+        <p:spPr>
+          <a:xfrm>
+            <a:off x="2676317" y="251791"/>
+            <a:ext cx="10515600" cy="1325563"/>
+          </a:xfrm>
+        </p:spPr>
+        <p:txBody>
+          <a:bodyPr>
+            <a:normAutofit/>
+          </a:bodyPr>
+          <a:lstStyle/>
+          <a:p>
+            <a:r>
+              <a:rPr lang="ru-RU" sz="6600" b="1" dirty="0">
+                <a:ln w="13462">
+                  <a:solidFill>
+                    <a:schemeClr val="bg1"/>
+                  </a:solidFill>
+                  <a:prstDash val="solid"/>
+                </a:ln>
+                <a:solidFill>
+                  <a:schemeClr val="accent2">
+                    <a:lumMod val="50000"/>
+                  </a:schemeClr>
+                </a:solidFill>
+                <a:effectLst>
+                  <a:outerShdw dist="38100" dir="2700000" algn="bl" rotWithShape="0">
+                    <a:schemeClr val="accent5"/>
+                  </a:outerShdw>
+                </a:effectLst>
+                <a:latin typeface="+mn-lt"/>
+              </a:rPr>
+              <a:t>Физика персонажа</a:t>
+            </a:r>
+          </a:p>
+        </p:txBody>
+      </p:sp>
+      <p:pic>
+        <p:nvPicPr>
+          <p:cNvPr id="7" name="Рисунок 6">
+            <a:extLst>
+              <a:ext uri="{FF2B5EF4-FFF2-40B4-BE49-F238E27FC236}">
+                <a16:creationId xmlns:a16="http://schemas.microsoft.com/office/drawing/2014/main" id="{1E1B54D9-32DC-425C-8224-52469C4B306A}"/>
+              </a:ext>
+            </a:extLst>
+          </p:cNvPr>
+          <p:cNvPicPr>
+            <a:picLocks noChangeAspect="1"/>
+          </p:cNvPicPr>
+          <p:nvPr/>
+        </p:nvPicPr>
+        <p:blipFill>
+          <a:blip r:embed="rId2">
+            <a:extLst>
+              <a:ext uri="{28A0092B-C50C-407E-A947-70E740481C1C}">
+                <a14:useLocalDpi xmlns:a14="http://schemas.microsoft.com/office/drawing/2010/main" val="0"/>
+              </a:ext>
+            </a:extLst>
+          </a:blip>
+          <a:stretch>
+            <a:fillRect/>
+          </a:stretch>
+        </p:blipFill>
+        <p:spPr>
+          <a:xfrm>
+            <a:off x="4981783" y="1577354"/>
+            <a:ext cx="4533900" cy="3171825"/>
+          </a:xfrm>
+          <a:prstGeom prst="rect">
+            <a:avLst/>
+          </a:prstGeom>
+        </p:spPr>
+      </p:pic>
+      <p:pic>
+        <p:nvPicPr>
+          <p:cNvPr id="9" name="Рисунок 8">
+            <a:extLst>
+              <a:ext uri="{FF2B5EF4-FFF2-40B4-BE49-F238E27FC236}">
+                <a16:creationId xmlns:a16="http://schemas.microsoft.com/office/drawing/2014/main" id="{71A025DC-197B-4001-A312-7CC7223DD909}"/>
+              </a:ext>
+            </a:extLst>
+          </p:cNvPr>
+          <p:cNvPicPr>
+            <a:picLocks noChangeAspect="1"/>
+          </p:cNvPicPr>
+          <p:nvPr/>
+        </p:nvPicPr>
+        <p:blipFill>
+          <a:blip r:embed="rId3">
+            <a:extLst>
+              <a:ext uri="{28A0092B-C50C-407E-A947-70E740481C1C}">
+                <a14:useLocalDpi xmlns:a14="http://schemas.microsoft.com/office/drawing/2010/main" val="0"/>
+              </a:ext>
+            </a:extLst>
+          </a:blip>
+          <a:stretch>
+            <a:fillRect/>
+          </a:stretch>
+        </p:blipFill>
+        <p:spPr>
+          <a:xfrm>
+            <a:off x="2820157" y="3312143"/>
+            <a:ext cx="878510" cy="1663568"/>
+          </a:xfrm>
+          <a:prstGeom prst="rect">
+            <a:avLst/>
+          </a:prstGeom>
+        </p:spPr>
+      </p:pic>
+      <p:pic>
+        <p:nvPicPr>
+          <p:cNvPr id="15" name="Рисунок 14">
+            <a:extLst>
+              <a:ext uri="{FF2B5EF4-FFF2-40B4-BE49-F238E27FC236}">
+                <a16:creationId xmlns:a16="http://schemas.microsoft.com/office/drawing/2014/main" id="{0D539213-A815-4DDB-A4F7-73FC7E51D213}"/>
+              </a:ext>
+            </a:extLst>
+          </p:cNvPr>
+          <p:cNvPicPr>
+            <a:picLocks noChangeAspect="1"/>
+          </p:cNvPicPr>
+          <p:nvPr/>
+        </p:nvPicPr>
+        <p:blipFill>
+          <a:blip r:embed="rId4">
+            <a:extLst>
+              <a:ext uri="{28A0092B-C50C-407E-A947-70E740481C1C}">
+                <a14:useLocalDpi xmlns:a14="http://schemas.microsoft.com/office/drawing/2010/main" val="0"/>
+              </a:ext>
+            </a:extLst>
+          </a:blip>
+          <a:stretch>
+            <a:fillRect/>
+          </a:stretch>
+        </p:blipFill>
+        <p:spPr>
+          <a:xfrm>
+            <a:off x="2502174" y="1577354"/>
+            <a:ext cx="1514475" cy="1190625"/>
+          </a:xfrm>
+          <a:prstGeom prst="rect">
+            <a:avLst/>
+          </a:prstGeom>
+        </p:spPr>
+      </p:pic>
+    </p:spTree>
+    <p:extLst>
+      <p:ext uri="{BB962C8B-B14F-4D97-AF65-F5344CB8AC3E}">
+        <p14:creationId xmlns:p14="http://schemas.microsoft.com/office/powerpoint/2010/main" val="1303323368"/>
+      </p:ext>
+    </p:extLst>
+  </p:cSld>
+  <p:clrMapOvr>
+    <a:masterClrMapping/>
+  </p:clrMapOvr>
+</p:sld>
+</file>
+
+<file path=ppt/slides/slide9.xml><?xml version="1.0" encoding="utf-8"?>
+<p:sld xmlns:a="http://schemas.openxmlformats.org/drawingml/2006/main" xmlns:r="http://schemas.openxmlformats.org/officeDocument/2006/relationships" xmlns:p="http://schemas.openxmlformats.org/presentationml/2006/main">
+  <p:cSld>
+    <p:spTree>
+      <p:nvGrpSpPr>
+        <p:cNvPr id="1" name=""/>
+        <p:cNvGrpSpPr/>
+        <p:nvPr/>
+      </p:nvGrpSpPr>
+      <p:grpSpPr>
+        <a:xfrm>
+          <a:off x="0" y="0"/>
+          <a:ext cx="0" cy="0"/>
+          <a:chOff x="0" y="0"/>
+          <a:chExt cx="0" cy="0"/>
+        </a:xfrm>
+      </p:grpSpPr>
+      <p:sp>
+        <p:nvSpPr>
+          <p:cNvPr id="3" name="Заголовок 1">
+            <a:extLst>
+              <a:ext uri="{FF2B5EF4-FFF2-40B4-BE49-F238E27FC236}">
+                <a16:creationId xmlns:a16="http://schemas.microsoft.com/office/drawing/2014/main" id="{702423D9-40DE-4A3A-AEFC-CFEEDF2E3DDB}"/>
+              </a:ext>
+            </a:extLst>
+          </p:cNvPr>
+          <p:cNvSpPr>
+            <a:spLocks noGrp="1"/>
+          </p:cNvSpPr>
+          <p:nvPr>
+            <p:ph type="title"/>
+          </p:nvPr>
+        </p:nvSpPr>
+        <p:spPr>
+          <a:xfrm>
+            <a:off x="2676317" y="251791"/>
+            <a:ext cx="10515600" cy="1325563"/>
+          </a:xfrm>
+        </p:spPr>
+        <p:txBody>
+          <a:bodyPr>
+            <a:normAutofit/>
+          </a:bodyPr>
+          <a:lstStyle/>
+          <a:p>
+            <a:r>
+              <a:rPr lang="ru-RU" sz="6600" b="1" dirty="0">
+                <a:ln w="13462">
+                  <a:solidFill>
+                    <a:schemeClr val="bg1"/>
+                  </a:solidFill>
+                  <a:prstDash val="solid"/>
+                </a:ln>
+                <a:solidFill>
+                  <a:schemeClr val="accent2">
+                    <a:lumMod val="50000"/>
+                  </a:schemeClr>
+                </a:solidFill>
+                <a:effectLst>
+                  <a:outerShdw dist="38100" dir="2700000" algn="bl" rotWithShape="0">
+                    <a:schemeClr val="accent5"/>
+                  </a:outerShdw>
+                </a:effectLst>
+                <a:latin typeface="+mn-lt"/>
+              </a:rPr>
+              <a:t>Анимация персонажа</a:t>
+            </a:r>
+          </a:p>
+        </p:txBody>
+      </p:sp>
+      <p:pic>
+        <p:nvPicPr>
+          <p:cNvPr id="4" name="Рисунок 3">
+            <a:extLst>
+              <a:ext uri="{FF2B5EF4-FFF2-40B4-BE49-F238E27FC236}">
+                <a16:creationId xmlns:a16="http://schemas.microsoft.com/office/drawing/2014/main" id="{2FFED981-C38D-4562-8DFB-F98C4A704BF5}"/>
+              </a:ext>
+            </a:extLst>
+          </p:cNvPr>
+          <p:cNvPicPr>
+            <a:picLocks noChangeAspect="1"/>
+          </p:cNvPicPr>
+          <p:nvPr/>
+        </p:nvPicPr>
+        <p:blipFill>
+          <a:blip r:embed="rId2">
+            <a:extLst>
+              <a:ext uri="{28A0092B-C50C-407E-A947-70E740481C1C}">
+                <a14:useLocalDpi xmlns:a14="http://schemas.microsoft.com/office/drawing/2010/main" val="0"/>
+              </a:ext>
+            </a:extLst>
+          </a:blip>
+          <a:stretch>
+            <a:fillRect/>
+          </a:stretch>
+        </p:blipFill>
+        <p:spPr>
+          <a:xfrm>
+            <a:off x="2676317" y="2140934"/>
+            <a:ext cx="1007788" cy="1908365"/>
+          </a:xfrm>
+          <a:prstGeom prst="rect">
+            <a:avLst/>
+          </a:prstGeom>
+        </p:spPr>
+      </p:pic>
+      <p:pic>
+        <p:nvPicPr>
+          <p:cNvPr id="6" name="Рисунок 5">
+            <a:extLst>
+              <a:ext uri="{FF2B5EF4-FFF2-40B4-BE49-F238E27FC236}">
+                <a16:creationId xmlns:a16="http://schemas.microsoft.com/office/drawing/2014/main" id="{C608F110-8A27-4B06-8987-F64D1E35CB63}"/>
+              </a:ext>
+            </a:extLst>
+          </p:cNvPr>
+          <p:cNvPicPr>
+            <a:picLocks noChangeAspect="1"/>
+          </p:cNvPicPr>
+          <p:nvPr/>
+        </p:nvPicPr>
+        <p:blipFill>
+          <a:blip r:embed="rId3">
+            <a:extLst>
+              <a:ext uri="{28A0092B-C50C-407E-A947-70E740481C1C}">
+                <a14:useLocalDpi xmlns:a14="http://schemas.microsoft.com/office/drawing/2010/main" val="0"/>
+              </a:ext>
+            </a:extLst>
+          </a:blip>
+          <a:stretch>
+            <a:fillRect/>
+          </a:stretch>
+        </p:blipFill>
+        <p:spPr>
+          <a:xfrm>
+            <a:off x="5644392" y="1903690"/>
+            <a:ext cx="4473585" cy="3715232"/>
+          </a:xfrm>
+          <a:prstGeom prst="rect">
+            <a:avLst/>
+          </a:prstGeom>
+        </p:spPr>
+      </p:pic>
+      <p:pic>
+        <p:nvPicPr>
+          <p:cNvPr id="12" name="Рисунок 11">
+            <a:extLst>
+              <a:ext uri="{FF2B5EF4-FFF2-40B4-BE49-F238E27FC236}">
+                <a16:creationId xmlns:a16="http://schemas.microsoft.com/office/drawing/2014/main" id="{9EB963BA-1F1F-4A49-9EB3-11B6C3387DE1}"/>
+              </a:ext>
+            </a:extLst>
+          </p:cNvPr>
+          <p:cNvPicPr>
+            <a:picLocks noChangeAspect="1"/>
+          </p:cNvPicPr>
+          <p:nvPr/>
+        </p:nvPicPr>
+        <p:blipFill>
+          <a:blip r:embed="rId4">
+            <a:extLst>
+              <a:ext uri="{28A0092B-C50C-407E-A947-70E740481C1C}">
+                <a14:useLocalDpi xmlns:a14="http://schemas.microsoft.com/office/drawing/2010/main" val="0"/>
+              </a:ext>
+            </a:extLst>
+          </a:blip>
+          <a:stretch>
+            <a:fillRect/>
+          </a:stretch>
+        </p:blipFill>
+        <p:spPr>
+          <a:xfrm>
+            <a:off x="776511" y="4711345"/>
+            <a:ext cx="535454" cy="1013949"/>
+          </a:xfrm>
+          <a:prstGeom prst="rect">
+            <a:avLst/>
+          </a:prstGeom>
+        </p:spPr>
+      </p:pic>
+      <p:pic>
+        <p:nvPicPr>
+          <p:cNvPr id="14" name="Рисунок 13">
+            <a:extLst>
+              <a:ext uri="{FF2B5EF4-FFF2-40B4-BE49-F238E27FC236}">
+                <a16:creationId xmlns:a16="http://schemas.microsoft.com/office/drawing/2014/main" id="{728C53CB-D4E9-49FD-BDE2-DD65ABF57AD7}"/>
+              </a:ext>
+            </a:extLst>
+          </p:cNvPr>
+          <p:cNvPicPr>
+            <a:picLocks noChangeAspect="1"/>
+          </p:cNvPicPr>
+          <p:nvPr/>
+        </p:nvPicPr>
+        <p:blipFill>
+          <a:blip r:embed="rId5">
+            <a:extLst>
+              <a:ext uri="{28A0092B-C50C-407E-A947-70E740481C1C}">
+                <a14:useLocalDpi xmlns:a14="http://schemas.microsoft.com/office/drawing/2010/main" val="0"/>
+              </a:ext>
+            </a:extLst>
+          </a:blip>
+          <a:stretch>
+            <a:fillRect/>
+          </a:stretch>
+        </p:blipFill>
+        <p:spPr>
+          <a:xfrm>
+            <a:off x="1806296" y="4711345"/>
+            <a:ext cx="535454" cy="1013949"/>
+          </a:xfrm>
+          <a:prstGeom prst="rect">
+            <a:avLst/>
+          </a:prstGeom>
+        </p:spPr>
+      </p:pic>
+      <p:pic>
+        <p:nvPicPr>
+          <p:cNvPr id="17" name="Рисунок 16">
+            <a:extLst>
+              <a:ext uri="{FF2B5EF4-FFF2-40B4-BE49-F238E27FC236}">
+                <a16:creationId xmlns:a16="http://schemas.microsoft.com/office/drawing/2014/main" id="{6E32103C-2334-4DCD-B037-052C6BB235E0}"/>
+              </a:ext>
+            </a:extLst>
+          </p:cNvPr>
+          <p:cNvPicPr>
+            <a:picLocks noChangeAspect="1"/>
+          </p:cNvPicPr>
+          <p:nvPr/>
+        </p:nvPicPr>
+        <p:blipFill>
+          <a:blip r:embed="rId6">
+            <a:extLst>
+              <a:ext uri="{28A0092B-C50C-407E-A947-70E740481C1C}">
+                <a14:useLocalDpi xmlns:a14="http://schemas.microsoft.com/office/drawing/2010/main" val="0"/>
+              </a:ext>
+            </a:extLst>
+          </a:blip>
+          <a:stretch>
+            <a:fillRect/>
+          </a:stretch>
+        </p:blipFill>
+        <p:spPr>
+          <a:xfrm>
+            <a:off x="2836081" y="4711345"/>
+            <a:ext cx="535454" cy="1013949"/>
+          </a:xfrm>
+          <a:prstGeom prst="rect">
+            <a:avLst/>
+          </a:prstGeom>
+        </p:spPr>
+      </p:pic>
+      <p:pic>
+        <p:nvPicPr>
+          <p:cNvPr id="19" name="Рисунок 18">
+            <a:extLst>
+              <a:ext uri="{FF2B5EF4-FFF2-40B4-BE49-F238E27FC236}">
+                <a16:creationId xmlns:a16="http://schemas.microsoft.com/office/drawing/2014/main" id="{EDD770BD-C5F4-4EE4-8055-54235BC38E3E}"/>
+              </a:ext>
+            </a:extLst>
+          </p:cNvPr>
+          <p:cNvPicPr>
+            <a:picLocks noChangeAspect="1"/>
+          </p:cNvPicPr>
+          <p:nvPr/>
+        </p:nvPicPr>
+        <p:blipFill>
+          <a:blip r:embed="rId7">
+            <a:extLst>
+              <a:ext uri="{28A0092B-C50C-407E-A947-70E740481C1C}">
+                <a14:useLocalDpi xmlns:a14="http://schemas.microsoft.com/office/drawing/2010/main" val="0"/>
+              </a:ext>
+            </a:extLst>
+          </a:blip>
+          <a:stretch>
+            <a:fillRect/>
+          </a:stretch>
+        </p:blipFill>
+        <p:spPr>
+          <a:xfrm>
+            <a:off x="3865866" y="4711345"/>
+            <a:ext cx="535454" cy="1013949"/>
+          </a:xfrm>
+          <a:prstGeom prst="rect">
+            <a:avLst/>
+          </a:prstGeom>
+        </p:spPr>
+      </p:pic>
+      <p:pic>
+        <p:nvPicPr>
+          <p:cNvPr id="21" name="Рисунок 20">
+            <a:extLst>
+              <a:ext uri="{FF2B5EF4-FFF2-40B4-BE49-F238E27FC236}">
+                <a16:creationId xmlns:a16="http://schemas.microsoft.com/office/drawing/2014/main" id="{B5D17B77-0B3D-422E-A252-07F2D77753D0}"/>
+              </a:ext>
+            </a:extLst>
+          </p:cNvPr>
+          <p:cNvPicPr>
+            <a:picLocks noChangeAspect="1"/>
+          </p:cNvPicPr>
+          <p:nvPr/>
+        </p:nvPicPr>
+        <p:blipFill>
+          <a:blip r:embed="rId8">
+            <a:extLst>
+              <a:ext uri="{28A0092B-C50C-407E-A947-70E740481C1C}">
+                <a14:useLocalDpi xmlns:a14="http://schemas.microsoft.com/office/drawing/2010/main" val="0"/>
+              </a:ext>
+            </a:extLst>
+          </a:blip>
+          <a:stretch>
+            <a:fillRect/>
+          </a:stretch>
+        </p:blipFill>
+        <p:spPr>
+          <a:xfrm>
+            <a:off x="716030" y="2140934"/>
+            <a:ext cx="1090266" cy="2064554"/>
+          </a:xfrm>
+          <a:prstGeom prst="rect">
+            <a:avLst/>
+          </a:prstGeom>
+        </p:spPr>
+      </p:pic>
+    </p:spTree>
+    <p:extLst>
+      <p:ext uri="{BB962C8B-B14F-4D97-AF65-F5344CB8AC3E}">
+        <p14:creationId xmlns:p14="http://schemas.microsoft.com/office/powerpoint/2010/main" val="2282796922"/>
       </p:ext>
     </p:extLst>
   </p:cSld>

--- a/Презентация.pptx
+++ b/Презентация.pptx
@@ -7,8 +7,8 @@
   <p:sldIdLst>
     <p:sldId id="256" r:id="rId2"/>
     <p:sldId id="260" r:id="rId3"/>
-    <p:sldId id="261" r:id="rId4"/>
-    <p:sldId id="262" r:id="rId5"/>
+    <p:sldId id="262" r:id="rId4"/>
+    <p:sldId id="261" r:id="rId5"/>
     <p:sldId id="263" r:id="rId6"/>
     <p:sldId id="264" r:id="rId7"/>
     <p:sldId id="265" r:id="rId8"/>
@@ -4303,7 +4303,7 @@
         </p:nvSpPr>
         <p:spPr>
           <a:xfrm>
-            <a:off x="4374237" y="345347"/>
+            <a:off x="4021807" y="331956"/>
             <a:ext cx="10515600" cy="1325563"/>
           </a:xfrm>
         </p:spPr>
@@ -4366,8 +4366,8 @@
         </p:blipFill>
         <p:spPr>
           <a:xfrm>
-            <a:off x="884726" y="1763771"/>
-            <a:ext cx="2285714" cy="2031746"/>
+            <a:off x="399822" y="1756056"/>
+            <a:ext cx="1699757" cy="1510895"/>
           </a:xfrm>
           <a:prstGeom prst="rect">
             <a:avLst/>
@@ -4402,8 +4402,8 @@
         </p:blipFill>
         <p:spPr>
           <a:xfrm>
-            <a:off x="884726" y="4135910"/>
-            <a:ext cx="2285714" cy="2031746"/>
+            <a:off x="373193" y="3429000"/>
+            <a:ext cx="1699757" cy="1510895"/>
           </a:xfrm>
           <a:prstGeom prst="rect">
             <a:avLst/>
@@ -4412,10 +4412,10 @@
       </p:pic>
       <p:pic>
         <p:nvPicPr>
-          <p:cNvPr id="9" name="Рисунок 8">
-            <a:extLst>
-              <a:ext uri="{FF2B5EF4-FFF2-40B4-BE49-F238E27FC236}">
-                <a16:creationId xmlns:a16="http://schemas.microsoft.com/office/drawing/2014/main" id="{D6E3FD4E-534D-4BC0-AE7D-B7F5F6B78EB0}"/>
+          <p:cNvPr id="5" name="Рисунок 4">
+            <a:extLst>
+              <a:ext uri="{FF2B5EF4-FFF2-40B4-BE49-F238E27FC236}">
+                <a16:creationId xmlns:a16="http://schemas.microsoft.com/office/drawing/2014/main" id="{C5484D3D-863A-4F21-80C2-44D8EA338047}"/>
               </a:ext>
             </a:extLst>
           </p:cNvPr>
@@ -4438,8 +4438,332 @@
         </p:blipFill>
         <p:spPr>
           <a:xfrm>
-            <a:off x="5219142" y="1844516"/>
-            <a:ext cx="4981863" cy="3068775"/>
+            <a:off x="2322050" y="1763771"/>
+            <a:ext cx="1699757" cy="1510895"/>
+          </a:xfrm>
+          <a:prstGeom prst="rect">
+            <a:avLst/>
+          </a:prstGeom>
+        </p:spPr>
+      </p:pic>
+      <p:pic>
+        <p:nvPicPr>
+          <p:cNvPr id="8" name="Рисунок 7">
+            <a:extLst>
+              <a:ext uri="{FF2B5EF4-FFF2-40B4-BE49-F238E27FC236}">
+                <a16:creationId xmlns:a16="http://schemas.microsoft.com/office/drawing/2014/main" id="{AD8BC13A-393F-4EA4-BAA9-F2FBBE88CD55}"/>
+              </a:ext>
+            </a:extLst>
+          </p:cNvPr>
+          <p:cNvPicPr>
+            <a:picLocks noChangeAspect="1"/>
+          </p:cNvPicPr>
+          <p:nvPr/>
+        </p:nvPicPr>
+        <p:blipFill>
+          <a:blip r:embed="rId5">
+            <a:extLst>
+              <a:ext uri="{28A0092B-C50C-407E-A947-70E740481C1C}">
+                <a14:useLocalDpi xmlns:a14="http://schemas.microsoft.com/office/drawing/2010/main" val="0"/>
+              </a:ext>
+            </a:extLst>
+          </a:blip>
+          <a:stretch>
+            <a:fillRect/>
+          </a:stretch>
+        </p:blipFill>
+        <p:spPr>
+          <a:xfrm>
+            <a:off x="7884622" y="1795815"/>
+            <a:ext cx="1699757" cy="1510895"/>
+          </a:xfrm>
+          <a:prstGeom prst="rect">
+            <a:avLst/>
+          </a:prstGeom>
+        </p:spPr>
+      </p:pic>
+      <p:pic>
+        <p:nvPicPr>
+          <p:cNvPr id="11" name="Рисунок 10">
+            <a:extLst>
+              <a:ext uri="{FF2B5EF4-FFF2-40B4-BE49-F238E27FC236}">
+                <a16:creationId xmlns:a16="http://schemas.microsoft.com/office/drawing/2014/main" id="{B1C9C9F8-69CC-4000-9340-F141372D7B03}"/>
+              </a:ext>
+            </a:extLst>
+          </p:cNvPr>
+          <p:cNvPicPr>
+            <a:picLocks noChangeAspect="1"/>
+          </p:cNvPicPr>
+          <p:nvPr/>
+        </p:nvPicPr>
+        <p:blipFill>
+          <a:blip r:embed="rId6">
+            <a:extLst>
+              <a:ext uri="{28A0092B-C50C-407E-A947-70E740481C1C}">
+                <a14:useLocalDpi xmlns:a14="http://schemas.microsoft.com/office/drawing/2010/main" val="0"/>
+              </a:ext>
+            </a:extLst>
+          </a:blip>
+          <a:stretch>
+            <a:fillRect/>
+          </a:stretch>
+        </p:blipFill>
+        <p:spPr>
+          <a:xfrm>
+            <a:off x="2323160" y="3450110"/>
+            <a:ext cx="1666764" cy="1481568"/>
+          </a:xfrm>
+          <a:prstGeom prst="rect">
+            <a:avLst/>
+          </a:prstGeom>
+        </p:spPr>
+      </p:pic>
+      <p:pic>
+        <p:nvPicPr>
+          <p:cNvPr id="13" name="Рисунок 12">
+            <a:extLst>
+              <a:ext uri="{FF2B5EF4-FFF2-40B4-BE49-F238E27FC236}">
+                <a16:creationId xmlns:a16="http://schemas.microsoft.com/office/drawing/2014/main" id="{04A4CA0A-CB88-4A7C-984B-69D8A4827952}"/>
+              </a:ext>
+            </a:extLst>
+          </p:cNvPr>
+          <p:cNvPicPr>
+            <a:picLocks noChangeAspect="1"/>
+          </p:cNvPicPr>
+          <p:nvPr/>
+        </p:nvPicPr>
+        <p:blipFill>
+          <a:blip r:embed="rId7">
+            <a:extLst>
+              <a:ext uri="{28A0092B-C50C-407E-A947-70E740481C1C}">
+                <a14:useLocalDpi xmlns:a14="http://schemas.microsoft.com/office/drawing/2010/main" val="0"/>
+              </a:ext>
+            </a:extLst>
+          </a:blip>
+          <a:stretch>
+            <a:fillRect/>
+          </a:stretch>
+        </p:blipFill>
+        <p:spPr>
+          <a:xfrm>
+            <a:off x="4244822" y="3412261"/>
+            <a:ext cx="1709344" cy="1519417"/>
+          </a:xfrm>
+          <a:prstGeom prst="rect">
+            <a:avLst/>
+          </a:prstGeom>
+        </p:spPr>
+      </p:pic>
+      <p:pic>
+        <p:nvPicPr>
+          <p:cNvPr id="15" name="Рисунок 14">
+            <a:extLst>
+              <a:ext uri="{FF2B5EF4-FFF2-40B4-BE49-F238E27FC236}">
+                <a16:creationId xmlns:a16="http://schemas.microsoft.com/office/drawing/2014/main" id="{6E509B53-96F5-4806-B1E3-73FC5D2CC6CB}"/>
+              </a:ext>
+            </a:extLst>
+          </p:cNvPr>
+          <p:cNvPicPr>
+            <a:picLocks noChangeAspect="1"/>
+          </p:cNvPicPr>
+          <p:nvPr/>
+        </p:nvPicPr>
+        <p:blipFill>
+          <a:blip r:embed="rId8">
+            <a:extLst>
+              <a:ext uri="{28A0092B-C50C-407E-A947-70E740481C1C}">
+                <a14:useLocalDpi xmlns:a14="http://schemas.microsoft.com/office/drawing/2010/main" val="0"/>
+              </a:ext>
+            </a:extLst>
+          </a:blip>
+          <a:stretch>
+            <a:fillRect/>
+          </a:stretch>
+        </p:blipFill>
+        <p:spPr>
+          <a:xfrm>
+            <a:off x="4244278" y="1795815"/>
+            <a:ext cx="1699757" cy="1510895"/>
+          </a:xfrm>
+          <a:prstGeom prst="rect">
+            <a:avLst/>
+          </a:prstGeom>
+        </p:spPr>
+      </p:pic>
+      <p:pic>
+        <p:nvPicPr>
+          <p:cNvPr id="17" name="Рисунок 16">
+            <a:extLst>
+              <a:ext uri="{FF2B5EF4-FFF2-40B4-BE49-F238E27FC236}">
+                <a16:creationId xmlns:a16="http://schemas.microsoft.com/office/drawing/2014/main" id="{EBD76B45-969B-45AE-BE16-DCA4A3D45BC6}"/>
+              </a:ext>
+            </a:extLst>
+          </p:cNvPr>
+          <p:cNvPicPr>
+            <a:picLocks noChangeAspect="1"/>
+          </p:cNvPicPr>
+          <p:nvPr/>
+        </p:nvPicPr>
+        <p:blipFill>
+          <a:blip r:embed="rId9">
+            <a:extLst>
+              <a:ext uri="{28A0092B-C50C-407E-A947-70E740481C1C}">
+                <a14:useLocalDpi xmlns:a14="http://schemas.microsoft.com/office/drawing/2010/main" val="0"/>
+              </a:ext>
+            </a:extLst>
+          </a:blip>
+          <a:stretch>
+            <a:fillRect/>
+          </a:stretch>
+        </p:blipFill>
+        <p:spPr>
+          <a:xfrm>
+            <a:off x="6064450" y="3445007"/>
+            <a:ext cx="1681749" cy="1494888"/>
+          </a:xfrm>
+          <a:prstGeom prst="rect">
+            <a:avLst/>
+          </a:prstGeom>
+        </p:spPr>
+      </p:pic>
+      <p:pic>
+        <p:nvPicPr>
+          <p:cNvPr id="19" name="Рисунок 18">
+            <a:extLst>
+              <a:ext uri="{FF2B5EF4-FFF2-40B4-BE49-F238E27FC236}">
+                <a16:creationId xmlns:a16="http://schemas.microsoft.com/office/drawing/2014/main" id="{05ED3CBF-7A11-4657-A507-96D18A387050}"/>
+              </a:ext>
+            </a:extLst>
+          </p:cNvPr>
+          <p:cNvPicPr>
+            <a:picLocks noChangeAspect="1"/>
+          </p:cNvPicPr>
+          <p:nvPr/>
+        </p:nvPicPr>
+        <p:blipFill>
+          <a:blip r:embed="rId10">
+            <a:extLst>
+              <a:ext uri="{28A0092B-C50C-407E-A947-70E740481C1C}">
+                <a14:useLocalDpi xmlns:a14="http://schemas.microsoft.com/office/drawing/2010/main" val="0"/>
+              </a:ext>
+            </a:extLst>
+          </a:blip>
+          <a:stretch>
+            <a:fillRect/>
+          </a:stretch>
+        </p:blipFill>
+        <p:spPr>
+          <a:xfrm>
+            <a:off x="9704794" y="3517103"/>
+            <a:ext cx="1700944" cy="1511950"/>
+          </a:xfrm>
+          <a:prstGeom prst="rect">
+            <a:avLst/>
+          </a:prstGeom>
+        </p:spPr>
+      </p:pic>
+      <p:pic>
+        <p:nvPicPr>
+          <p:cNvPr id="21" name="Рисунок 20">
+            <a:extLst>
+              <a:ext uri="{FF2B5EF4-FFF2-40B4-BE49-F238E27FC236}">
+                <a16:creationId xmlns:a16="http://schemas.microsoft.com/office/drawing/2014/main" id="{B2EB5336-012D-4235-A41A-F9CE7AF03AD4}"/>
+              </a:ext>
+            </a:extLst>
+          </p:cNvPr>
+          <p:cNvPicPr>
+            <a:picLocks noChangeAspect="1"/>
+          </p:cNvPicPr>
+          <p:nvPr/>
+        </p:nvPicPr>
+        <p:blipFill>
+          <a:blip r:embed="rId11">
+            <a:extLst>
+              <a:ext uri="{28A0092B-C50C-407E-A947-70E740481C1C}">
+                <a14:useLocalDpi xmlns:a14="http://schemas.microsoft.com/office/drawing/2010/main" val="0"/>
+              </a:ext>
+            </a:extLst>
+          </a:blip>
+          <a:stretch>
+            <a:fillRect/>
+          </a:stretch>
+        </p:blipFill>
+        <p:spPr>
+          <a:xfrm>
+            <a:off x="7884622" y="3499375"/>
+            <a:ext cx="1646971" cy="1463974"/>
+          </a:xfrm>
+          <a:prstGeom prst="rect">
+            <a:avLst/>
+          </a:prstGeom>
+        </p:spPr>
+      </p:pic>
+      <p:pic>
+        <p:nvPicPr>
+          <p:cNvPr id="23" name="Рисунок 22">
+            <a:extLst>
+              <a:ext uri="{FF2B5EF4-FFF2-40B4-BE49-F238E27FC236}">
+                <a16:creationId xmlns:a16="http://schemas.microsoft.com/office/drawing/2014/main" id="{D697A2AB-D867-41D6-9901-80CBA2E92482}"/>
+              </a:ext>
+            </a:extLst>
+          </p:cNvPr>
+          <p:cNvPicPr>
+            <a:picLocks noChangeAspect="1"/>
+          </p:cNvPicPr>
+          <p:nvPr/>
+        </p:nvPicPr>
+        <p:blipFill>
+          <a:blip r:embed="rId12">
+            <a:extLst>
+              <a:ext uri="{28A0092B-C50C-407E-A947-70E740481C1C}">
+                <a14:useLocalDpi xmlns:a14="http://schemas.microsoft.com/office/drawing/2010/main" val="0"/>
+              </a:ext>
+            </a:extLst>
+          </a:blip>
+          <a:stretch>
+            <a:fillRect/>
+          </a:stretch>
+        </p:blipFill>
+        <p:spPr>
+          <a:xfrm>
+            <a:off x="9704794" y="1802511"/>
+            <a:ext cx="1700944" cy="1510895"/>
+          </a:xfrm>
+          <a:prstGeom prst="rect">
+            <a:avLst/>
+          </a:prstGeom>
+        </p:spPr>
+      </p:pic>
+      <p:pic>
+        <p:nvPicPr>
+          <p:cNvPr id="25" name="Рисунок 24">
+            <a:extLst>
+              <a:ext uri="{FF2B5EF4-FFF2-40B4-BE49-F238E27FC236}">
+                <a16:creationId xmlns:a16="http://schemas.microsoft.com/office/drawing/2014/main" id="{3D7FBD58-97D7-4133-A831-B98D37627F82}"/>
+              </a:ext>
+            </a:extLst>
+          </p:cNvPr>
+          <p:cNvPicPr>
+            <a:picLocks noChangeAspect="1"/>
+          </p:cNvPicPr>
+          <p:nvPr/>
+        </p:nvPicPr>
+        <p:blipFill>
+          <a:blip r:embed="rId13">
+            <a:extLst>
+              <a:ext uri="{28A0092B-C50C-407E-A947-70E740481C1C}">
+                <a14:useLocalDpi xmlns:a14="http://schemas.microsoft.com/office/drawing/2010/main" val="0"/>
+              </a:ext>
+            </a:extLst>
+          </a:blip>
+          <a:stretch>
+            <a:fillRect/>
+          </a:stretch>
+        </p:blipFill>
+        <p:spPr>
+          <a:xfrm>
+            <a:off x="6064450" y="1795815"/>
+            <a:ext cx="1699757" cy="1510896"/>
           </a:xfrm>
           <a:prstGeom prst="rect">
             <a:avLst/>
@@ -5281,6 +5605,252 @@
         </p:nvSpPr>
         <p:spPr>
           <a:xfrm>
+            <a:off x="3200400" y="378376"/>
+            <a:ext cx="10515600" cy="1325563"/>
+          </a:xfrm>
+        </p:spPr>
+        <p:txBody>
+          <a:bodyPr>
+            <a:normAutofit/>
+          </a:bodyPr>
+          <a:lstStyle/>
+          <a:p>
+            <a:r>
+              <a:rPr lang="ru-RU" sz="6600" b="1" dirty="0" err="1">
+                <a:ln w="13462">
+                  <a:solidFill>
+                    <a:schemeClr val="bg1"/>
+                  </a:solidFill>
+                  <a:prstDash val="solid"/>
+                </a:ln>
+                <a:solidFill>
+                  <a:schemeClr val="accent2">
+                    <a:lumMod val="50000"/>
+                  </a:schemeClr>
+                </a:solidFill>
+                <a:effectLst>
+                  <a:outerShdw dist="38100" dir="2700000" algn="bl" rotWithShape="0">
+                    <a:schemeClr val="accent5"/>
+                  </a:outerShdw>
+                </a:effectLst>
+                <a:latin typeface="+mn-lt"/>
+              </a:rPr>
+              <a:t>Платформер</a:t>
+            </a:r>
+            <a:endParaRPr lang="ru-RU" sz="6600" b="1" dirty="0">
+              <a:ln w="13462">
+                <a:solidFill>
+                  <a:schemeClr val="bg1"/>
+                </a:solidFill>
+                <a:prstDash val="solid"/>
+              </a:ln>
+              <a:solidFill>
+                <a:schemeClr val="accent2">
+                  <a:lumMod val="50000"/>
+                </a:schemeClr>
+              </a:solidFill>
+              <a:effectLst>
+                <a:outerShdw dist="38100" dir="2700000" algn="bl" rotWithShape="0">
+                  <a:schemeClr val="accent5"/>
+                </a:outerShdw>
+              </a:effectLst>
+              <a:latin typeface="+mn-lt"/>
+            </a:endParaRPr>
+          </a:p>
+        </p:txBody>
+      </p:sp>
+      <p:pic>
+        <p:nvPicPr>
+          <p:cNvPr id="6" name="Рисунок 5">
+            <a:extLst>
+              <a:ext uri="{FF2B5EF4-FFF2-40B4-BE49-F238E27FC236}">
+                <a16:creationId xmlns:a16="http://schemas.microsoft.com/office/drawing/2014/main" id="{35EDC24C-019D-4137-9217-5641D27ED5BE}"/>
+              </a:ext>
+            </a:extLst>
+          </p:cNvPr>
+          <p:cNvPicPr>
+            <a:picLocks noChangeAspect="1"/>
+          </p:cNvPicPr>
+          <p:nvPr/>
+        </p:nvPicPr>
+        <p:blipFill>
+          <a:blip r:embed="rId2">
+            <a:extLst>
+              <a:ext uri="{28A0092B-C50C-407E-A947-70E740481C1C}">
+                <a14:useLocalDpi xmlns:a14="http://schemas.microsoft.com/office/drawing/2010/main" val="0"/>
+              </a:ext>
+            </a:extLst>
+          </a:blip>
+          <a:stretch>
+            <a:fillRect/>
+          </a:stretch>
+        </p:blipFill>
+        <p:spPr>
+          <a:xfrm>
+            <a:off x="384313" y="1703939"/>
+            <a:ext cx="6498356" cy="3371022"/>
+          </a:xfrm>
+          <a:prstGeom prst="rect">
+            <a:avLst/>
+          </a:prstGeom>
+        </p:spPr>
+      </p:pic>
+      <p:pic>
+        <p:nvPicPr>
+          <p:cNvPr id="8" name="Рисунок 7">
+            <a:extLst>
+              <a:ext uri="{FF2B5EF4-FFF2-40B4-BE49-F238E27FC236}">
+                <a16:creationId xmlns:a16="http://schemas.microsoft.com/office/drawing/2014/main" id="{B718708B-AB66-4574-991D-1B13E849CF4A}"/>
+              </a:ext>
+            </a:extLst>
+          </p:cNvPr>
+          <p:cNvPicPr>
+            <a:picLocks noChangeAspect="1"/>
+          </p:cNvPicPr>
+          <p:nvPr/>
+        </p:nvPicPr>
+        <p:blipFill>
+          <a:blip r:embed="rId3">
+            <a:extLst>
+              <a:ext uri="{28A0092B-C50C-407E-A947-70E740481C1C}">
+                <a14:useLocalDpi xmlns:a14="http://schemas.microsoft.com/office/drawing/2010/main" val="0"/>
+              </a:ext>
+            </a:extLst>
+          </a:blip>
+          <a:stretch>
+            <a:fillRect/>
+          </a:stretch>
+        </p:blipFill>
+        <p:spPr>
+          <a:xfrm>
+            <a:off x="8140739" y="1826078"/>
+            <a:ext cx="634921" cy="634921"/>
+          </a:xfrm>
+          <a:prstGeom prst="rect">
+            <a:avLst/>
+          </a:prstGeom>
+        </p:spPr>
+      </p:pic>
+      <p:pic>
+        <p:nvPicPr>
+          <p:cNvPr id="10" name="Рисунок 9">
+            <a:extLst>
+              <a:ext uri="{FF2B5EF4-FFF2-40B4-BE49-F238E27FC236}">
+                <a16:creationId xmlns:a16="http://schemas.microsoft.com/office/drawing/2014/main" id="{8A812729-0E56-480C-9A68-5420D1298A2B}"/>
+              </a:ext>
+            </a:extLst>
+          </p:cNvPr>
+          <p:cNvPicPr>
+            <a:picLocks noChangeAspect="1"/>
+          </p:cNvPicPr>
+          <p:nvPr/>
+        </p:nvPicPr>
+        <p:blipFill>
+          <a:blip r:embed="rId4">
+            <a:extLst>
+              <a:ext uri="{28A0092B-C50C-407E-A947-70E740481C1C}">
+                <a14:useLocalDpi xmlns:a14="http://schemas.microsoft.com/office/drawing/2010/main" val="0"/>
+              </a:ext>
+            </a:extLst>
+          </a:blip>
+          <a:stretch>
+            <a:fillRect/>
+          </a:stretch>
+        </p:blipFill>
+        <p:spPr>
+          <a:xfrm>
+            <a:off x="9061373" y="2544890"/>
+            <a:ext cx="560570" cy="467140"/>
+          </a:xfrm>
+          <a:prstGeom prst="rect">
+            <a:avLst/>
+          </a:prstGeom>
+        </p:spPr>
+      </p:pic>
+      <p:pic>
+        <p:nvPicPr>
+          <p:cNvPr id="12" name="Рисунок 11">
+            <a:extLst>
+              <a:ext uri="{FF2B5EF4-FFF2-40B4-BE49-F238E27FC236}">
+                <a16:creationId xmlns:a16="http://schemas.microsoft.com/office/drawing/2014/main" id="{75416DA5-B202-4D96-8189-B55FBB5D8FD5}"/>
+              </a:ext>
+            </a:extLst>
+          </p:cNvPr>
+          <p:cNvPicPr>
+            <a:picLocks noChangeAspect="1"/>
+          </p:cNvPicPr>
+          <p:nvPr/>
+        </p:nvPicPr>
+        <p:blipFill>
+          <a:blip r:embed="rId5">
+            <a:extLst>
+              <a:ext uri="{28A0092B-C50C-407E-A947-70E740481C1C}">
+                <a14:useLocalDpi xmlns:a14="http://schemas.microsoft.com/office/drawing/2010/main" val="0"/>
+              </a:ext>
+            </a:extLst>
+          </a:blip>
+          <a:stretch>
+            <a:fillRect/>
+          </a:stretch>
+        </p:blipFill>
+        <p:spPr>
+          <a:xfrm>
+            <a:off x="8071817" y="3301950"/>
+            <a:ext cx="2539682" cy="1015873"/>
+          </a:xfrm>
+          <a:prstGeom prst="rect">
+            <a:avLst/>
+          </a:prstGeom>
+        </p:spPr>
+      </p:pic>
+    </p:spTree>
+    <p:extLst>
+      <p:ext uri="{BB962C8B-B14F-4D97-AF65-F5344CB8AC3E}">
+        <p14:creationId xmlns:p14="http://schemas.microsoft.com/office/powerpoint/2010/main" val="2955943707"/>
+      </p:ext>
+    </p:extLst>
+  </p:cSld>
+  <p:clrMapOvr>
+    <a:masterClrMapping/>
+  </p:clrMapOvr>
+</p:sld>
+</file>
+
+<file path=ppt/slides/slide4.xml><?xml version="1.0" encoding="utf-8"?>
+<p:sld xmlns:a="http://schemas.openxmlformats.org/drawingml/2006/main" xmlns:r="http://schemas.openxmlformats.org/officeDocument/2006/relationships" xmlns:p="http://schemas.openxmlformats.org/presentationml/2006/main">
+  <p:cSld>
+    <p:spTree>
+      <p:nvGrpSpPr>
+        <p:cNvPr id="1" name=""/>
+        <p:cNvGrpSpPr/>
+        <p:nvPr/>
+      </p:nvGrpSpPr>
+      <p:grpSpPr>
+        <a:xfrm>
+          <a:off x="0" y="0"/>
+          <a:ext cx="0" cy="0"/>
+          <a:chOff x="0" y="0"/>
+          <a:chExt cx="0" cy="0"/>
+        </a:xfrm>
+      </p:grpSpPr>
+      <p:sp>
+        <p:nvSpPr>
+          <p:cNvPr id="3" name="Заголовок 1">
+            <a:extLst>
+              <a:ext uri="{FF2B5EF4-FFF2-40B4-BE49-F238E27FC236}">
+                <a16:creationId xmlns:a16="http://schemas.microsoft.com/office/drawing/2014/main" id="{702423D9-40DE-4A3A-AEFC-CFEEDF2E3DDB}"/>
+              </a:ext>
+            </a:extLst>
+          </p:cNvPr>
+          <p:cNvSpPr>
+            <a:spLocks noGrp="1"/>
+          </p:cNvSpPr>
+          <p:nvPr>
+            <p:ph type="title"/>
+          </p:nvPr>
+        </p:nvSpPr>
+        <p:spPr>
+          <a:xfrm>
             <a:off x="3558209" y="192847"/>
             <a:ext cx="10515600" cy="1325563"/>
           </a:xfrm>
@@ -5466,252 +6036,6 @@
     <p:extLst>
       <p:ext uri="{BB962C8B-B14F-4D97-AF65-F5344CB8AC3E}">
         <p14:creationId xmlns:p14="http://schemas.microsoft.com/office/powerpoint/2010/main" val="2408183385"/>
-      </p:ext>
-    </p:extLst>
-  </p:cSld>
-  <p:clrMapOvr>
-    <a:masterClrMapping/>
-  </p:clrMapOvr>
-</p:sld>
-</file>
-
-<file path=ppt/slides/slide4.xml><?xml version="1.0" encoding="utf-8"?>
-<p:sld xmlns:a="http://schemas.openxmlformats.org/drawingml/2006/main" xmlns:r="http://schemas.openxmlformats.org/officeDocument/2006/relationships" xmlns:p="http://schemas.openxmlformats.org/presentationml/2006/main">
-  <p:cSld>
-    <p:spTree>
-      <p:nvGrpSpPr>
-        <p:cNvPr id="1" name=""/>
-        <p:cNvGrpSpPr/>
-        <p:nvPr/>
-      </p:nvGrpSpPr>
-      <p:grpSpPr>
-        <a:xfrm>
-          <a:off x="0" y="0"/>
-          <a:ext cx="0" cy="0"/>
-          <a:chOff x="0" y="0"/>
-          <a:chExt cx="0" cy="0"/>
-        </a:xfrm>
-      </p:grpSpPr>
-      <p:sp>
-        <p:nvSpPr>
-          <p:cNvPr id="3" name="Заголовок 1">
-            <a:extLst>
-              <a:ext uri="{FF2B5EF4-FFF2-40B4-BE49-F238E27FC236}">
-                <a16:creationId xmlns:a16="http://schemas.microsoft.com/office/drawing/2014/main" id="{702423D9-40DE-4A3A-AEFC-CFEEDF2E3DDB}"/>
-              </a:ext>
-            </a:extLst>
-          </p:cNvPr>
-          <p:cNvSpPr>
-            <a:spLocks noGrp="1"/>
-          </p:cNvSpPr>
-          <p:nvPr>
-            <p:ph type="title"/>
-          </p:nvPr>
-        </p:nvSpPr>
-        <p:spPr>
-          <a:xfrm>
-            <a:off x="3200400" y="378376"/>
-            <a:ext cx="10515600" cy="1325563"/>
-          </a:xfrm>
-        </p:spPr>
-        <p:txBody>
-          <a:bodyPr>
-            <a:normAutofit/>
-          </a:bodyPr>
-          <a:lstStyle/>
-          <a:p>
-            <a:r>
-              <a:rPr lang="ru-RU" sz="6600" b="1" dirty="0" err="1">
-                <a:ln w="13462">
-                  <a:solidFill>
-                    <a:schemeClr val="bg1"/>
-                  </a:solidFill>
-                  <a:prstDash val="solid"/>
-                </a:ln>
-                <a:solidFill>
-                  <a:schemeClr val="accent2">
-                    <a:lumMod val="50000"/>
-                  </a:schemeClr>
-                </a:solidFill>
-                <a:effectLst>
-                  <a:outerShdw dist="38100" dir="2700000" algn="bl" rotWithShape="0">
-                    <a:schemeClr val="accent5"/>
-                  </a:outerShdw>
-                </a:effectLst>
-                <a:latin typeface="+mn-lt"/>
-              </a:rPr>
-              <a:t>Платформер</a:t>
-            </a:r>
-            <a:endParaRPr lang="ru-RU" sz="6600" b="1" dirty="0">
-              <a:ln w="13462">
-                <a:solidFill>
-                  <a:schemeClr val="bg1"/>
-                </a:solidFill>
-                <a:prstDash val="solid"/>
-              </a:ln>
-              <a:solidFill>
-                <a:schemeClr val="accent2">
-                  <a:lumMod val="50000"/>
-                </a:schemeClr>
-              </a:solidFill>
-              <a:effectLst>
-                <a:outerShdw dist="38100" dir="2700000" algn="bl" rotWithShape="0">
-                  <a:schemeClr val="accent5"/>
-                </a:outerShdw>
-              </a:effectLst>
-              <a:latin typeface="+mn-lt"/>
-            </a:endParaRPr>
-          </a:p>
-        </p:txBody>
-      </p:sp>
-      <p:pic>
-        <p:nvPicPr>
-          <p:cNvPr id="6" name="Рисунок 5">
-            <a:extLst>
-              <a:ext uri="{FF2B5EF4-FFF2-40B4-BE49-F238E27FC236}">
-                <a16:creationId xmlns:a16="http://schemas.microsoft.com/office/drawing/2014/main" id="{35EDC24C-019D-4137-9217-5641D27ED5BE}"/>
-              </a:ext>
-            </a:extLst>
-          </p:cNvPr>
-          <p:cNvPicPr>
-            <a:picLocks noChangeAspect="1"/>
-          </p:cNvPicPr>
-          <p:nvPr/>
-        </p:nvPicPr>
-        <p:blipFill>
-          <a:blip r:embed="rId2">
-            <a:extLst>
-              <a:ext uri="{28A0092B-C50C-407E-A947-70E740481C1C}">
-                <a14:useLocalDpi xmlns:a14="http://schemas.microsoft.com/office/drawing/2010/main" val="0"/>
-              </a:ext>
-            </a:extLst>
-          </a:blip>
-          <a:stretch>
-            <a:fillRect/>
-          </a:stretch>
-        </p:blipFill>
-        <p:spPr>
-          <a:xfrm>
-            <a:off x="384313" y="1703939"/>
-            <a:ext cx="6498356" cy="3371022"/>
-          </a:xfrm>
-          <a:prstGeom prst="rect">
-            <a:avLst/>
-          </a:prstGeom>
-        </p:spPr>
-      </p:pic>
-      <p:pic>
-        <p:nvPicPr>
-          <p:cNvPr id="8" name="Рисунок 7">
-            <a:extLst>
-              <a:ext uri="{FF2B5EF4-FFF2-40B4-BE49-F238E27FC236}">
-                <a16:creationId xmlns:a16="http://schemas.microsoft.com/office/drawing/2014/main" id="{B718708B-AB66-4574-991D-1B13E849CF4A}"/>
-              </a:ext>
-            </a:extLst>
-          </p:cNvPr>
-          <p:cNvPicPr>
-            <a:picLocks noChangeAspect="1"/>
-          </p:cNvPicPr>
-          <p:nvPr/>
-        </p:nvPicPr>
-        <p:blipFill>
-          <a:blip r:embed="rId3">
-            <a:extLst>
-              <a:ext uri="{28A0092B-C50C-407E-A947-70E740481C1C}">
-                <a14:useLocalDpi xmlns:a14="http://schemas.microsoft.com/office/drawing/2010/main" val="0"/>
-              </a:ext>
-            </a:extLst>
-          </a:blip>
-          <a:stretch>
-            <a:fillRect/>
-          </a:stretch>
-        </p:blipFill>
-        <p:spPr>
-          <a:xfrm>
-            <a:off x="8140739" y="1826078"/>
-            <a:ext cx="634921" cy="634921"/>
-          </a:xfrm>
-          <a:prstGeom prst="rect">
-            <a:avLst/>
-          </a:prstGeom>
-        </p:spPr>
-      </p:pic>
-      <p:pic>
-        <p:nvPicPr>
-          <p:cNvPr id="10" name="Рисунок 9">
-            <a:extLst>
-              <a:ext uri="{FF2B5EF4-FFF2-40B4-BE49-F238E27FC236}">
-                <a16:creationId xmlns:a16="http://schemas.microsoft.com/office/drawing/2014/main" id="{8A812729-0E56-480C-9A68-5420D1298A2B}"/>
-              </a:ext>
-            </a:extLst>
-          </p:cNvPr>
-          <p:cNvPicPr>
-            <a:picLocks noChangeAspect="1"/>
-          </p:cNvPicPr>
-          <p:nvPr/>
-        </p:nvPicPr>
-        <p:blipFill>
-          <a:blip r:embed="rId4">
-            <a:extLst>
-              <a:ext uri="{28A0092B-C50C-407E-A947-70E740481C1C}">
-                <a14:useLocalDpi xmlns:a14="http://schemas.microsoft.com/office/drawing/2010/main" val="0"/>
-              </a:ext>
-            </a:extLst>
-          </a:blip>
-          <a:stretch>
-            <a:fillRect/>
-          </a:stretch>
-        </p:blipFill>
-        <p:spPr>
-          <a:xfrm>
-            <a:off x="9061373" y="2544890"/>
-            <a:ext cx="560570" cy="467140"/>
-          </a:xfrm>
-          <a:prstGeom prst="rect">
-            <a:avLst/>
-          </a:prstGeom>
-        </p:spPr>
-      </p:pic>
-      <p:pic>
-        <p:nvPicPr>
-          <p:cNvPr id="12" name="Рисунок 11">
-            <a:extLst>
-              <a:ext uri="{FF2B5EF4-FFF2-40B4-BE49-F238E27FC236}">
-                <a16:creationId xmlns:a16="http://schemas.microsoft.com/office/drawing/2014/main" id="{75416DA5-B202-4D96-8189-B55FBB5D8FD5}"/>
-              </a:ext>
-            </a:extLst>
-          </p:cNvPr>
-          <p:cNvPicPr>
-            <a:picLocks noChangeAspect="1"/>
-          </p:cNvPicPr>
-          <p:nvPr/>
-        </p:nvPicPr>
-        <p:blipFill>
-          <a:blip r:embed="rId5">
-            <a:extLst>
-              <a:ext uri="{28A0092B-C50C-407E-A947-70E740481C1C}">
-                <a14:useLocalDpi xmlns:a14="http://schemas.microsoft.com/office/drawing/2010/main" val="0"/>
-              </a:ext>
-            </a:extLst>
-          </a:blip>
-          <a:stretch>
-            <a:fillRect/>
-          </a:stretch>
-        </p:blipFill>
-        <p:spPr>
-          <a:xfrm>
-            <a:off x="8071817" y="3301950"/>
-            <a:ext cx="2539682" cy="1015873"/>
-          </a:xfrm>
-          <a:prstGeom prst="rect">
-            <a:avLst/>
-          </a:prstGeom>
-        </p:spPr>
-      </p:pic>
-    </p:spTree>
-    <p:extLst>
-      <p:ext uri="{BB962C8B-B14F-4D97-AF65-F5344CB8AC3E}">
-        <p14:creationId xmlns:p14="http://schemas.microsoft.com/office/powerpoint/2010/main" val="2955943707"/>
       </p:ext>
     </p:extLst>
   </p:cSld>
